--- a/종합설계1/종합설계1 진행 상황.pptx
+++ b/종합설계1/종합설계1 진행 상황.pptx
@@ -307,7 +307,7 @@
           <a:p>
             <a:fld id="{F8166F1F-CE9B-4651-A6AA-CD717754106B}" type="datetimeFigureOut">
               <a:rPr lang="en-US" smtClean="0"/>
-              <a:t>4/13/2020</a:t>
+              <a:t>4/15/2020</a:t>
             </a:fld>
             <a:endParaRPr lang="en-US"/>
           </a:p>
@@ -470,7 +470,7 @@
           <a:p>
             <a:fld id="{A76116CE-C4A3-4A05-B2D7-7C2E9A889C0F}" type="datetimeFigureOut">
               <a:rPr lang="en-US" smtClean="0"/>
-              <a:t>4/13/2020</a:t>
+              <a:t>4/15/2020</a:t>
             </a:fld>
             <a:endParaRPr lang="en-US"/>
           </a:p>
@@ -643,7 +643,7 @@
           <a:p>
             <a:fld id="{A76116CE-C4A3-4A05-B2D7-7C2E9A889C0F}" type="datetimeFigureOut">
               <a:rPr lang="en-US" smtClean="0"/>
-              <a:t>4/13/2020</a:t>
+              <a:t>4/15/2020</a:t>
             </a:fld>
             <a:endParaRPr lang="en-US"/>
           </a:p>
@@ -808,7 +808,7 @@
           <a:p>
             <a:fld id="{A76116CE-C4A3-4A05-B2D7-7C2E9A889C0F}" type="datetimeFigureOut">
               <a:rPr lang="en-US" smtClean="0"/>
-              <a:t>4/13/2020</a:t>
+              <a:t>4/15/2020</a:t>
             </a:fld>
             <a:endParaRPr lang="en-US"/>
           </a:p>
@@ -1048,7 +1048,7 @@
           <a:p>
             <a:fld id="{A76116CE-C4A3-4A05-B2D7-7C2E9A889C0F}" type="datetimeFigureOut">
               <a:rPr lang="en-US" smtClean="0"/>
-              <a:t>4/13/2020</a:t>
+              <a:t>4/15/2020</a:t>
             </a:fld>
             <a:endParaRPr lang="en-US"/>
           </a:p>
@@ -1328,7 +1328,7 @@
           <a:p>
             <a:fld id="{A76116CE-C4A3-4A05-B2D7-7C2E9A889C0F}" type="datetimeFigureOut">
               <a:rPr lang="en-US" smtClean="0"/>
-              <a:t>4/13/2020</a:t>
+              <a:t>4/15/2020</a:t>
             </a:fld>
             <a:endParaRPr lang="en-US"/>
           </a:p>
@@ -1742,7 +1742,7 @@
           <a:p>
             <a:fld id="{A76116CE-C4A3-4A05-B2D7-7C2E9A889C0F}" type="datetimeFigureOut">
               <a:rPr lang="en-US" smtClean="0"/>
-              <a:t>4/13/2020</a:t>
+              <a:t>4/15/2020</a:t>
             </a:fld>
             <a:endParaRPr lang="en-US"/>
           </a:p>
@@ -1854,7 +1854,7 @@
           <a:p>
             <a:fld id="{A76116CE-C4A3-4A05-B2D7-7C2E9A889C0F}" type="datetimeFigureOut">
               <a:rPr lang="en-US" smtClean="0"/>
-              <a:t>4/13/2020</a:t>
+              <a:t>4/15/2020</a:t>
             </a:fld>
             <a:endParaRPr lang="en-US"/>
           </a:p>
@@ -1944,7 +1944,7 @@
           <a:p>
             <a:fld id="{A76116CE-C4A3-4A05-B2D7-7C2E9A889C0F}" type="datetimeFigureOut">
               <a:rPr lang="en-US" smtClean="0"/>
-              <a:t>4/13/2020</a:t>
+              <a:t>4/15/2020</a:t>
             </a:fld>
             <a:endParaRPr lang="en-US"/>
           </a:p>
@@ -2214,7 +2214,7 @@
           <a:p>
             <a:fld id="{A76116CE-C4A3-4A05-B2D7-7C2E9A889C0F}" type="datetimeFigureOut">
               <a:rPr lang="en-US" smtClean="0"/>
-              <a:t>4/13/2020</a:t>
+              <a:t>4/15/2020</a:t>
             </a:fld>
             <a:endParaRPr lang="en-US"/>
           </a:p>
@@ -2461,7 +2461,7 @@
           <a:p>
             <a:fld id="{A76116CE-C4A3-4A05-B2D7-7C2E9A889C0F}" type="datetimeFigureOut">
               <a:rPr lang="en-US" smtClean="0"/>
-              <a:t>4/13/2020</a:t>
+              <a:t>4/15/2020</a:t>
             </a:fld>
             <a:endParaRPr lang="en-US"/>
           </a:p>
@@ -2667,7 +2667,7 @@
           <a:p>
             <a:fld id="{F8166F1F-CE9B-4651-A6AA-CD717754106B}" type="datetimeFigureOut">
               <a:rPr lang="en-US" smtClean="0"/>
-              <a:t>4/13/2020</a:t>
+              <a:t>4/15/2020</a:t>
             </a:fld>
             <a:endParaRPr lang="en-US"/>
           </a:p>
@@ -3968,14 +3968,14 @@
       </p:grpSpPr>
       <p:sp>
         <p:nvSpPr>
-          <p:cNvPr id="3" name="Object 3"/>
+          <p:cNvPr id="4" name="Object 4"/>
           <p:cNvSpPr txBox="1"/>
           <p:nvPr/>
         </p:nvSpPr>
         <p:spPr>
           <a:xfrm>
-            <a:off x="5600579" y="3865015"/>
-            <a:ext cx="7169521" cy="4000129"/>
+            <a:off x="5500457" y="1077730"/>
+            <a:ext cx="8394284" cy="1590685"/>
           </a:xfrm>
           <a:prstGeom prst="rect">
             <a:avLst/>
@@ -3988,85 +3988,15 @@
           <a:p>
             <a:pPr algn="just"/>
             <a:r>
-              <a:rPr lang="en-US" sz="2400" kern="0" spc="-100" dirty="0">
-                <a:solidFill>
-                  <a:srgbClr val="000000"/>
-                </a:solidFill>
-                <a:latin typeface="a뉴굴림1" panose="02020600000000000000" pitchFamily="18" charset="-127"/>
-                <a:ea typeface="a뉴굴림1" panose="02020600000000000000" pitchFamily="18" charset="-127"/>
-                <a:cs typeface="에스코어 드림 4" pitchFamily="34" charset="0"/>
-              </a:rPr>
-              <a:t>이곳에 텍스트를 입력해주세요. 내용을 이곳에 입력</a:t>
-            </a:r>
-          </a:p>
-          <a:p>
-            <a:pPr algn="just"/>
-            <a:r>
-              <a:rPr lang="en-US" sz="2400" kern="0" spc="-100" dirty="0">
-                <a:solidFill>
-                  <a:srgbClr val="000000"/>
-                </a:solidFill>
-                <a:latin typeface="a뉴굴림1" panose="02020600000000000000" pitchFamily="18" charset="-127"/>
-                <a:ea typeface="a뉴굴림1" panose="02020600000000000000" pitchFamily="18" charset="-127"/>
-                <a:cs typeface="에스코어 드림 4" pitchFamily="34" charset="0"/>
-              </a:rPr>
-              <a:t>하여 주세요. 텍스트 박스를 더블클릭하여 내용을 수</a:t>
-            </a:r>
-          </a:p>
-          <a:p>
-            <a:pPr algn="just"/>
-            <a:r>
-              <a:rPr lang="en-US" sz="2400" kern="0" spc="-100" dirty="0">
-                <a:solidFill>
-                  <a:srgbClr val="000000"/>
-                </a:solidFill>
-                <a:latin typeface="a뉴굴림1" panose="02020600000000000000" pitchFamily="18" charset="-127"/>
-                <a:ea typeface="a뉴굴림1" panose="02020600000000000000" pitchFamily="18" charset="-127"/>
-                <a:cs typeface="에스코어 드림 4" pitchFamily="34" charset="0"/>
-              </a:rPr>
-              <a:t>정하여 주세요. 이곳의 세부사항을 변경해 주세요. </a:t>
-            </a:r>
-          </a:p>
-          <a:p>
-            <a:pPr algn="just"/>
-            <a:r>
-              <a:rPr lang="en-US" sz="2400" kern="0" spc="-100" dirty="0">
-                <a:solidFill>
-                  <a:srgbClr val="000000"/>
-                </a:solidFill>
-                <a:latin typeface="a뉴굴림1" panose="02020600000000000000" pitchFamily="18" charset="-127"/>
-                <a:ea typeface="a뉴굴림1" panose="02020600000000000000" pitchFamily="18" charset="-127"/>
-                <a:cs typeface="에스코어 드림 4" pitchFamily="34" charset="0"/>
-              </a:rPr>
-              <a:t>텍스트 요소의 다양한 효과를 사용하여 나만의 디자</a:t>
-            </a:r>
-          </a:p>
-          <a:p>
-            <a:pPr algn="just"/>
-            <a:r>
-              <a:rPr lang="en-US" sz="2400" kern="0" spc="-100" dirty="0">
-                <a:solidFill>
-                  <a:srgbClr val="000000"/>
-                </a:solidFill>
-                <a:latin typeface="a뉴굴림1" panose="02020600000000000000" pitchFamily="18" charset="-127"/>
-                <a:ea typeface="a뉴굴림1" panose="02020600000000000000" pitchFamily="18" charset="-127"/>
-                <a:cs typeface="에스코어 드림 4" pitchFamily="34" charset="0"/>
-              </a:rPr>
-              <a:t>인을 쉽고 빠르게 만들어 보세요.이곳에 텍스트를 입</a:t>
-            </a:r>
-          </a:p>
-          <a:p>
-            <a:pPr algn="just"/>
-            <a:r>
-              <a:rPr lang="en-US" sz="2400" kern="0" spc="-100" dirty="0">
-                <a:solidFill>
-                  <a:srgbClr val="000000"/>
-                </a:solidFill>
-                <a:latin typeface="a뉴굴림1" panose="02020600000000000000" pitchFamily="18" charset="-127"/>
-                <a:ea typeface="a뉴굴림1" panose="02020600000000000000" pitchFamily="18" charset="-127"/>
-                <a:cs typeface="에스코어 드림 4" pitchFamily="34" charset="0"/>
-              </a:rPr>
-              <a:t>력해주세요. 내용을 이곳에 입력하여 주세요. </a:t>
+              <a:rPr lang="ko-KR" altLang="en-US" sz="7900" kern="0" spc="-800" dirty="0">
+                <a:solidFill>
+                  <a:srgbClr val="000000"/>
+                </a:solidFill>
+                <a:latin typeface="a뉴굴림1" panose="02020600000000000000" pitchFamily="18" charset="-127"/>
+                <a:ea typeface="a뉴굴림1" panose="02020600000000000000" pitchFamily="18" charset="-127"/>
+                <a:cs typeface="에스코어 드림 5" pitchFamily="34" charset="0"/>
+              </a:rPr>
+              <a:t>김동엽</a:t>
             </a:r>
             <a:endParaRPr lang="en-US" dirty="0">
               <a:latin typeface="a뉴굴림1" panose="02020600000000000000" pitchFamily="18" charset="-127"/>
@@ -4077,14 +4007,14 @@
       </p:sp>
       <p:sp>
         <p:nvSpPr>
-          <p:cNvPr id="4" name="Object 4"/>
+          <p:cNvPr id="6" name="Object 6"/>
           <p:cNvSpPr txBox="1"/>
           <p:nvPr/>
         </p:nvSpPr>
         <p:spPr>
           <a:xfrm>
-            <a:off x="5500457" y="1077730"/>
-            <a:ext cx="8394284" cy="1590685"/>
+            <a:off x="560644" y="785303"/>
+            <a:ext cx="2000276" cy="2254920"/>
           </a:xfrm>
           <a:prstGeom prst="rect">
             <a:avLst/>
@@ -4097,45 +4027,6 @@
           <a:p>
             <a:pPr algn="just"/>
             <a:r>
-              <a:rPr lang="ko-KR" altLang="en-US" sz="7900" kern="0" spc="-800" dirty="0">
-                <a:solidFill>
-                  <a:srgbClr val="000000"/>
-                </a:solidFill>
-                <a:latin typeface="a뉴굴림1" panose="02020600000000000000" pitchFamily="18" charset="-127"/>
-                <a:ea typeface="a뉴굴림1" panose="02020600000000000000" pitchFamily="18" charset="-127"/>
-                <a:cs typeface="에스코어 드림 5" pitchFamily="34" charset="0"/>
-              </a:rPr>
-              <a:t>김동엽</a:t>
-            </a:r>
-            <a:endParaRPr lang="en-US" dirty="0">
-              <a:latin typeface="a뉴굴림1" panose="02020600000000000000" pitchFamily="18" charset="-127"/>
-              <a:ea typeface="a뉴굴림1" panose="02020600000000000000" pitchFamily="18" charset="-127"/>
-            </a:endParaRPr>
-          </a:p>
-        </p:txBody>
-      </p:sp>
-      <p:sp>
-        <p:nvSpPr>
-          <p:cNvPr id="6" name="Object 6"/>
-          <p:cNvSpPr txBox="1"/>
-          <p:nvPr/>
-        </p:nvSpPr>
-        <p:spPr>
-          <a:xfrm>
-            <a:off x="560644" y="785303"/>
-            <a:ext cx="2000276" cy="2254920"/>
-          </a:xfrm>
-          <a:prstGeom prst="rect">
-            <a:avLst/>
-          </a:prstGeom>
-          <a:noFill/>
-        </p:spPr>
-        <p:txBody>
-          <a:bodyPr wrap="square" rtlCol="0"/>
-          <a:lstStyle/>
-          <a:p>
-            <a:pPr algn="just"/>
-            <a:r>
               <a:rPr lang="en-US" sz="11200" kern="0" spc="-1000" dirty="0">
                 <a:solidFill>
                   <a:srgbClr val="000000"/>
@@ -4145,45 +4036,6 @@
                 <a:cs typeface="에스코어 드림 8" pitchFamily="34" charset="0"/>
               </a:rPr>
               <a:t>01</a:t>
-            </a:r>
-            <a:endParaRPr lang="en-US" dirty="0">
-              <a:latin typeface="a뉴굴림1" panose="02020600000000000000" pitchFamily="18" charset="-127"/>
-              <a:ea typeface="a뉴굴림1" panose="02020600000000000000" pitchFamily="18" charset="-127"/>
-            </a:endParaRPr>
-          </a:p>
-        </p:txBody>
-      </p:sp>
-      <p:sp>
-        <p:nvSpPr>
-          <p:cNvPr id="10" name="Object 10"/>
-          <p:cNvSpPr txBox="1"/>
-          <p:nvPr/>
-        </p:nvSpPr>
-        <p:spPr>
-          <a:xfrm>
-            <a:off x="5600579" y="3127793"/>
-            <a:ext cx="7111181" cy="752154"/>
-          </a:xfrm>
-          <a:prstGeom prst="rect">
-            <a:avLst/>
-          </a:prstGeom>
-          <a:noFill/>
-        </p:spPr>
-        <p:txBody>
-          <a:bodyPr wrap="square" rtlCol="0"/>
-          <a:lstStyle/>
-          <a:p>
-            <a:pPr algn="just"/>
-            <a:r>
-              <a:rPr lang="ko-KR" altLang="en-US" sz="3600" kern="0" spc="-300" dirty="0">
-                <a:solidFill>
-                  <a:srgbClr val="000000"/>
-                </a:solidFill>
-                <a:latin typeface="a뉴굴림1" panose="02020600000000000000" pitchFamily="18" charset="-127"/>
-                <a:ea typeface="a뉴굴림1" panose="02020600000000000000" pitchFamily="18" charset="-127"/>
-                <a:cs typeface="에스코어 드림 5" pitchFamily="34" charset="0"/>
-              </a:rPr>
-              <a:t>클라이언트</a:t>
             </a:r>
             <a:endParaRPr lang="en-US" dirty="0">
               <a:latin typeface="a뉴굴림1" panose="02020600000000000000" pitchFamily="18" charset="-127"/>
@@ -4540,6 +4392,563 @@
           </a:p>
         </p:txBody>
       </p:sp>
+      <p:pic>
+        <p:nvPicPr>
+          <p:cNvPr id="2" name="그림 1">
+            <a:extLst>
+              <a:ext uri="{FF2B5EF4-FFF2-40B4-BE49-F238E27FC236}">
+                <a16:creationId xmlns:a16="http://schemas.microsoft.com/office/drawing/2014/main" id="{68972E0B-3464-47EC-8125-181F961CB8C3}"/>
+              </a:ext>
+            </a:extLst>
+          </p:cNvPr>
+          <p:cNvPicPr>
+            <a:picLocks noChangeAspect="1"/>
+          </p:cNvPicPr>
+          <p:nvPr/>
+        </p:nvPicPr>
+        <p:blipFill>
+          <a:blip r:embed="rId6"/>
+          <a:stretch>
+            <a:fillRect/>
+          </a:stretch>
+        </p:blipFill>
+        <p:spPr>
+          <a:xfrm>
+            <a:off x="5715000" y="2897108"/>
+            <a:ext cx="4278400" cy="2349737"/>
+          </a:xfrm>
+          <a:prstGeom prst="rect">
+            <a:avLst/>
+          </a:prstGeom>
+        </p:spPr>
+      </p:pic>
+      <p:pic>
+        <p:nvPicPr>
+          <p:cNvPr id="5" name="그림 4">
+            <a:extLst>
+              <a:ext uri="{FF2B5EF4-FFF2-40B4-BE49-F238E27FC236}">
+                <a16:creationId xmlns:a16="http://schemas.microsoft.com/office/drawing/2014/main" id="{2E20D0BD-B695-4CCC-9D04-9F4A4FB2DD66}"/>
+              </a:ext>
+            </a:extLst>
+          </p:cNvPr>
+          <p:cNvPicPr>
+            <a:picLocks noChangeAspect="1"/>
+          </p:cNvPicPr>
+          <p:nvPr/>
+        </p:nvPicPr>
+        <p:blipFill>
+          <a:blip r:embed="rId7"/>
+          <a:stretch>
+            <a:fillRect/>
+          </a:stretch>
+        </p:blipFill>
+        <p:spPr>
+          <a:xfrm>
+            <a:off x="10217288" y="2861463"/>
+            <a:ext cx="4407508" cy="2421026"/>
+          </a:xfrm>
+          <a:prstGeom prst="rect">
+            <a:avLst/>
+          </a:prstGeom>
+        </p:spPr>
+      </p:pic>
+      <p:pic>
+        <p:nvPicPr>
+          <p:cNvPr id="7" name="그림 6">
+            <a:extLst>
+              <a:ext uri="{FF2B5EF4-FFF2-40B4-BE49-F238E27FC236}">
+                <a16:creationId xmlns:a16="http://schemas.microsoft.com/office/drawing/2014/main" id="{0E88B2F0-87C6-48C3-BCC8-384B567AD9A1}"/>
+              </a:ext>
+            </a:extLst>
+          </p:cNvPr>
+          <p:cNvPicPr>
+            <a:picLocks noChangeAspect="1"/>
+          </p:cNvPicPr>
+          <p:nvPr/>
+        </p:nvPicPr>
+        <p:blipFill>
+          <a:blip r:embed="rId8"/>
+          <a:stretch>
+            <a:fillRect/>
+          </a:stretch>
+        </p:blipFill>
+        <p:spPr>
+          <a:xfrm>
+            <a:off x="14708609" y="2793314"/>
+            <a:ext cx="3467450" cy="2557324"/>
+          </a:xfrm>
+          <a:prstGeom prst="rect">
+            <a:avLst/>
+          </a:prstGeom>
+        </p:spPr>
+      </p:pic>
+      <p:pic>
+        <p:nvPicPr>
+          <p:cNvPr id="8" name="그림 7">
+            <a:extLst>
+              <a:ext uri="{FF2B5EF4-FFF2-40B4-BE49-F238E27FC236}">
+                <a16:creationId xmlns:a16="http://schemas.microsoft.com/office/drawing/2014/main" id="{F8C5D651-1298-451D-AE02-842B98940D75}"/>
+              </a:ext>
+            </a:extLst>
+          </p:cNvPr>
+          <p:cNvPicPr>
+            <a:picLocks noChangeAspect="1"/>
+          </p:cNvPicPr>
+          <p:nvPr/>
+        </p:nvPicPr>
+        <p:blipFill>
+          <a:blip r:embed="rId9"/>
+          <a:stretch>
+            <a:fillRect/>
+          </a:stretch>
+        </p:blipFill>
+        <p:spPr>
+          <a:xfrm>
+            <a:off x="5676885" y="5556580"/>
+            <a:ext cx="4410004" cy="2421026"/>
+          </a:xfrm>
+          <a:prstGeom prst="rect">
+            <a:avLst/>
+          </a:prstGeom>
+        </p:spPr>
+      </p:pic>
+      <p:pic>
+        <p:nvPicPr>
+          <p:cNvPr id="9" name="그림 8">
+            <a:extLst>
+              <a:ext uri="{FF2B5EF4-FFF2-40B4-BE49-F238E27FC236}">
+                <a16:creationId xmlns:a16="http://schemas.microsoft.com/office/drawing/2014/main" id="{AAF12305-13B9-408E-9590-51E05803C7A9}"/>
+              </a:ext>
+            </a:extLst>
+          </p:cNvPr>
+          <p:cNvPicPr>
+            <a:picLocks noChangeAspect="1"/>
+          </p:cNvPicPr>
+          <p:nvPr/>
+        </p:nvPicPr>
+        <p:blipFill>
+          <a:blip r:embed="rId10"/>
+          <a:stretch>
+            <a:fillRect/>
+          </a:stretch>
+        </p:blipFill>
+        <p:spPr>
+          <a:xfrm>
+            <a:off x="10471941" y="5652908"/>
+            <a:ext cx="4062655" cy="2228370"/>
+          </a:xfrm>
+          <a:prstGeom prst="rect">
+            <a:avLst/>
+          </a:prstGeom>
+        </p:spPr>
+      </p:pic>
+      <p:sp>
+        <p:nvSpPr>
+          <p:cNvPr id="23" name="Object 10">
+            <a:extLst>
+              <a:ext uri="{FF2B5EF4-FFF2-40B4-BE49-F238E27FC236}">
+                <a16:creationId xmlns:a16="http://schemas.microsoft.com/office/drawing/2014/main" id="{74452AFC-1280-4B9D-9DF2-F572CF3FC39F}"/>
+              </a:ext>
+            </a:extLst>
+          </p:cNvPr>
+          <p:cNvSpPr txBox="1"/>
+          <p:nvPr/>
+        </p:nvSpPr>
+        <p:spPr>
+          <a:xfrm>
+            <a:off x="2818389" y="2989356"/>
+            <a:ext cx="7111181" cy="752154"/>
+          </a:xfrm>
+          <a:prstGeom prst="rect">
+            <a:avLst/>
+          </a:prstGeom>
+          <a:noFill/>
+        </p:spPr>
+        <p:txBody>
+          <a:bodyPr wrap="square" rtlCol="0"/>
+          <a:lstStyle/>
+          <a:p>
+            <a:pPr algn="just"/>
+            <a:r>
+              <a:rPr lang="ko-KR" altLang="en-US" sz="3600" kern="0" spc="-300" dirty="0">
+                <a:solidFill>
+                  <a:srgbClr val="000000"/>
+                </a:solidFill>
+                <a:latin typeface="a뉴굴림1" panose="02020600000000000000" pitchFamily="18" charset="-127"/>
+                <a:ea typeface="a뉴굴림1" panose="02020600000000000000" pitchFamily="18" charset="-127"/>
+              </a:rPr>
+              <a:t>클라이언트</a:t>
+            </a:r>
+            <a:endParaRPr lang="en-US" dirty="0">
+              <a:latin typeface="a뉴굴림1" panose="02020600000000000000" pitchFamily="18" charset="-127"/>
+              <a:ea typeface="a뉴굴림1" panose="02020600000000000000" pitchFamily="18" charset="-127"/>
+            </a:endParaRPr>
+          </a:p>
+        </p:txBody>
+      </p:sp>
+      <p:sp>
+        <p:nvSpPr>
+          <p:cNvPr id="24" name="Object 3">
+            <a:extLst>
+              <a:ext uri="{FF2B5EF4-FFF2-40B4-BE49-F238E27FC236}">
+                <a16:creationId xmlns:a16="http://schemas.microsoft.com/office/drawing/2014/main" id="{64F8333B-FAF8-4F84-8434-FBB78C25C4B7}"/>
+              </a:ext>
+            </a:extLst>
+          </p:cNvPr>
+          <p:cNvSpPr txBox="1"/>
+          <p:nvPr/>
+        </p:nvSpPr>
+        <p:spPr>
+          <a:xfrm>
+            <a:off x="272269" y="4071977"/>
+            <a:ext cx="4627303" cy="4000129"/>
+          </a:xfrm>
+          <a:prstGeom prst="rect">
+            <a:avLst/>
+          </a:prstGeom>
+          <a:noFill/>
+        </p:spPr>
+        <p:txBody>
+          <a:bodyPr wrap="square" rtlCol="0"/>
+          <a:lstStyle/>
+          <a:p>
+            <a:pPr marL="457200" indent="-457200" algn="just">
+              <a:buAutoNum type="arabicParenBoth"/>
+            </a:pPr>
+            <a:r>
+              <a:rPr lang="en-US" altLang="ko-KR" sz="2400" kern="0" spc="-100" dirty="0">
+                <a:solidFill>
+                  <a:srgbClr val="000000"/>
+                </a:solidFill>
+                <a:latin typeface="a뉴굴림1" panose="02020600000000000000" pitchFamily="18" charset="-127"/>
+                <a:ea typeface="a뉴굴림1" panose="02020600000000000000" pitchFamily="18" charset="-127"/>
+                <a:cs typeface="에스코어 드림 4" pitchFamily="34" charset="0"/>
+              </a:rPr>
+              <a:t>Game </a:t>
+            </a:r>
+            <a:r>
+              <a:rPr lang="en-US" altLang="ko-KR" sz="2400" kern="0" spc="-100" dirty="0" err="1">
+                <a:solidFill>
+                  <a:srgbClr val="000000"/>
+                </a:solidFill>
+                <a:latin typeface="a뉴굴림1" panose="02020600000000000000" pitchFamily="18" charset="-127"/>
+                <a:ea typeface="a뉴굴림1" panose="02020600000000000000" pitchFamily="18" charset="-127"/>
+                <a:cs typeface="에스코어 드림 4" pitchFamily="34" charset="0"/>
+              </a:rPr>
+              <a:t>FrameWork</a:t>
+            </a:r>
+            <a:r>
+              <a:rPr lang="ko-KR" altLang="en-US" sz="2400" kern="0" spc="-100" dirty="0">
+                <a:solidFill>
+                  <a:srgbClr val="000000"/>
+                </a:solidFill>
+                <a:latin typeface="a뉴굴림1" panose="02020600000000000000" pitchFamily="18" charset="-127"/>
+                <a:ea typeface="a뉴굴림1" panose="02020600000000000000" pitchFamily="18" charset="-127"/>
+                <a:cs typeface="에스코어 드림 4" pitchFamily="34" charset="0"/>
+              </a:rPr>
+              <a:t>제작</a:t>
+            </a:r>
+            <a:endParaRPr lang="en-US" altLang="ko-KR" sz="2400" kern="0" spc="-100" dirty="0">
+              <a:solidFill>
+                <a:srgbClr val="000000"/>
+              </a:solidFill>
+              <a:latin typeface="a뉴굴림1" panose="02020600000000000000" pitchFamily="18" charset="-127"/>
+              <a:ea typeface="a뉴굴림1" panose="02020600000000000000" pitchFamily="18" charset="-127"/>
+              <a:cs typeface="에스코어 드림 4" pitchFamily="34" charset="0"/>
+            </a:endParaRPr>
+          </a:p>
+          <a:p>
+            <a:pPr marL="800100" lvl="1" indent="-342900" algn="just">
+              <a:buFont typeface="Arial" panose="020B0604020202020204" pitchFamily="34" charset="0"/>
+              <a:buChar char="•"/>
+            </a:pPr>
+            <a:r>
+              <a:rPr lang="ko-KR" altLang="en-US" sz="2400" kern="0" spc="-100" dirty="0" err="1">
+                <a:solidFill>
+                  <a:srgbClr val="000000"/>
+                </a:solidFill>
+                <a:latin typeface="a뉴굴림1" panose="02020600000000000000" pitchFamily="18" charset="-127"/>
+                <a:ea typeface="a뉴굴림1" panose="02020600000000000000" pitchFamily="18" charset="-127"/>
+                <a:cs typeface="에스코어 드림 4" pitchFamily="34" charset="0"/>
+              </a:rPr>
+              <a:t>씬전환</a:t>
+            </a:r>
+            <a:r>
+              <a:rPr lang="en-US" altLang="ko-KR" sz="2400" kern="0" spc="-100" dirty="0">
+                <a:solidFill>
+                  <a:srgbClr val="000000"/>
+                </a:solidFill>
+                <a:latin typeface="a뉴굴림1" panose="02020600000000000000" pitchFamily="18" charset="-127"/>
+                <a:ea typeface="a뉴굴림1" panose="02020600000000000000" pitchFamily="18" charset="-127"/>
+                <a:cs typeface="에스코어 드림 4" pitchFamily="34" charset="0"/>
+              </a:rPr>
+              <a:t>, </a:t>
+            </a:r>
+            <a:r>
+              <a:rPr lang="ko-KR" altLang="en-US" sz="2400" kern="0" spc="-100" dirty="0">
+                <a:solidFill>
+                  <a:srgbClr val="000000"/>
+                </a:solidFill>
+                <a:latin typeface="a뉴굴림1" panose="02020600000000000000" pitchFamily="18" charset="-127"/>
+                <a:ea typeface="a뉴굴림1" panose="02020600000000000000" pitchFamily="18" charset="-127"/>
+                <a:cs typeface="에스코어 드림 4" pitchFamily="34" charset="0"/>
+              </a:rPr>
+              <a:t>플레이어 </a:t>
+            </a:r>
+            <a:r>
+              <a:rPr lang="ko-KR" altLang="en-US" sz="2400" kern="0" spc="-100" dirty="0" err="1">
+                <a:solidFill>
+                  <a:srgbClr val="000000"/>
+                </a:solidFill>
+                <a:latin typeface="a뉴굴림1" panose="02020600000000000000" pitchFamily="18" charset="-127"/>
+                <a:ea typeface="a뉴굴림1" panose="02020600000000000000" pitchFamily="18" charset="-127"/>
+                <a:cs typeface="에스코어 드림 4" pitchFamily="34" charset="0"/>
+              </a:rPr>
+              <a:t>컨트로</a:t>
+            </a:r>
+            <a:r>
+              <a:rPr lang="en-US" altLang="ko-KR" sz="2400" kern="0" spc="-100" dirty="0">
+                <a:solidFill>
+                  <a:srgbClr val="000000"/>
+                </a:solidFill>
+                <a:latin typeface="a뉴굴림1" panose="02020600000000000000" pitchFamily="18" charset="-127"/>
+                <a:ea typeface="a뉴굴림1" panose="02020600000000000000" pitchFamily="18" charset="-127"/>
+                <a:cs typeface="에스코어 드림 4" pitchFamily="34" charset="0"/>
+              </a:rPr>
+              <a:t>, </a:t>
+            </a:r>
+            <a:r>
+              <a:rPr lang="ko-KR" altLang="en-US" sz="2400" kern="0" spc="-100" dirty="0">
+                <a:solidFill>
+                  <a:srgbClr val="000000"/>
+                </a:solidFill>
+                <a:latin typeface="a뉴굴림1" panose="02020600000000000000" pitchFamily="18" charset="-127"/>
+                <a:ea typeface="a뉴굴림1" panose="02020600000000000000" pitchFamily="18" charset="-127"/>
+                <a:cs typeface="에스코어 드림 4" pitchFamily="34" charset="0"/>
+              </a:rPr>
+              <a:t>이펙트</a:t>
+            </a:r>
+            <a:r>
+              <a:rPr lang="en-US" altLang="ko-KR" sz="2400" kern="0" spc="-100" dirty="0">
+                <a:solidFill>
+                  <a:srgbClr val="000000"/>
+                </a:solidFill>
+                <a:latin typeface="a뉴굴림1" panose="02020600000000000000" pitchFamily="18" charset="-127"/>
+                <a:ea typeface="a뉴굴림1" panose="02020600000000000000" pitchFamily="18" charset="-127"/>
+                <a:cs typeface="에스코어 드림 4" pitchFamily="34" charset="0"/>
+              </a:rPr>
+              <a:t>, </a:t>
+            </a:r>
+            <a:r>
+              <a:rPr lang="ko-KR" altLang="en-US" sz="2400" kern="0" spc="-100" dirty="0" err="1">
+                <a:solidFill>
+                  <a:srgbClr val="000000"/>
+                </a:solidFill>
+                <a:latin typeface="a뉴굴림1" panose="02020600000000000000" pitchFamily="18" charset="-127"/>
+                <a:ea typeface="a뉴굴림1" panose="02020600000000000000" pitchFamily="18" charset="-127"/>
+                <a:cs typeface="에스코어 드림 4" pitchFamily="34" charset="0"/>
+              </a:rPr>
+              <a:t>라이팅</a:t>
+            </a:r>
+            <a:r>
+              <a:rPr lang="ko-KR" altLang="en-US" sz="2400" kern="0" spc="-100" dirty="0">
+                <a:solidFill>
+                  <a:srgbClr val="000000"/>
+                </a:solidFill>
+                <a:latin typeface="a뉴굴림1" panose="02020600000000000000" pitchFamily="18" charset="-127"/>
+                <a:ea typeface="a뉴굴림1" panose="02020600000000000000" pitchFamily="18" charset="-127"/>
+                <a:cs typeface="에스코어 드림 4" pitchFamily="34" charset="0"/>
+              </a:rPr>
+              <a:t> 적용</a:t>
+            </a:r>
+            <a:endParaRPr lang="en-US" altLang="ko-KR" sz="2400" kern="0" spc="-100" dirty="0">
+              <a:solidFill>
+                <a:srgbClr val="000000"/>
+              </a:solidFill>
+              <a:latin typeface="a뉴굴림1" panose="02020600000000000000" pitchFamily="18" charset="-127"/>
+              <a:ea typeface="a뉴굴림1" panose="02020600000000000000" pitchFamily="18" charset="-127"/>
+              <a:cs typeface="에스코어 드림 4" pitchFamily="34" charset="0"/>
+            </a:endParaRPr>
+          </a:p>
+          <a:p>
+            <a:pPr algn="just"/>
+            <a:r>
+              <a:rPr lang="en-US" altLang="ko-KR" sz="2400" kern="0" spc="-100" dirty="0">
+                <a:solidFill>
+                  <a:srgbClr val="000000"/>
+                </a:solidFill>
+                <a:latin typeface="a뉴굴림1" panose="02020600000000000000" pitchFamily="18" charset="-127"/>
+                <a:ea typeface="a뉴굴림1" panose="02020600000000000000" pitchFamily="18" charset="-127"/>
+                <a:cs typeface="에스코어 드림 4" pitchFamily="34" charset="0"/>
+              </a:rPr>
+              <a:t>(2)</a:t>
+            </a:r>
+            <a:r>
+              <a:rPr lang="ko-KR" altLang="en-US" sz="2400" kern="0" spc="-100" dirty="0">
+                <a:solidFill>
+                  <a:srgbClr val="000000"/>
+                </a:solidFill>
+                <a:latin typeface="a뉴굴림1" panose="02020600000000000000" pitchFamily="18" charset="-127"/>
+                <a:ea typeface="a뉴굴림1" panose="02020600000000000000" pitchFamily="18" charset="-127"/>
+                <a:cs typeface="에스코어 드림 4" pitchFamily="34" charset="0"/>
+              </a:rPr>
+              <a:t> </a:t>
+            </a:r>
+            <a:r>
+              <a:rPr lang="en-US" altLang="ko-KR" sz="2400" kern="0" spc="-100" dirty="0">
+                <a:solidFill>
+                  <a:srgbClr val="000000"/>
+                </a:solidFill>
+                <a:latin typeface="a뉴굴림1" panose="02020600000000000000" pitchFamily="18" charset="-127"/>
+                <a:ea typeface="a뉴굴림1" panose="02020600000000000000" pitchFamily="18" charset="-127"/>
+                <a:cs typeface="에스코어 드림 4" pitchFamily="34" charset="0"/>
+              </a:rPr>
+              <a:t>VR</a:t>
+            </a:r>
+            <a:r>
+              <a:rPr lang="ko-KR" altLang="en-US" sz="2400" kern="0" spc="-100" dirty="0">
+                <a:solidFill>
+                  <a:srgbClr val="000000"/>
+                </a:solidFill>
+                <a:latin typeface="a뉴굴림1" panose="02020600000000000000" pitchFamily="18" charset="-127"/>
+                <a:ea typeface="a뉴굴림1" panose="02020600000000000000" pitchFamily="18" charset="-127"/>
+                <a:cs typeface="에스코어 드림 4" pitchFamily="34" charset="0"/>
+              </a:rPr>
+              <a:t>적용</a:t>
+            </a:r>
+            <a:endParaRPr lang="en-US" altLang="ko-KR" sz="2400" kern="0" spc="-100" dirty="0">
+              <a:solidFill>
+                <a:srgbClr val="000000"/>
+              </a:solidFill>
+              <a:latin typeface="a뉴굴림1" panose="02020600000000000000" pitchFamily="18" charset="-127"/>
+              <a:ea typeface="a뉴굴림1" panose="02020600000000000000" pitchFamily="18" charset="-127"/>
+              <a:cs typeface="에스코어 드림 4" pitchFamily="34" charset="0"/>
+            </a:endParaRPr>
+          </a:p>
+          <a:p>
+            <a:pPr marL="800100" lvl="1" indent="-342900" algn="just">
+              <a:buFont typeface="Arial" panose="020B0604020202020204" pitchFamily="34" charset="0"/>
+              <a:buChar char="•"/>
+            </a:pPr>
+            <a:r>
+              <a:rPr lang="ko-KR" altLang="en-US" sz="2400" kern="0" spc="-100" dirty="0">
+                <a:solidFill>
+                  <a:srgbClr val="000000"/>
+                </a:solidFill>
+                <a:latin typeface="a뉴굴림1" panose="02020600000000000000" pitchFamily="18" charset="-127"/>
+                <a:ea typeface="a뉴굴림1" panose="02020600000000000000" pitchFamily="18" charset="-127"/>
+                <a:cs typeface="에스코어 드림 4" pitchFamily="34" charset="0"/>
+              </a:rPr>
+              <a:t>플레이어와 </a:t>
+            </a:r>
+            <a:r>
+              <a:rPr lang="en-US" altLang="ko-KR" sz="2400" kern="0" spc="-100" dirty="0">
+                <a:solidFill>
+                  <a:srgbClr val="000000"/>
+                </a:solidFill>
+                <a:latin typeface="a뉴굴림1" panose="02020600000000000000" pitchFamily="18" charset="-127"/>
+                <a:ea typeface="a뉴굴림1" panose="02020600000000000000" pitchFamily="18" charset="-127"/>
+                <a:cs typeface="에스코어 드림 4" pitchFamily="34" charset="0"/>
+              </a:rPr>
+              <a:t>VR</a:t>
+            </a:r>
+            <a:r>
+              <a:rPr lang="ko-KR" altLang="en-US" sz="2400" kern="0" spc="-100" dirty="0">
+                <a:solidFill>
+                  <a:srgbClr val="000000"/>
+                </a:solidFill>
+                <a:latin typeface="a뉴굴림1" panose="02020600000000000000" pitchFamily="18" charset="-127"/>
+                <a:ea typeface="a뉴굴림1" panose="02020600000000000000" pitchFamily="18" charset="-127"/>
+                <a:cs typeface="에스코어 드림 4" pitchFamily="34" charset="0"/>
+              </a:rPr>
+              <a:t>기기 연동</a:t>
+            </a:r>
+            <a:endParaRPr lang="en-US" altLang="ko-KR" sz="2400" kern="0" spc="-100" dirty="0">
+              <a:solidFill>
+                <a:srgbClr val="000000"/>
+              </a:solidFill>
+              <a:latin typeface="a뉴굴림1" panose="02020600000000000000" pitchFamily="18" charset="-127"/>
+              <a:ea typeface="a뉴굴림1" panose="02020600000000000000" pitchFamily="18" charset="-127"/>
+              <a:cs typeface="에스코어 드림 4" pitchFamily="34" charset="0"/>
+            </a:endParaRPr>
+          </a:p>
+          <a:p>
+            <a:pPr marL="800100" lvl="1" indent="-342900" algn="just">
+              <a:buFont typeface="Arial" panose="020B0604020202020204" pitchFamily="34" charset="0"/>
+              <a:buChar char="•"/>
+            </a:pPr>
+            <a:r>
+              <a:rPr lang="en-US" altLang="ko-KR" sz="2400" kern="0" spc="-100" dirty="0">
+                <a:solidFill>
+                  <a:srgbClr val="000000"/>
+                </a:solidFill>
+                <a:latin typeface="a뉴굴림1" panose="02020600000000000000" pitchFamily="18" charset="-127"/>
+                <a:ea typeface="a뉴굴림1" panose="02020600000000000000" pitchFamily="18" charset="-127"/>
+                <a:cs typeface="에스코어 드림 4" pitchFamily="34" charset="0"/>
+              </a:rPr>
+              <a:t>VR</a:t>
+            </a:r>
+            <a:r>
+              <a:rPr lang="ko-KR" altLang="en-US" sz="2400" kern="0" spc="-100" dirty="0">
+                <a:solidFill>
+                  <a:srgbClr val="000000"/>
+                </a:solidFill>
+                <a:latin typeface="a뉴굴림1" panose="02020600000000000000" pitchFamily="18" charset="-127"/>
+                <a:ea typeface="a뉴굴림1" panose="02020600000000000000" pitchFamily="18" charset="-127"/>
+                <a:cs typeface="에스코어 드림 4" pitchFamily="34" charset="0"/>
+              </a:rPr>
+              <a:t>컨트롤러를 </a:t>
+            </a:r>
+            <a:r>
+              <a:rPr lang="ko-KR" altLang="en-US" sz="2400" kern="0" spc="-100">
+                <a:solidFill>
+                  <a:srgbClr val="000000"/>
+                </a:solidFill>
+                <a:latin typeface="a뉴굴림1" panose="02020600000000000000" pitchFamily="18" charset="-127"/>
+                <a:ea typeface="a뉴굴림1" panose="02020600000000000000" pitchFamily="18" charset="-127"/>
+                <a:cs typeface="에스코어 드림 4" pitchFamily="34" charset="0"/>
+              </a:rPr>
+              <a:t>통한 캐릭터 움직임 구현중</a:t>
+            </a:r>
+            <a:endParaRPr lang="en-US" altLang="ko-KR" sz="2400" kern="0" spc="-100" dirty="0">
+              <a:solidFill>
+                <a:srgbClr val="000000"/>
+              </a:solidFill>
+              <a:latin typeface="a뉴굴림1" panose="02020600000000000000" pitchFamily="18" charset="-127"/>
+              <a:ea typeface="a뉴굴림1" panose="02020600000000000000" pitchFamily="18" charset="-127"/>
+              <a:cs typeface="에스코어 드림 4" pitchFamily="34" charset="0"/>
+            </a:endParaRPr>
+          </a:p>
+        </p:txBody>
+      </p:sp>
+      <p:pic>
+        <p:nvPicPr>
+          <p:cNvPr id="26" name="그림 25">
+            <a:extLst>
+              <a:ext uri="{FF2B5EF4-FFF2-40B4-BE49-F238E27FC236}">
+                <a16:creationId xmlns:a16="http://schemas.microsoft.com/office/drawing/2014/main" id="{4684B016-9163-4F20-9651-2247DD370E21}"/>
+              </a:ext>
+            </a:extLst>
+          </p:cNvPr>
+          <p:cNvPicPr/>
+          <p:nvPr/>
+        </p:nvPicPr>
+        <p:blipFill>
+          <a:blip r:embed="rId11"/>
+          <a:stretch>
+            <a:fillRect/>
+          </a:stretch>
+        </p:blipFill>
+        <p:spPr>
+          <a:xfrm>
+            <a:off x="14781207" y="5951127"/>
+            <a:ext cx="3322254" cy="1631932"/>
+          </a:xfrm>
+          <a:prstGeom prst="rect">
+            <a:avLst/>
+          </a:prstGeom>
+        </p:spPr>
+      </p:pic>
     </p:spTree>
     <p:extLst>
       <p:ext uri="{BB962C8B-B14F-4D97-AF65-F5344CB8AC3E}">

--- a/종합설계1/종합설계1 진행 상황.pptx
+++ b/종합설계1/종합설계1 진행 상황.pptx
@@ -4685,29 +4685,18 @@
               <a:t>, </a:t>
             </a:r>
             <a:r>
-              <a:rPr lang="ko-KR" altLang="en-US" sz="2400" kern="0" spc="-100" dirty="0">
-                <a:solidFill>
-                  <a:srgbClr val="000000"/>
-                </a:solidFill>
-                <a:latin typeface="a뉴굴림1" panose="02020600000000000000" pitchFamily="18" charset="-127"/>
-                <a:ea typeface="a뉴굴림1" panose="02020600000000000000" pitchFamily="18" charset="-127"/>
-                <a:cs typeface="에스코어 드림 4" pitchFamily="34" charset="0"/>
-              </a:rPr>
-              <a:t>플레이어 </a:t>
-            </a:r>
-            <a:r>
-              <a:rPr lang="ko-KR" altLang="en-US" sz="2400" kern="0" spc="-100" dirty="0" err="1">
-                <a:solidFill>
-                  <a:srgbClr val="000000"/>
-                </a:solidFill>
-                <a:latin typeface="a뉴굴림1" panose="02020600000000000000" pitchFamily="18" charset="-127"/>
-                <a:ea typeface="a뉴굴림1" panose="02020600000000000000" pitchFamily="18" charset="-127"/>
-                <a:cs typeface="에스코어 드림 4" pitchFamily="34" charset="0"/>
-              </a:rPr>
-              <a:t>컨트로</a:t>
-            </a:r>
-            <a:r>
-              <a:rPr lang="en-US" altLang="ko-KR" sz="2400" kern="0" spc="-100" dirty="0">
+              <a:rPr lang="ko-KR" altLang="en-US" sz="2400" kern="0" spc="-100">
+                <a:solidFill>
+                  <a:srgbClr val="000000"/>
+                </a:solidFill>
+                <a:latin typeface="a뉴굴림1" panose="02020600000000000000" pitchFamily="18" charset="-127"/>
+                <a:ea typeface="a뉴굴림1" panose="02020600000000000000" pitchFamily="18" charset="-127"/>
+                <a:cs typeface="에스코어 드림 4" pitchFamily="34" charset="0"/>
+              </a:rPr>
+              <a:t>플레이어 컨트롤</a:t>
+            </a:r>
+            <a:r>
+              <a:rPr lang="en-US" altLang="ko-KR" sz="2400" kern="0" spc="-100">
                 <a:solidFill>
                   <a:srgbClr val="000000"/>
                 </a:solidFill>
@@ -4897,18 +4886,7 @@
                 <a:ea typeface="a뉴굴림1" panose="02020600000000000000" pitchFamily="18" charset="-127"/>
                 <a:cs typeface="에스코어 드림 4" pitchFamily="34" charset="0"/>
               </a:rPr>
-              <a:t>컨트롤러를 </a:t>
-            </a:r>
-            <a:r>
-              <a:rPr lang="ko-KR" altLang="en-US" sz="2400" kern="0" spc="-100">
-                <a:solidFill>
-                  <a:srgbClr val="000000"/>
-                </a:solidFill>
-                <a:latin typeface="a뉴굴림1" panose="02020600000000000000" pitchFamily="18" charset="-127"/>
-                <a:ea typeface="a뉴굴림1" panose="02020600000000000000" pitchFamily="18" charset="-127"/>
-                <a:cs typeface="에스코어 드림 4" pitchFamily="34" charset="0"/>
-              </a:rPr>
-              <a:t>통한 캐릭터 움직임 구현중</a:t>
+              <a:t>컨트롤러를 통한 캐릭터 움직임 구현중</a:t>
             </a:r>
             <a:endParaRPr lang="en-US" altLang="ko-KR" sz="2400" kern="0" spc="-100" dirty="0">
               <a:solidFill>

--- a/종합설계1/종합설계1 진행 상황.pptx
+++ b/종합설계1/종합설계1 진행 상황.pptx
@@ -111,7 +111,7 @@
   </p:defaultTextStyle>
   <p:extLst>
     <p:ext uri="{EFAFB233-063F-42B5-8137-9DF3F51BA10A}">
-      <p15:sldGuideLst xmlns:p15="http://schemas.microsoft.com/office/powerpoint/2012/main">
+      <p15:sldGuideLst xmlns:p15="http://schemas.microsoft.com/office/powerpoint/2012/main" xmlns="">
         <p15:guide id="1" orient="horz" pos="2160">
           <p15:clr>
             <a:srgbClr val="A4A3A4"/>
@@ -307,6 +307,7 @@
           <a:p>
             <a:fld id="{F8166F1F-CE9B-4651-A6AA-CD717754106B}" type="datetimeFigureOut">
               <a:rPr lang="en-US" smtClean="0"/>
+              <a:pPr/>
               <a:t>4/15/2020</a:t>
             </a:fld>
             <a:endParaRPr lang="en-US"/>
@@ -349,6 +350,7 @@
           <a:p>
             <a:fld id="{B1393E5F-521B-4CAD-9D3A-AE923D912DCE}" type="slidenum">
               <a:rPr lang="en-US" smtClean="0"/>
+              <a:pPr/>
               <a:t>‹#›</a:t>
             </a:fld>
             <a:endParaRPr lang="en-US"/>
@@ -470,6 +472,7 @@
           <a:p>
             <a:fld id="{A76116CE-C4A3-4A05-B2D7-7C2E9A889C0F}" type="datetimeFigureOut">
               <a:rPr lang="en-US" smtClean="0"/>
+              <a:pPr/>
               <a:t>4/15/2020</a:t>
             </a:fld>
             <a:endParaRPr lang="en-US"/>
@@ -512,6 +515,7 @@
           <a:p>
             <a:fld id="{B1393E5F-521B-4CAD-9D3A-AE923D912DCE}" type="slidenum">
               <a:rPr lang="en-US" smtClean="0"/>
+              <a:pPr/>
               <a:t>‹#›</a:t>
             </a:fld>
             <a:endParaRPr lang="en-US"/>
@@ -643,6 +647,7 @@
           <a:p>
             <a:fld id="{A76116CE-C4A3-4A05-B2D7-7C2E9A889C0F}" type="datetimeFigureOut">
               <a:rPr lang="en-US" smtClean="0"/>
+              <a:pPr/>
               <a:t>4/15/2020</a:t>
             </a:fld>
             <a:endParaRPr lang="en-US"/>
@@ -685,6 +690,7 @@
           <a:p>
             <a:fld id="{B1393E5F-521B-4CAD-9D3A-AE923D912DCE}" type="slidenum">
               <a:rPr lang="en-US" smtClean="0"/>
+              <a:pPr/>
               <a:t>‹#›</a:t>
             </a:fld>
             <a:endParaRPr lang="en-US"/>
@@ -808,6 +814,7 @@
           <a:p>
             <a:fld id="{A76116CE-C4A3-4A05-B2D7-7C2E9A889C0F}" type="datetimeFigureOut">
               <a:rPr lang="en-US" smtClean="0"/>
+              <a:pPr/>
               <a:t>4/15/2020</a:t>
             </a:fld>
             <a:endParaRPr lang="en-US"/>
@@ -850,6 +857,7 @@
           <a:p>
             <a:fld id="{B1393E5F-521B-4CAD-9D3A-AE923D912DCE}" type="slidenum">
               <a:rPr lang="en-US" smtClean="0"/>
+              <a:pPr/>
               <a:t>‹#›</a:t>
             </a:fld>
             <a:endParaRPr lang="en-US"/>
@@ -1048,6 +1056,7 @@
           <a:p>
             <a:fld id="{A76116CE-C4A3-4A05-B2D7-7C2E9A889C0F}" type="datetimeFigureOut">
               <a:rPr lang="en-US" smtClean="0"/>
+              <a:pPr/>
               <a:t>4/15/2020</a:t>
             </a:fld>
             <a:endParaRPr lang="en-US"/>
@@ -1090,6 +1099,7 @@
           <a:p>
             <a:fld id="{B1393E5F-521B-4CAD-9D3A-AE923D912DCE}" type="slidenum">
               <a:rPr lang="en-US" smtClean="0"/>
+              <a:pPr/>
               <a:t>‹#›</a:t>
             </a:fld>
             <a:endParaRPr lang="en-US"/>
@@ -1328,6 +1338,7 @@
           <a:p>
             <a:fld id="{A76116CE-C4A3-4A05-B2D7-7C2E9A889C0F}" type="datetimeFigureOut">
               <a:rPr lang="en-US" smtClean="0"/>
+              <a:pPr/>
               <a:t>4/15/2020</a:t>
             </a:fld>
             <a:endParaRPr lang="en-US"/>
@@ -1370,6 +1381,7 @@
           <a:p>
             <a:fld id="{B1393E5F-521B-4CAD-9D3A-AE923D912DCE}" type="slidenum">
               <a:rPr lang="en-US" smtClean="0"/>
+              <a:pPr/>
               <a:t>‹#›</a:t>
             </a:fld>
             <a:endParaRPr lang="en-US"/>
@@ -1742,6 +1754,7 @@
           <a:p>
             <a:fld id="{A76116CE-C4A3-4A05-B2D7-7C2E9A889C0F}" type="datetimeFigureOut">
               <a:rPr lang="en-US" smtClean="0"/>
+              <a:pPr/>
               <a:t>4/15/2020</a:t>
             </a:fld>
             <a:endParaRPr lang="en-US"/>
@@ -1784,6 +1797,7 @@
           <a:p>
             <a:fld id="{B1393E5F-521B-4CAD-9D3A-AE923D912DCE}" type="slidenum">
               <a:rPr lang="en-US" smtClean="0"/>
+              <a:pPr/>
               <a:t>‹#›</a:t>
             </a:fld>
             <a:endParaRPr lang="en-US"/>
@@ -1854,6 +1868,7 @@
           <a:p>
             <a:fld id="{A76116CE-C4A3-4A05-B2D7-7C2E9A889C0F}" type="datetimeFigureOut">
               <a:rPr lang="en-US" smtClean="0"/>
+              <a:pPr/>
               <a:t>4/15/2020</a:t>
             </a:fld>
             <a:endParaRPr lang="en-US"/>
@@ -1896,6 +1911,7 @@
           <a:p>
             <a:fld id="{B1393E5F-521B-4CAD-9D3A-AE923D912DCE}" type="slidenum">
               <a:rPr lang="en-US" smtClean="0"/>
+              <a:pPr/>
               <a:t>‹#›</a:t>
             </a:fld>
             <a:endParaRPr lang="en-US"/>
@@ -1944,6 +1960,7 @@
           <a:p>
             <a:fld id="{A76116CE-C4A3-4A05-B2D7-7C2E9A889C0F}" type="datetimeFigureOut">
               <a:rPr lang="en-US" smtClean="0"/>
+              <a:pPr/>
               <a:t>4/15/2020</a:t>
             </a:fld>
             <a:endParaRPr lang="en-US"/>
@@ -1986,6 +2003,7 @@
           <a:p>
             <a:fld id="{B1393E5F-521B-4CAD-9D3A-AE923D912DCE}" type="slidenum">
               <a:rPr lang="en-US" smtClean="0"/>
+              <a:pPr/>
               <a:t>‹#›</a:t>
             </a:fld>
             <a:endParaRPr lang="en-US"/>
@@ -2214,6 +2232,7 @@
           <a:p>
             <a:fld id="{A76116CE-C4A3-4A05-B2D7-7C2E9A889C0F}" type="datetimeFigureOut">
               <a:rPr lang="en-US" smtClean="0"/>
+              <a:pPr/>
               <a:t>4/15/2020</a:t>
             </a:fld>
             <a:endParaRPr lang="en-US"/>
@@ -2256,6 +2275,7 @@
           <a:p>
             <a:fld id="{B1393E5F-521B-4CAD-9D3A-AE923D912DCE}" type="slidenum">
               <a:rPr lang="en-US" smtClean="0"/>
+              <a:pPr/>
               <a:t>‹#›</a:t>
             </a:fld>
             <a:endParaRPr lang="en-US"/>
@@ -2461,6 +2481,7 @@
           <a:p>
             <a:fld id="{A76116CE-C4A3-4A05-B2D7-7C2E9A889C0F}" type="datetimeFigureOut">
               <a:rPr lang="en-US" smtClean="0"/>
+              <a:pPr/>
               <a:t>4/15/2020</a:t>
             </a:fld>
             <a:endParaRPr lang="en-US"/>
@@ -2503,6 +2524,7 @@
           <a:p>
             <a:fld id="{B1393E5F-521B-4CAD-9D3A-AE923D912DCE}" type="slidenum">
               <a:rPr lang="en-US" smtClean="0"/>
+              <a:pPr/>
               <a:t>‹#›</a:t>
             </a:fld>
             <a:endParaRPr lang="en-US"/>
@@ -2667,6 +2689,7 @@
           <a:p>
             <a:fld id="{F8166F1F-CE9B-4651-A6AA-CD717754106B}" type="datetimeFigureOut">
               <a:rPr lang="en-US" smtClean="0"/>
+              <a:pPr/>
               <a:t>4/15/2020</a:t>
             </a:fld>
             <a:endParaRPr lang="en-US"/>
@@ -2745,6 +2768,7 @@
           <a:p>
             <a:fld id="{F7021451-1387-4CA6-816F-3879F97B5CBC}" type="slidenum">
               <a:rPr lang="en-US" smtClean="0"/>
+              <a:pPr/>
               <a:t>‹#›</a:t>
             </a:fld>
             <a:endParaRPr lang="en-US"/>
@@ -3361,14 +3385,14 @@
       </p:grpSpPr>
       <p:sp>
         <p:nvSpPr>
-          <p:cNvPr id="3" name="Object 3"/>
+          <p:cNvPr id="4" name="Object 4"/>
           <p:cNvSpPr txBox="1"/>
           <p:nvPr/>
         </p:nvSpPr>
         <p:spPr>
           <a:xfrm>
-            <a:off x="5600579" y="3865015"/>
-            <a:ext cx="7169521" cy="4000129"/>
+            <a:off x="5500457" y="1077730"/>
+            <a:ext cx="8394284" cy="1590685"/>
           </a:xfrm>
           <a:prstGeom prst="rect">
             <a:avLst/>
@@ -3381,85 +3405,15 @@
           <a:p>
             <a:pPr algn="just"/>
             <a:r>
-              <a:rPr lang="en-US" sz="2400" kern="0" spc="-100" dirty="0">
-                <a:solidFill>
-                  <a:srgbClr val="000000"/>
-                </a:solidFill>
-                <a:latin typeface="a뉴굴림1" panose="02020600000000000000" pitchFamily="18" charset="-127"/>
-                <a:ea typeface="a뉴굴림1" panose="02020600000000000000" pitchFamily="18" charset="-127"/>
-                <a:cs typeface="에스코어 드림 4" pitchFamily="34" charset="0"/>
-              </a:rPr>
-              <a:t>이곳에 텍스트를 입력해주세요. 내용을 이곳에 입력</a:t>
-            </a:r>
-          </a:p>
-          <a:p>
-            <a:pPr algn="just"/>
-            <a:r>
-              <a:rPr lang="en-US" sz="2400" kern="0" spc="-100" dirty="0">
-                <a:solidFill>
-                  <a:srgbClr val="000000"/>
-                </a:solidFill>
-                <a:latin typeface="a뉴굴림1" panose="02020600000000000000" pitchFamily="18" charset="-127"/>
-                <a:ea typeface="a뉴굴림1" panose="02020600000000000000" pitchFamily="18" charset="-127"/>
-                <a:cs typeface="에스코어 드림 4" pitchFamily="34" charset="0"/>
-              </a:rPr>
-              <a:t>하여 주세요. 텍스트 박스를 더블클릭하여 내용을 수</a:t>
-            </a:r>
-          </a:p>
-          <a:p>
-            <a:pPr algn="just"/>
-            <a:r>
-              <a:rPr lang="en-US" sz="2400" kern="0" spc="-100" dirty="0">
-                <a:solidFill>
-                  <a:srgbClr val="000000"/>
-                </a:solidFill>
-                <a:latin typeface="a뉴굴림1" panose="02020600000000000000" pitchFamily="18" charset="-127"/>
-                <a:ea typeface="a뉴굴림1" panose="02020600000000000000" pitchFamily="18" charset="-127"/>
-                <a:cs typeface="에스코어 드림 4" pitchFamily="34" charset="0"/>
-              </a:rPr>
-              <a:t>정하여 주세요. 이곳의 세부사항을 변경해 주세요. </a:t>
-            </a:r>
-          </a:p>
-          <a:p>
-            <a:pPr algn="just"/>
-            <a:r>
-              <a:rPr lang="en-US" sz="2400" kern="0" spc="-100" dirty="0">
-                <a:solidFill>
-                  <a:srgbClr val="000000"/>
-                </a:solidFill>
-                <a:latin typeface="a뉴굴림1" panose="02020600000000000000" pitchFamily="18" charset="-127"/>
-                <a:ea typeface="a뉴굴림1" panose="02020600000000000000" pitchFamily="18" charset="-127"/>
-                <a:cs typeface="에스코어 드림 4" pitchFamily="34" charset="0"/>
-              </a:rPr>
-              <a:t>텍스트 요소의 다양한 효과를 사용하여 나만의 디자</a:t>
-            </a:r>
-          </a:p>
-          <a:p>
-            <a:pPr algn="just"/>
-            <a:r>
-              <a:rPr lang="en-US" sz="2400" kern="0" spc="-100" dirty="0">
-                <a:solidFill>
-                  <a:srgbClr val="000000"/>
-                </a:solidFill>
-                <a:latin typeface="a뉴굴림1" panose="02020600000000000000" pitchFamily="18" charset="-127"/>
-                <a:ea typeface="a뉴굴림1" panose="02020600000000000000" pitchFamily="18" charset="-127"/>
-                <a:cs typeface="에스코어 드림 4" pitchFamily="34" charset="0"/>
-              </a:rPr>
-              <a:t>인을 쉽고 빠르게 만들어 보세요.이곳에 텍스트를 입</a:t>
-            </a:r>
-          </a:p>
-          <a:p>
-            <a:pPr algn="just"/>
-            <a:r>
-              <a:rPr lang="en-US" sz="2400" kern="0" spc="-100" dirty="0">
-                <a:solidFill>
-                  <a:srgbClr val="000000"/>
-                </a:solidFill>
-                <a:latin typeface="a뉴굴림1" panose="02020600000000000000" pitchFamily="18" charset="-127"/>
-                <a:ea typeface="a뉴굴림1" panose="02020600000000000000" pitchFamily="18" charset="-127"/>
-                <a:cs typeface="에스코어 드림 4" pitchFamily="34" charset="0"/>
-              </a:rPr>
-              <a:t>력해주세요. 내용을 이곳에 입력하여 주세요. </a:t>
+              <a:rPr lang="ko-KR" altLang="en-US" sz="7900" kern="0" spc="-800" dirty="0" err="1">
+                <a:solidFill>
+                  <a:srgbClr val="000000"/>
+                </a:solidFill>
+                <a:latin typeface="a뉴굴림1" panose="02020600000000000000" pitchFamily="18" charset="-127"/>
+                <a:ea typeface="a뉴굴림1" panose="02020600000000000000" pitchFamily="18" charset="-127"/>
+                <a:cs typeface="에스코어 드림 5" pitchFamily="34" charset="0"/>
+              </a:rPr>
+              <a:t>박두환</a:t>
             </a:r>
             <a:endParaRPr lang="en-US" dirty="0">
               <a:latin typeface="a뉴굴림1" panose="02020600000000000000" pitchFamily="18" charset="-127"/>
@@ -3470,14 +3424,14 @@
       </p:sp>
       <p:sp>
         <p:nvSpPr>
-          <p:cNvPr id="4" name="Object 4"/>
+          <p:cNvPr id="6" name="Object 6"/>
           <p:cNvSpPr txBox="1"/>
           <p:nvPr/>
         </p:nvSpPr>
         <p:spPr>
           <a:xfrm>
-            <a:off x="5500457" y="1077730"/>
-            <a:ext cx="8394284" cy="1590685"/>
+            <a:off x="560644" y="785303"/>
+            <a:ext cx="2000276" cy="2254920"/>
           </a:xfrm>
           <a:prstGeom prst="rect">
             <a:avLst/>
@@ -3490,45 +3444,6 @@
           <a:p>
             <a:pPr algn="just"/>
             <a:r>
-              <a:rPr lang="ko-KR" altLang="en-US" sz="7900" kern="0" spc="-800" dirty="0" err="1">
-                <a:solidFill>
-                  <a:srgbClr val="000000"/>
-                </a:solidFill>
-                <a:latin typeface="a뉴굴림1" panose="02020600000000000000" pitchFamily="18" charset="-127"/>
-                <a:ea typeface="a뉴굴림1" panose="02020600000000000000" pitchFamily="18" charset="-127"/>
-                <a:cs typeface="에스코어 드림 5" pitchFamily="34" charset="0"/>
-              </a:rPr>
-              <a:t>박두환</a:t>
-            </a:r>
-            <a:endParaRPr lang="en-US" dirty="0">
-              <a:latin typeface="a뉴굴림1" panose="02020600000000000000" pitchFamily="18" charset="-127"/>
-              <a:ea typeface="a뉴굴림1" panose="02020600000000000000" pitchFamily="18" charset="-127"/>
-            </a:endParaRPr>
-          </a:p>
-        </p:txBody>
-      </p:sp>
-      <p:sp>
-        <p:nvSpPr>
-          <p:cNvPr id="6" name="Object 6"/>
-          <p:cNvSpPr txBox="1"/>
-          <p:nvPr/>
-        </p:nvSpPr>
-        <p:spPr>
-          <a:xfrm>
-            <a:off x="560644" y="785303"/>
-            <a:ext cx="2000276" cy="2254920"/>
-          </a:xfrm>
-          <a:prstGeom prst="rect">
-            <a:avLst/>
-          </a:prstGeom>
-          <a:noFill/>
-        </p:spPr>
-        <p:txBody>
-          <a:bodyPr wrap="square" rtlCol="0"/>
-          <a:lstStyle/>
-          <a:p>
-            <a:pPr algn="just"/>
-            <a:r>
               <a:rPr lang="en-US" sz="11200" kern="0" spc="-1000" dirty="0">
                 <a:solidFill>
                   <a:srgbClr val="000000"/>
@@ -3538,45 +3453,6 @@
                 <a:cs typeface="에스코어 드림 8" pitchFamily="34" charset="0"/>
               </a:rPr>
               <a:t>01</a:t>
-            </a:r>
-            <a:endParaRPr lang="en-US" dirty="0">
-              <a:latin typeface="a뉴굴림1" panose="02020600000000000000" pitchFamily="18" charset="-127"/>
-              <a:ea typeface="a뉴굴림1" panose="02020600000000000000" pitchFamily="18" charset="-127"/>
-            </a:endParaRPr>
-          </a:p>
-        </p:txBody>
-      </p:sp>
-      <p:sp>
-        <p:nvSpPr>
-          <p:cNvPr id="10" name="Object 10"/>
-          <p:cNvSpPr txBox="1"/>
-          <p:nvPr/>
-        </p:nvSpPr>
-        <p:spPr>
-          <a:xfrm>
-            <a:off x="5600579" y="3127793"/>
-            <a:ext cx="7111181" cy="752154"/>
-          </a:xfrm>
-          <a:prstGeom prst="rect">
-            <a:avLst/>
-          </a:prstGeom>
-          <a:noFill/>
-        </p:spPr>
-        <p:txBody>
-          <a:bodyPr wrap="square" rtlCol="0"/>
-          <a:lstStyle/>
-          <a:p>
-            <a:pPr algn="just"/>
-            <a:r>
-              <a:rPr lang="ko-KR" altLang="en-US" sz="3600" kern="0" spc="-300" dirty="0">
-                <a:solidFill>
-                  <a:srgbClr val="000000"/>
-                </a:solidFill>
-                <a:latin typeface="a뉴굴림1" panose="02020600000000000000" pitchFamily="18" charset="-127"/>
-                <a:ea typeface="a뉴굴림1" panose="02020600000000000000" pitchFamily="18" charset="-127"/>
-                <a:cs typeface="에스코어 드림 5" pitchFamily="34" charset="0"/>
-              </a:rPr>
-              <a:t>클라이언트</a:t>
             </a:r>
             <a:endParaRPr lang="en-US" dirty="0">
               <a:latin typeface="a뉴굴림1" panose="02020600000000000000" pitchFamily="18" charset="-127"/>
@@ -3894,7 +3770,7 @@
           <p:cNvPr id="25" name="Object 5">
             <a:extLst>
               <a:ext uri="{FF2B5EF4-FFF2-40B4-BE49-F238E27FC236}">
-                <a16:creationId xmlns:a16="http://schemas.microsoft.com/office/drawing/2014/main" id="{C5BC86FB-913E-4BA5-BCAD-1E5E99CCB3A7}"/>
+                <a16:creationId xmlns:a16="http://schemas.microsoft.com/office/drawing/2014/main" xmlns="" id="{C5BC86FB-913E-4BA5-BCAD-1E5E99CCB3A7}"/>
               </a:ext>
             </a:extLst>
           </p:cNvPr>
@@ -3925,6 +3801,341 @@
                 <a:ea typeface="a뉴굴림1" panose="02020600000000000000" pitchFamily="18" charset="-127"/>
               </a:rPr>
               <a:t>진행 상황</a:t>
+            </a:r>
+            <a:endParaRPr lang="en-US" dirty="0">
+              <a:latin typeface="a뉴굴림1" panose="02020600000000000000" pitchFamily="18" charset="-127"/>
+              <a:ea typeface="a뉴굴림1" panose="02020600000000000000" pitchFamily="18" charset="-127"/>
+            </a:endParaRPr>
+          </a:p>
+        </p:txBody>
+      </p:sp>
+      <p:pic>
+        <p:nvPicPr>
+          <p:cNvPr id="17" name="그림 16"/>
+          <p:cNvPicPr/>
+          <p:nvPr/>
+        </p:nvPicPr>
+        <p:blipFill>
+          <a:blip r:embed="rId6" cstate="print">
+            <a:extLst>
+              <a:ext uri="{28A0092B-C50C-407E-A947-70E740481C1C}">
+                <a14:useLocalDpi xmlns="" xmlns:wpc="http://schemas.microsoft.com/office/word/2010/wordprocessingCanvas" xmlns:cx="http://schemas.microsoft.com/office/drawing/2014/chartex" xmlns:cx1="http://schemas.microsoft.com/office/drawing/2015/9/8/chartex" xmlns:cx2="http://schemas.microsoft.com/office/drawing/2015/10/21/chartex" xmlns:cx3="http://schemas.microsoft.com/office/drawing/2016/5/9/chartex" xmlns:cx4="http://schemas.microsoft.com/office/drawing/2016/5/10/chartex" xmlns:cx5="http://schemas.microsoft.com/office/drawing/2016/5/11/chartex" xmlns:cx6="http://schemas.microsoft.com/office/drawing/2016/5/12/chartex" xmlns:cx7="http://schemas.microsoft.com/office/drawing/2016/5/13/chartex" xmlns:cx8="http://schemas.microsoft.com/office/drawing/2016/5/14/chartex" xmlns:mc="http://schemas.openxmlformats.org/markup-compatibility/2006" xmlns:aink="http://schemas.microsoft.com/office/drawing/2016/ink" xmlns:am3d="http://schemas.microsoft.com/office/drawing/2017/model3d" xmlns:o="urn:schemas-microsoft-com:office:office" xmlns:m="http://schemas.openxmlformats.org/officeDocument/2006/math" xmlns:v="urn:schemas-microsoft-com:vml" xmlns:wp14="http://schemas.microsoft.com/office/word/2010/wordprocessingDrawing" xmlns:wp="http://schemas.openxmlformats.org/drawingml/2006/wordprocessingDrawing" xmlns:w10="urn:schemas-microsoft-com:office:word" xmlns:w="http://schemas.openxmlformats.org/wordprocessingml/2006/main" xmlns:w14="http://schemas.microsoft.com/office/word/2010/wordml" xmlns:w15="http://schemas.microsoft.com/office/word/2012/wordml" xmlns:w16cex="http://schemas.microsoft.com/office/word/2018/wordml/cex" xmlns:w16cid="http://schemas.microsoft.com/office/word/2016/wordml/cid" xmlns:w16="http://schemas.microsoft.com/office/word/2018/wordml" xmlns:w16se="http://schemas.microsoft.com/office/word/2015/wordml/symex" xmlns:wpg="http://schemas.microsoft.com/office/word/2010/wordprocessingGroup" xmlns:wpi="http://schemas.microsoft.com/office/word/2010/wordprocessingInk" xmlns:wne="http://schemas.microsoft.com/office/word/2006/wordml" xmlns:wps="http://schemas.microsoft.com/office/word/2010/wordprocessingShape" xmlns:a14="http://schemas.microsoft.com/office/drawing/2010/main" xmlns:pic="http://schemas.openxmlformats.org/drawingml/2006/picture" xmlns:lc="http://schemas.openxmlformats.org/drawingml/2006/lockedCanvas" val="0"/>
+              </a:ext>
+            </a:extLst>
+          </a:blip>
+          <a:srcRect/>
+          <a:stretch>
+            <a:fillRect/>
+          </a:stretch>
+        </p:blipFill>
+        <p:spPr bwMode="auto">
+          <a:xfrm>
+            <a:off x="5486400" y="2628900"/>
+            <a:ext cx="5638800" cy="3429000"/>
+          </a:xfrm>
+          <a:prstGeom prst="rect">
+            <a:avLst/>
+          </a:prstGeom>
+          <a:noFill/>
+          <a:ln>
+            <a:noFill/>
+          </a:ln>
+        </p:spPr>
+      </p:pic>
+      <p:pic>
+        <p:nvPicPr>
+          <p:cNvPr id="1026" name="Picture 2"/>
+          <p:cNvPicPr>
+            <a:picLocks noChangeAspect="1" noChangeArrowheads="1"/>
+          </p:cNvPicPr>
+          <p:nvPr/>
+        </p:nvPicPr>
+        <p:blipFill>
+          <a:blip r:embed="rId7" cstate="print"/>
+          <a:srcRect/>
+          <a:stretch>
+            <a:fillRect/>
+          </a:stretch>
+        </p:blipFill>
+        <p:spPr bwMode="auto">
+          <a:xfrm>
+            <a:off x="11734800" y="2400300"/>
+            <a:ext cx="5638800" cy="3581400"/>
+          </a:xfrm>
+          <a:prstGeom prst="rect">
+            <a:avLst/>
+          </a:prstGeom>
+          <a:noFill/>
+          <a:ln w="9525">
+            <a:noFill/>
+            <a:miter lim="800000"/>
+            <a:headEnd/>
+            <a:tailEnd/>
+          </a:ln>
+        </p:spPr>
+      </p:pic>
+      <p:pic>
+        <p:nvPicPr>
+          <p:cNvPr id="1027" name="Picture 3"/>
+          <p:cNvPicPr>
+            <a:picLocks noChangeAspect="1" noChangeArrowheads="1"/>
+          </p:cNvPicPr>
+          <p:nvPr/>
+        </p:nvPicPr>
+        <p:blipFill>
+          <a:blip r:embed="rId8" cstate="print"/>
+          <a:srcRect/>
+          <a:stretch>
+            <a:fillRect/>
+          </a:stretch>
+        </p:blipFill>
+        <p:spPr bwMode="auto">
+          <a:xfrm>
+            <a:off x="7772400" y="6429375"/>
+            <a:ext cx="6858000" cy="3857625"/>
+          </a:xfrm>
+          <a:prstGeom prst="rect">
+            <a:avLst/>
+          </a:prstGeom>
+          <a:noFill/>
+          <a:ln w="9525">
+            <a:noFill/>
+            <a:miter lim="800000"/>
+            <a:headEnd/>
+            <a:tailEnd/>
+          </a:ln>
+        </p:spPr>
+      </p:pic>
+      <p:sp>
+        <p:nvSpPr>
+          <p:cNvPr id="20" name="Object 3">
+            <a:extLst>
+              <a:ext uri="{FF2B5EF4-FFF2-40B4-BE49-F238E27FC236}">
+                <a16:creationId xmlns:a16="http://schemas.microsoft.com/office/drawing/2014/main" xmlns="" id="{64F8333B-FAF8-4F84-8434-FBB78C25C4B7}"/>
+              </a:ext>
+            </a:extLst>
+          </p:cNvPr>
+          <p:cNvSpPr txBox="1"/>
+          <p:nvPr/>
+        </p:nvSpPr>
+        <p:spPr>
+          <a:xfrm>
+            <a:off x="0" y="4914900"/>
+            <a:ext cx="4627303" cy="4000129"/>
+          </a:xfrm>
+          <a:prstGeom prst="rect">
+            <a:avLst/>
+          </a:prstGeom>
+          <a:noFill/>
+        </p:spPr>
+        <p:txBody>
+          <a:bodyPr wrap="square" rtlCol="0"/>
+          <a:lstStyle/>
+          <a:p>
+            <a:pPr marL="457200" indent="-457200" algn="just">
+              <a:buAutoNum type="arabicParenBoth"/>
+            </a:pPr>
+            <a:r>
+              <a:rPr lang="ko-KR" altLang="en-US" sz="2400" kern="0" spc="-100" dirty="0" smtClean="0">
+                <a:solidFill>
+                  <a:srgbClr val="000000"/>
+                </a:solidFill>
+                <a:latin typeface="a뉴굴림1" panose="02020600000000000000" pitchFamily="18" charset="-127"/>
+                <a:ea typeface="a뉴굴림1" panose="02020600000000000000" pitchFamily="18" charset="-127"/>
+                <a:cs typeface="에스코어 드림 4" pitchFamily="34" charset="0"/>
+              </a:rPr>
+              <a:t>탱크 내부 그래픽 </a:t>
+            </a:r>
+            <a:r>
+              <a:rPr lang="ko-KR" altLang="en-US" sz="2400" kern="0" spc="-100" dirty="0" err="1" smtClean="0">
+                <a:solidFill>
+                  <a:srgbClr val="000000"/>
+                </a:solidFill>
+                <a:latin typeface="a뉴굴림1" panose="02020600000000000000" pitchFamily="18" charset="-127"/>
+                <a:ea typeface="a뉴굴림1" panose="02020600000000000000" pitchFamily="18" charset="-127"/>
+                <a:cs typeface="에스코어 드림 4" pitchFamily="34" charset="0"/>
+              </a:rPr>
+              <a:t>에셋</a:t>
+            </a:r>
+            <a:r>
+              <a:rPr lang="ko-KR" altLang="en-US" sz="2400" kern="0" spc="-100" dirty="0" smtClean="0">
+                <a:solidFill>
+                  <a:srgbClr val="000000"/>
+                </a:solidFill>
+                <a:latin typeface="a뉴굴림1" panose="02020600000000000000" pitchFamily="18" charset="-127"/>
+                <a:ea typeface="a뉴굴림1" panose="02020600000000000000" pitchFamily="18" charset="-127"/>
+                <a:cs typeface="에스코어 드림 4" pitchFamily="34" charset="0"/>
+              </a:rPr>
+              <a:t> </a:t>
+            </a:r>
+            <a:r>
+              <a:rPr lang="en-US" altLang="ko-KR" sz="2400" kern="0" spc="-100" dirty="0" smtClean="0">
+                <a:solidFill>
+                  <a:srgbClr val="000000"/>
+                </a:solidFill>
+                <a:latin typeface="a뉴굴림1" panose="02020600000000000000" pitchFamily="18" charset="-127"/>
+                <a:ea typeface="a뉴굴림1" panose="02020600000000000000" pitchFamily="18" charset="-127"/>
+                <a:cs typeface="에스코어 드림 4" pitchFamily="34" charset="0"/>
+              </a:rPr>
+              <a:t>70</a:t>
+            </a:r>
+            <a:r>
+              <a:rPr lang="ko-KR" altLang="en-US" sz="2400" kern="0" spc="-100" dirty="0" smtClean="0">
+                <a:solidFill>
+                  <a:srgbClr val="000000"/>
+                </a:solidFill>
+                <a:latin typeface="a뉴굴림1" panose="02020600000000000000" pitchFamily="18" charset="-127"/>
+                <a:ea typeface="a뉴굴림1" panose="02020600000000000000" pitchFamily="18" charset="-127"/>
+                <a:cs typeface="에스코어 드림 4" pitchFamily="34" charset="0"/>
+              </a:rPr>
+              <a:t>프로 제작</a:t>
+            </a:r>
+            <a:endParaRPr lang="en-US" altLang="ko-KR" sz="2400" kern="0" spc="-100" dirty="0" smtClean="0">
+              <a:solidFill>
+                <a:srgbClr val="000000"/>
+              </a:solidFill>
+              <a:latin typeface="a뉴굴림1" panose="02020600000000000000" pitchFamily="18" charset="-127"/>
+              <a:ea typeface="a뉴굴림1" panose="02020600000000000000" pitchFamily="18" charset="-127"/>
+              <a:cs typeface="에스코어 드림 4" pitchFamily="34" charset="0"/>
+            </a:endParaRPr>
+          </a:p>
+          <a:p>
+            <a:pPr algn="just"/>
+            <a:r>
+              <a:rPr lang="en-US" altLang="ko-KR" sz="2400" kern="0" spc="-100" dirty="0" smtClean="0">
+                <a:solidFill>
+                  <a:srgbClr val="000000"/>
+                </a:solidFill>
+                <a:latin typeface="a뉴굴림1" panose="02020600000000000000" pitchFamily="18" charset="-127"/>
+                <a:ea typeface="a뉴굴림1" panose="02020600000000000000" pitchFamily="18" charset="-127"/>
+                <a:cs typeface="에스코어 드림 4" pitchFamily="34" charset="0"/>
+              </a:rPr>
+              <a:t>(</a:t>
+            </a:r>
+            <a:r>
+              <a:rPr lang="en-US" altLang="ko-KR" sz="2400" kern="0" spc="-100" dirty="0">
+                <a:solidFill>
+                  <a:srgbClr val="000000"/>
+                </a:solidFill>
+                <a:latin typeface="a뉴굴림1" panose="02020600000000000000" pitchFamily="18" charset="-127"/>
+                <a:ea typeface="a뉴굴림1" panose="02020600000000000000" pitchFamily="18" charset="-127"/>
+                <a:cs typeface="에스코어 드림 4" pitchFamily="34" charset="0"/>
+              </a:rPr>
+              <a:t>2)</a:t>
+            </a:r>
+            <a:r>
+              <a:rPr lang="ko-KR" altLang="en-US" sz="2400" kern="0" spc="-100" dirty="0">
+                <a:solidFill>
+                  <a:srgbClr val="000000"/>
+                </a:solidFill>
+                <a:latin typeface="a뉴굴림1" panose="02020600000000000000" pitchFamily="18" charset="-127"/>
+                <a:ea typeface="a뉴굴림1" panose="02020600000000000000" pitchFamily="18" charset="-127"/>
+                <a:cs typeface="에스코어 드림 4" pitchFamily="34" charset="0"/>
+              </a:rPr>
+              <a:t> </a:t>
+            </a:r>
+            <a:r>
+              <a:rPr lang="ko-KR" altLang="en-US" sz="2400" kern="0" spc="-100" dirty="0" smtClean="0">
+                <a:solidFill>
+                  <a:srgbClr val="000000"/>
+                </a:solidFill>
+                <a:latin typeface="a뉴굴림1" panose="02020600000000000000" pitchFamily="18" charset="-127"/>
+                <a:ea typeface="a뉴굴림1" panose="02020600000000000000" pitchFamily="18" charset="-127"/>
+                <a:cs typeface="에스코어 드림 4" pitchFamily="34" charset="0"/>
+              </a:rPr>
+              <a:t>제작된 </a:t>
+            </a:r>
+            <a:r>
+              <a:rPr lang="ko-KR" altLang="en-US" sz="2400" kern="0" spc="-100" dirty="0" err="1" smtClean="0">
+                <a:solidFill>
+                  <a:srgbClr val="000000"/>
+                </a:solidFill>
+                <a:latin typeface="a뉴굴림1" panose="02020600000000000000" pitchFamily="18" charset="-127"/>
+                <a:ea typeface="a뉴굴림1" panose="02020600000000000000" pitchFamily="18" charset="-127"/>
+                <a:cs typeface="에스코어 드림 4" pitchFamily="34" charset="0"/>
+              </a:rPr>
+              <a:t>에셋</a:t>
+            </a:r>
+            <a:r>
+              <a:rPr lang="ko-KR" altLang="en-US" sz="2400" kern="0" spc="-100" dirty="0" smtClean="0">
+                <a:solidFill>
+                  <a:srgbClr val="000000"/>
+                </a:solidFill>
+                <a:latin typeface="a뉴굴림1" panose="02020600000000000000" pitchFamily="18" charset="-127"/>
+                <a:ea typeface="a뉴굴림1" panose="02020600000000000000" pitchFamily="18" charset="-127"/>
+                <a:cs typeface="에스코어 드림 4" pitchFamily="34" charset="0"/>
+              </a:rPr>
+              <a:t> 절반 </a:t>
+            </a:r>
+            <a:r>
+              <a:rPr lang="ko-KR" altLang="en-US" sz="2400" kern="0" spc="-100" dirty="0" err="1" smtClean="0">
+                <a:solidFill>
+                  <a:srgbClr val="000000"/>
+                </a:solidFill>
+                <a:latin typeface="a뉴굴림1" panose="02020600000000000000" pitchFamily="18" charset="-127"/>
+                <a:ea typeface="a뉴굴림1" panose="02020600000000000000" pitchFamily="18" charset="-127"/>
+                <a:cs typeface="에스코어 드림 4" pitchFamily="34" charset="0"/>
+              </a:rPr>
+              <a:t>메터리얼</a:t>
+            </a:r>
+            <a:r>
+              <a:rPr lang="ko-KR" altLang="en-US" sz="2400" kern="0" spc="-100" dirty="0" smtClean="0">
+                <a:solidFill>
+                  <a:srgbClr val="000000"/>
+                </a:solidFill>
+                <a:latin typeface="a뉴굴림1" panose="02020600000000000000" pitchFamily="18" charset="-127"/>
+                <a:ea typeface="a뉴굴림1" panose="02020600000000000000" pitchFamily="18" charset="-127"/>
+                <a:cs typeface="에스코어 드림 4" pitchFamily="34" charset="0"/>
+              </a:rPr>
+              <a:t> 및 색상 작업완료</a:t>
+            </a:r>
+            <a:endParaRPr lang="en-US" altLang="ko-KR" sz="2400" kern="0" spc="-100" dirty="0">
+              <a:solidFill>
+                <a:srgbClr val="000000"/>
+              </a:solidFill>
+              <a:latin typeface="a뉴굴림1" panose="02020600000000000000" pitchFamily="18" charset="-127"/>
+              <a:ea typeface="a뉴굴림1" panose="02020600000000000000" pitchFamily="18" charset="-127"/>
+              <a:cs typeface="에스코어 드림 4" pitchFamily="34" charset="0"/>
+            </a:endParaRPr>
+          </a:p>
+        </p:txBody>
+      </p:sp>
+      <p:sp>
+        <p:nvSpPr>
+          <p:cNvPr id="22" name="Object 10">
+            <a:extLst>
+              <a:ext uri="{FF2B5EF4-FFF2-40B4-BE49-F238E27FC236}">
+                <a16:creationId xmlns:a16="http://schemas.microsoft.com/office/drawing/2014/main" xmlns="" id="{74452AFC-1280-4B9D-9DF2-F572CF3FC39F}"/>
+              </a:ext>
+            </a:extLst>
+          </p:cNvPr>
+          <p:cNvSpPr txBox="1"/>
+          <p:nvPr/>
+        </p:nvSpPr>
+        <p:spPr>
+          <a:xfrm>
+            <a:off x="0" y="3086100"/>
+            <a:ext cx="7111181" cy="752154"/>
+          </a:xfrm>
+          <a:prstGeom prst="rect">
+            <a:avLst/>
+          </a:prstGeom>
+          <a:noFill/>
+        </p:spPr>
+        <p:txBody>
+          <a:bodyPr wrap="square" rtlCol="0"/>
+          <a:lstStyle/>
+          <a:p>
+            <a:pPr algn="just"/>
+            <a:r>
+              <a:rPr lang="ko-KR" altLang="en-US" sz="3600" kern="0" spc="-300" dirty="0">
+                <a:solidFill>
+                  <a:srgbClr val="000000"/>
+                </a:solidFill>
+                <a:latin typeface="a뉴굴림1" panose="02020600000000000000" pitchFamily="18" charset="-127"/>
+                <a:ea typeface="a뉴굴림1" panose="02020600000000000000" pitchFamily="18" charset="-127"/>
+              </a:rPr>
+              <a:t>클라이언트</a:t>
             </a:r>
             <a:endParaRPr lang="en-US" dirty="0">
               <a:latin typeface="a뉴굴림1" panose="02020600000000000000" pitchFamily="18" charset="-127"/>
@@ -4353,7 +4564,7 @@
           <p:cNvPr id="25" name="Object 5">
             <a:extLst>
               <a:ext uri="{FF2B5EF4-FFF2-40B4-BE49-F238E27FC236}">
-                <a16:creationId xmlns:a16="http://schemas.microsoft.com/office/drawing/2014/main" id="{C5BC86FB-913E-4BA5-BCAD-1E5E99CCB3A7}"/>
+                <a16:creationId xmlns:a16="http://schemas.microsoft.com/office/drawing/2014/main" xmlns="" id="{C5BC86FB-913E-4BA5-BCAD-1E5E99CCB3A7}"/>
               </a:ext>
             </a:extLst>
           </p:cNvPr>
@@ -4397,7 +4608,7 @@
           <p:cNvPr id="2" name="그림 1">
             <a:extLst>
               <a:ext uri="{FF2B5EF4-FFF2-40B4-BE49-F238E27FC236}">
-                <a16:creationId xmlns:a16="http://schemas.microsoft.com/office/drawing/2014/main" id="{68972E0B-3464-47EC-8125-181F961CB8C3}"/>
+                <a16:creationId xmlns:a16="http://schemas.microsoft.com/office/drawing/2014/main" xmlns="" id="{68972E0B-3464-47EC-8125-181F961CB8C3}"/>
               </a:ext>
             </a:extLst>
           </p:cNvPr>
@@ -4407,7 +4618,7 @@
           <p:nvPr/>
         </p:nvPicPr>
         <p:blipFill>
-          <a:blip r:embed="rId6"/>
+          <a:blip r:embed="rId6" cstate="print"/>
           <a:stretch>
             <a:fillRect/>
           </a:stretch>
@@ -4427,7 +4638,7 @@
           <p:cNvPr id="5" name="그림 4">
             <a:extLst>
               <a:ext uri="{FF2B5EF4-FFF2-40B4-BE49-F238E27FC236}">
-                <a16:creationId xmlns:a16="http://schemas.microsoft.com/office/drawing/2014/main" id="{2E20D0BD-B695-4CCC-9D04-9F4A4FB2DD66}"/>
+                <a16:creationId xmlns:a16="http://schemas.microsoft.com/office/drawing/2014/main" xmlns="" id="{2E20D0BD-B695-4CCC-9D04-9F4A4FB2DD66}"/>
               </a:ext>
             </a:extLst>
           </p:cNvPr>
@@ -4437,7 +4648,7 @@
           <p:nvPr/>
         </p:nvPicPr>
         <p:blipFill>
-          <a:blip r:embed="rId7"/>
+          <a:blip r:embed="rId7" cstate="print"/>
           <a:stretch>
             <a:fillRect/>
           </a:stretch>
@@ -4457,7 +4668,7 @@
           <p:cNvPr id="7" name="그림 6">
             <a:extLst>
               <a:ext uri="{FF2B5EF4-FFF2-40B4-BE49-F238E27FC236}">
-                <a16:creationId xmlns:a16="http://schemas.microsoft.com/office/drawing/2014/main" id="{0E88B2F0-87C6-48C3-BCC8-384B567AD9A1}"/>
+                <a16:creationId xmlns:a16="http://schemas.microsoft.com/office/drawing/2014/main" xmlns="" id="{0E88B2F0-87C6-48C3-BCC8-384B567AD9A1}"/>
               </a:ext>
             </a:extLst>
           </p:cNvPr>
@@ -4467,7 +4678,7 @@
           <p:nvPr/>
         </p:nvPicPr>
         <p:blipFill>
-          <a:blip r:embed="rId8"/>
+          <a:blip r:embed="rId8" cstate="print"/>
           <a:stretch>
             <a:fillRect/>
           </a:stretch>
@@ -4487,7 +4698,7 @@
           <p:cNvPr id="8" name="그림 7">
             <a:extLst>
               <a:ext uri="{FF2B5EF4-FFF2-40B4-BE49-F238E27FC236}">
-                <a16:creationId xmlns:a16="http://schemas.microsoft.com/office/drawing/2014/main" id="{F8C5D651-1298-451D-AE02-842B98940D75}"/>
+                <a16:creationId xmlns:a16="http://schemas.microsoft.com/office/drawing/2014/main" xmlns="" id="{F8C5D651-1298-451D-AE02-842B98940D75}"/>
               </a:ext>
             </a:extLst>
           </p:cNvPr>
@@ -4497,7 +4708,7 @@
           <p:nvPr/>
         </p:nvPicPr>
         <p:blipFill>
-          <a:blip r:embed="rId9"/>
+          <a:blip r:embed="rId9" cstate="print"/>
           <a:stretch>
             <a:fillRect/>
           </a:stretch>
@@ -4517,7 +4728,7 @@
           <p:cNvPr id="9" name="그림 8">
             <a:extLst>
               <a:ext uri="{FF2B5EF4-FFF2-40B4-BE49-F238E27FC236}">
-                <a16:creationId xmlns:a16="http://schemas.microsoft.com/office/drawing/2014/main" id="{AAF12305-13B9-408E-9590-51E05803C7A9}"/>
+                <a16:creationId xmlns:a16="http://schemas.microsoft.com/office/drawing/2014/main" xmlns="" id="{AAF12305-13B9-408E-9590-51E05803C7A9}"/>
               </a:ext>
             </a:extLst>
           </p:cNvPr>
@@ -4527,7 +4738,7 @@
           <p:nvPr/>
         </p:nvPicPr>
         <p:blipFill>
-          <a:blip r:embed="rId10"/>
+          <a:blip r:embed="rId10" cstate="print"/>
           <a:stretch>
             <a:fillRect/>
           </a:stretch>
@@ -4547,7 +4758,7 @@
           <p:cNvPr id="23" name="Object 10">
             <a:extLst>
               <a:ext uri="{FF2B5EF4-FFF2-40B4-BE49-F238E27FC236}">
-                <a16:creationId xmlns:a16="http://schemas.microsoft.com/office/drawing/2014/main" id="{74452AFC-1280-4B9D-9DF2-F572CF3FC39F}"/>
+                <a16:creationId xmlns:a16="http://schemas.microsoft.com/office/drawing/2014/main" xmlns="" id="{74452AFC-1280-4B9D-9DF2-F572CF3FC39F}"/>
               </a:ext>
             </a:extLst>
           </p:cNvPr>
@@ -4591,7 +4802,7 @@
           <p:cNvPr id="24" name="Object 3">
             <a:extLst>
               <a:ext uri="{FF2B5EF4-FFF2-40B4-BE49-F238E27FC236}">
-                <a16:creationId xmlns:a16="http://schemas.microsoft.com/office/drawing/2014/main" id="{64F8333B-FAF8-4F84-8434-FBB78C25C4B7}"/>
+                <a16:creationId xmlns:a16="http://schemas.microsoft.com/office/drawing/2014/main" xmlns="" id="{64F8333B-FAF8-4F84-8434-FBB78C25C4B7}"/>
               </a:ext>
             </a:extLst>
           </p:cNvPr>
@@ -4904,7 +5115,7 @@
           <p:cNvPr id="26" name="그림 25">
             <a:extLst>
               <a:ext uri="{FF2B5EF4-FFF2-40B4-BE49-F238E27FC236}">
-                <a16:creationId xmlns:a16="http://schemas.microsoft.com/office/drawing/2014/main" id="{4684B016-9163-4F20-9651-2247DD370E21}"/>
+                <a16:creationId xmlns:a16="http://schemas.microsoft.com/office/drawing/2014/main" xmlns="" id="{4684B016-9163-4F20-9651-2247DD370E21}"/>
               </a:ext>
             </a:extLst>
           </p:cNvPr>
@@ -4912,7 +5123,7 @@
           <p:nvPr/>
         </p:nvPicPr>
         <p:blipFill>
-          <a:blip r:embed="rId11"/>
+          <a:blip r:embed="rId11" cstate="print"/>
           <a:stretch>
             <a:fillRect/>
           </a:stretch>
@@ -4930,7 +5141,7 @@
     </p:spTree>
     <p:extLst>
       <p:ext uri="{BB962C8B-B14F-4D97-AF65-F5344CB8AC3E}">
-        <p14:creationId xmlns:p14="http://schemas.microsoft.com/office/powerpoint/2010/main" val="993031923"/>
+        <p14:creationId xmlns:p14="http://schemas.microsoft.com/office/powerpoint/2010/main" xmlns="" val="993031923"/>
       </p:ext>
     </p:extLst>
   </p:cSld>
@@ -5656,7 +5867,7 @@
           <p:cNvPr id="25" name="Object 5">
             <a:extLst>
               <a:ext uri="{FF2B5EF4-FFF2-40B4-BE49-F238E27FC236}">
-                <a16:creationId xmlns:a16="http://schemas.microsoft.com/office/drawing/2014/main" id="{C5BC86FB-913E-4BA5-BCAD-1E5E99CCB3A7}"/>
+                <a16:creationId xmlns:a16="http://schemas.microsoft.com/office/drawing/2014/main" xmlns="" id="{C5BC86FB-913E-4BA5-BCAD-1E5E99CCB3A7}"/>
               </a:ext>
             </a:extLst>
           </p:cNvPr>
@@ -5700,7 +5911,7 @@
           <p:cNvPr id="17" name="그림 16">
             <a:extLst>
               <a:ext uri="{FF2B5EF4-FFF2-40B4-BE49-F238E27FC236}">
-                <a16:creationId xmlns:a16="http://schemas.microsoft.com/office/drawing/2014/main" id="{D8585B2C-73C4-4172-A044-0BF41EA08706}"/>
+                <a16:creationId xmlns:a16="http://schemas.microsoft.com/office/drawing/2014/main" xmlns="" id="{D8585B2C-73C4-4172-A044-0BF41EA08706}"/>
               </a:ext>
             </a:extLst>
           </p:cNvPr>
@@ -5711,7 +5922,7 @@
           <a:blip r:embed="rId6" cstate="print">
             <a:extLst>
               <a:ext uri="{28A0092B-C50C-407E-A947-70E740481C1C}">
-                <a14:useLocalDpi xmlns:a14="http://schemas.microsoft.com/office/drawing/2010/main" val="0"/>
+                <a14:useLocalDpi xmlns:a14="http://schemas.microsoft.com/office/drawing/2010/main" xmlns="" val="0"/>
               </a:ext>
             </a:extLst>
           </a:blip>
@@ -5739,7 +5950,7 @@
           <p:cNvPr id="19" name="그림 18">
             <a:extLst>
               <a:ext uri="{FF2B5EF4-FFF2-40B4-BE49-F238E27FC236}">
-                <a16:creationId xmlns:a16="http://schemas.microsoft.com/office/drawing/2014/main" id="{85769236-8004-4D6A-9CA4-CE86E56D5A92}"/>
+                <a16:creationId xmlns:a16="http://schemas.microsoft.com/office/drawing/2014/main" xmlns="" id="{85769236-8004-4D6A-9CA4-CE86E56D5A92}"/>
               </a:ext>
             </a:extLst>
           </p:cNvPr>
@@ -5750,7 +5961,7 @@
           <a:blip r:embed="rId7" cstate="print">
             <a:extLst>
               <a:ext uri="{28A0092B-C50C-407E-A947-70E740481C1C}">
-                <a14:useLocalDpi xmlns:a14="http://schemas.microsoft.com/office/drawing/2010/main" val="0"/>
+                <a14:useLocalDpi xmlns:a14="http://schemas.microsoft.com/office/drawing/2010/main" xmlns="" val="0"/>
               </a:ext>
             </a:extLst>
           </a:blip>
@@ -5778,7 +5989,7 @@
           <p:cNvPr id="20" name="그림 19">
             <a:extLst>
               <a:ext uri="{FF2B5EF4-FFF2-40B4-BE49-F238E27FC236}">
-                <a16:creationId xmlns:a16="http://schemas.microsoft.com/office/drawing/2014/main" id="{8EBC8AE6-E7D8-49D1-B5FB-68D5032F71BD}"/>
+                <a16:creationId xmlns:a16="http://schemas.microsoft.com/office/drawing/2014/main" xmlns="" id="{8EBC8AE6-E7D8-49D1-B5FB-68D5032F71BD}"/>
               </a:ext>
             </a:extLst>
           </p:cNvPr>
@@ -5789,7 +6000,7 @@
           <a:blip r:embed="rId8" cstate="print">
             <a:extLst>
               <a:ext uri="{28A0092B-C50C-407E-A947-70E740481C1C}">
-                <a14:useLocalDpi xmlns:a14="http://schemas.microsoft.com/office/drawing/2010/main" val="0"/>
+                <a14:useLocalDpi xmlns:a14="http://schemas.microsoft.com/office/drawing/2010/main" xmlns="" val="0"/>
               </a:ext>
             </a:extLst>
           </a:blip>
@@ -5817,7 +6028,7 @@
           <p:cNvPr id="22" name="그림 21">
             <a:extLst>
               <a:ext uri="{FF2B5EF4-FFF2-40B4-BE49-F238E27FC236}">
-                <a16:creationId xmlns:a16="http://schemas.microsoft.com/office/drawing/2014/main" id="{0D909867-4A4E-46E7-81CB-316CE6922316}"/>
+                <a16:creationId xmlns:a16="http://schemas.microsoft.com/office/drawing/2014/main" xmlns="" id="{0D909867-4A4E-46E7-81CB-316CE6922316}"/>
               </a:ext>
             </a:extLst>
           </p:cNvPr>
@@ -5828,7 +6039,7 @@
           <a:blip r:embed="rId9" cstate="print">
             <a:extLst>
               <a:ext uri="{28A0092B-C50C-407E-A947-70E740481C1C}">
-                <a14:useLocalDpi xmlns:a14="http://schemas.microsoft.com/office/drawing/2010/main" val="0"/>
+                <a14:useLocalDpi xmlns:a14="http://schemas.microsoft.com/office/drawing/2010/main" xmlns="" val="0"/>
               </a:ext>
             </a:extLst>
           </a:blip>
@@ -5856,7 +6067,7 @@
           <p:cNvPr id="23" name="그림 22">
             <a:extLst>
               <a:ext uri="{FF2B5EF4-FFF2-40B4-BE49-F238E27FC236}">
-                <a16:creationId xmlns:a16="http://schemas.microsoft.com/office/drawing/2014/main" id="{A1ABE289-0F0F-4D02-A19F-6F08F1C2B070}"/>
+                <a16:creationId xmlns:a16="http://schemas.microsoft.com/office/drawing/2014/main" xmlns="" id="{A1ABE289-0F0F-4D02-A19F-6F08F1C2B070}"/>
               </a:ext>
             </a:extLst>
           </p:cNvPr>
@@ -5867,7 +6078,7 @@
           <a:blip r:embed="rId10" cstate="print">
             <a:extLst>
               <a:ext uri="{28A0092B-C50C-407E-A947-70E740481C1C}">
-                <a14:useLocalDpi xmlns:a14="http://schemas.microsoft.com/office/drawing/2010/main" val="0"/>
+                <a14:useLocalDpi xmlns:a14="http://schemas.microsoft.com/office/drawing/2010/main" xmlns="" val="0"/>
               </a:ext>
             </a:extLst>
           </a:blip>
@@ -5895,7 +6106,7 @@
           <p:cNvPr id="24" name="Object 10">
             <a:extLst>
               <a:ext uri="{FF2B5EF4-FFF2-40B4-BE49-F238E27FC236}">
-                <a16:creationId xmlns:a16="http://schemas.microsoft.com/office/drawing/2014/main" id="{94D4F48E-B515-4B1A-984B-96BCF2C2B86D}"/>
+                <a16:creationId xmlns:a16="http://schemas.microsoft.com/office/drawing/2014/main" xmlns="" id="{94D4F48E-B515-4B1A-984B-96BCF2C2B86D}"/>
               </a:ext>
             </a:extLst>
           </p:cNvPr>
@@ -5932,7 +6143,7 @@
           <p:cNvPr id="26" name="Object 10">
             <a:extLst>
               <a:ext uri="{FF2B5EF4-FFF2-40B4-BE49-F238E27FC236}">
-                <a16:creationId xmlns:a16="http://schemas.microsoft.com/office/drawing/2014/main" id="{8FFB6F7C-E5AC-41A8-8CC6-F5E20364AAB9}"/>
+                <a16:creationId xmlns:a16="http://schemas.microsoft.com/office/drawing/2014/main" xmlns="" id="{8FFB6F7C-E5AC-41A8-8CC6-F5E20364AAB9}"/>
               </a:ext>
             </a:extLst>
           </p:cNvPr>
@@ -5967,7 +6178,7 @@
     </p:spTree>
     <p:extLst>
       <p:ext uri="{BB962C8B-B14F-4D97-AF65-F5344CB8AC3E}">
-        <p14:creationId xmlns:p14="http://schemas.microsoft.com/office/powerpoint/2010/main" val="392667292"/>
+        <p14:creationId xmlns:p14="http://schemas.microsoft.com/office/powerpoint/2010/main" xmlns="" val="392667292"/>
       </p:ext>
     </p:extLst>
   </p:cSld>
@@ -6966,7 +7177,7 @@
     </p:spTree>
     <p:extLst>
       <p:ext uri="{BB962C8B-B14F-4D97-AF65-F5344CB8AC3E}">
-        <p14:creationId xmlns:p14="http://schemas.microsoft.com/office/powerpoint/2010/main" val="2387075693"/>
+        <p14:creationId xmlns:p14="http://schemas.microsoft.com/office/powerpoint/2010/main" xmlns="" val="2387075693"/>
       </p:ext>
     </p:extLst>
   </p:cSld>
@@ -7965,7 +8176,7 @@
     </p:spTree>
     <p:extLst>
       <p:ext uri="{BB962C8B-B14F-4D97-AF65-F5344CB8AC3E}">
-        <p14:creationId xmlns:p14="http://schemas.microsoft.com/office/powerpoint/2010/main" val="2922814050"/>
+        <p14:creationId xmlns:p14="http://schemas.microsoft.com/office/powerpoint/2010/main" xmlns="" val="2922814050"/>
       </p:ext>
     </p:extLst>
   </p:cSld>

--- a/종합설계1/종합설계1 진행 상황.pptx
+++ b/종합설계1/종합설계1 진행 상황.pptx
@@ -10,7 +10,6 @@
     <p:sldId id="262" r:id="rId4"/>
     <p:sldId id="263" r:id="rId5"/>
     <p:sldId id="260" r:id="rId6"/>
-    <p:sldId id="261" r:id="rId7"/>
   </p:sldIdLst>
   <p:sldSz cx="18288000" cy="10287000"/>
   <p:notesSz cx="10287000" cy="18288000"/>
@@ -111,7 +110,7 @@
   </p:defaultTextStyle>
   <p:extLst>
     <p:ext uri="{EFAFB233-063F-42B5-8137-9DF3F51BA10A}">
-      <p15:sldGuideLst xmlns:p15="http://schemas.microsoft.com/office/powerpoint/2012/main" xmlns="">
+      <p15:sldGuideLst xmlns:p15="http://schemas.microsoft.com/office/powerpoint/2012/main">
         <p15:guide id="1" orient="horz" pos="2160">
           <p15:clr>
             <a:srgbClr val="A4A3A4"/>
@@ -3770,7 +3769,7 @@
           <p:cNvPr id="25" name="Object 5">
             <a:extLst>
               <a:ext uri="{FF2B5EF4-FFF2-40B4-BE49-F238E27FC236}">
-                <a16:creationId xmlns:a16="http://schemas.microsoft.com/office/drawing/2014/main" xmlns="" id="{C5BC86FB-913E-4BA5-BCAD-1E5E99CCB3A7}"/>
+                <a16:creationId xmlns:a16="http://schemas.microsoft.com/office/drawing/2014/main" id="{C5BC86FB-913E-4BA5-BCAD-1E5E99CCB3A7}"/>
               </a:ext>
             </a:extLst>
           </p:cNvPr>
@@ -3819,7 +3818,7 @@
           <a:blip r:embed="rId6" cstate="print">
             <a:extLst>
               <a:ext uri="{28A0092B-C50C-407E-A947-70E740481C1C}">
-                <a14:useLocalDpi xmlns="" xmlns:wpc="http://schemas.microsoft.com/office/word/2010/wordprocessingCanvas" xmlns:cx="http://schemas.microsoft.com/office/drawing/2014/chartex" xmlns:cx1="http://schemas.microsoft.com/office/drawing/2015/9/8/chartex" xmlns:cx2="http://schemas.microsoft.com/office/drawing/2015/10/21/chartex" xmlns:cx3="http://schemas.microsoft.com/office/drawing/2016/5/9/chartex" xmlns:cx4="http://schemas.microsoft.com/office/drawing/2016/5/10/chartex" xmlns:cx5="http://schemas.microsoft.com/office/drawing/2016/5/11/chartex" xmlns:cx6="http://schemas.microsoft.com/office/drawing/2016/5/12/chartex" xmlns:cx7="http://schemas.microsoft.com/office/drawing/2016/5/13/chartex" xmlns:cx8="http://schemas.microsoft.com/office/drawing/2016/5/14/chartex" xmlns:mc="http://schemas.openxmlformats.org/markup-compatibility/2006" xmlns:aink="http://schemas.microsoft.com/office/drawing/2016/ink" xmlns:am3d="http://schemas.microsoft.com/office/drawing/2017/model3d" xmlns:o="urn:schemas-microsoft-com:office:office" xmlns:m="http://schemas.openxmlformats.org/officeDocument/2006/math" xmlns:v="urn:schemas-microsoft-com:vml" xmlns:wp14="http://schemas.microsoft.com/office/word/2010/wordprocessingDrawing" xmlns:wp="http://schemas.openxmlformats.org/drawingml/2006/wordprocessingDrawing" xmlns:w10="urn:schemas-microsoft-com:office:word" xmlns:w="http://schemas.openxmlformats.org/wordprocessingml/2006/main" xmlns:w14="http://schemas.microsoft.com/office/word/2010/wordml" xmlns:w15="http://schemas.microsoft.com/office/word/2012/wordml" xmlns:w16cex="http://schemas.microsoft.com/office/word/2018/wordml/cex" xmlns:w16cid="http://schemas.microsoft.com/office/word/2016/wordml/cid" xmlns:w16="http://schemas.microsoft.com/office/word/2018/wordml" xmlns:w16se="http://schemas.microsoft.com/office/word/2015/wordml/symex" xmlns:wpg="http://schemas.microsoft.com/office/word/2010/wordprocessingGroup" xmlns:wpi="http://schemas.microsoft.com/office/word/2010/wordprocessingInk" xmlns:wne="http://schemas.microsoft.com/office/word/2006/wordml" xmlns:wps="http://schemas.microsoft.com/office/word/2010/wordprocessingShape" xmlns:a14="http://schemas.microsoft.com/office/drawing/2010/main" xmlns:pic="http://schemas.openxmlformats.org/drawingml/2006/picture" xmlns:lc="http://schemas.openxmlformats.org/drawingml/2006/lockedCanvas" val="0"/>
+                <a14:useLocalDpi xmlns:a14="http://schemas.microsoft.com/office/drawing/2010/main" val="0"/>
               </a:ext>
             </a:extLst>
           </a:blip>
@@ -3911,7 +3910,7 @@
           <p:cNvPr id="20" name="Object 3">
             <a:extLst>
               <a:ext uri="{FF2B5EF4-FFF2-40B4-BE49-F238E27FC236}">
-                <a16:creationId xmlns:a16="http://schemas.microsoft.com/office/drawing/2014/main" xmlns="" id="{64F8333B-FAF8-4F84-8434-FBB78C25C4B7}"/>
+                <a16:creationId xmlns:a16="http://schemas.microsoft.com/office/drawing/2014/main" id="{64F8333B-FAF8-4F84-8434-FBB78C25C4B7}"/>
               </a:ext>
             </a:extLst>
           </p:cNvPr>
@@ -3936,7 +3935,7 @@
               <a:buAutoNum type="arabicParenBoth"/>
             </a:pPr>
             <a:r>
-              <a:rPr lang="ko-KR" altLang="en-US" sz="2400" kern="0" spc="-100" dirty="0" smtClean="0">
+              <a:rPr lang="ko-KR" altLang="en-US" sz="2400" kern="0" spc="-100" dirty="0">
                 <a:solidFill>
                   <a:srgbClr val="000000"/>
                 </a:solidFill>
@@ -3947,7 +3946,7 @@
               <a:t>탱크 내부 그래픽 </a:t>
             </a:r>
             <a:r>
-              <a:rPr lang="ko-KR" altLang="en-US" sz="2400" kern="0" spc="-100" dirty="0" err="1" smtClean="0">
+              <a:rPr lang="ko-KR" altLang="en-US" sz="2400" kern="0" spc="-100" dirty="0" err="1">
                 <a:solidFill>
                   <a:srgbClr val="000000"/>
                 </a:solidFill>
@@ -3958,7 +3957,7 @@
               <a:t>에셋</a:t>
             </a:r>
             <a:r>
-              <a:rPr lang="ko-KR" altLang="en-US" sz="2400" kern="0" spc="-100" dirty="0" smtClean="0">
+              <a:rPr lang="ko-KR" altLang="en-US" sz="2400" kern="0" spc="-100" dirty="0">
                 <a:solidFill>
                   <a:srgbClr val="000000"/>
                 </a:solidFill>
@@ -3969,7 +3968,7 @@
               <a:t> </a:t>
             </a:r>
             <a:r>
-              <a:rPr lang="en-US" altLang="ko-KR" sz="2400" kern="0" spc="-100" dirty="0" smtClean="0">
+              <a:rPr lang="en-US" altLang="ko-KR" sz="2400" kern="0" spc="-100" dirty="0">
                 <a:solidFill>
                   <a:srgbClr val="000000"/>
                 </a:solidFill>
@@ -3980,7 +3979,7 @@
               <a:t>70</a:t>
             </a:r>
             <a:r>
-              <a:rPr lang="ko-KR" altLang="en-US" sz="2400" kern="0" spc="-100" dirty="0" smtClean="0">
+              <a:rPr lang="ko-KR" altLang="en-US" sz="2400" kern="0" spc="-100" dirty="0">
                 <a:solidFill>
                   <a:srgbClr val="000000"/>
                 </a:solidFill>
@@ -3989,105 +3988,6 @@
                 <a:cs typeface="에스코어 드림 4" pitchFamily="34" charset="0"/>
               </a:rPr>
               <a:t>프로 제작</a:t>
-            </a:r>
-            <a:endParaRPr lang="en-US" altLang="ko-KR" sz="2400" kern="0" spc="-100" dirty="0" smtClean="0">
-              <a:solidFill>
-                <a:srgbClr val="000000"/>
-              </a:solidFill>
-              <a:latin typeface="a뉴굴림1" panose="02020600000000000000" pitchFamily="18" charset="-127"/>
-              <a:ea typeface="a뉴굴림1" panose="02020600000000000000" pitchFamily="18" charset="-127"/>
-              <a:cs typeface="에스코어 드림 4" pitchFamily="34" charset="0"/>
-            </a:endParaRPr>
-          </a:p>
-          <a:p>
-            <a:pPr algn="just"/>
-            <a:r>
-              <a:rPr lang="en-US" altLang="ko-KR" sz="2400" kern="0" spc="-100" dirty="0" smtClean="0">
-                <a:solidFill>
-                  <a:srgbClr val="000000"/>
-                </a:solidFill>
-                <a:latin typeface="a뉴굴림1" panose="02020600000000000000" pitchFamily="18" charset="-127"/>
-                <a:ea typeface="a뉴굴림1" panose="02020600000000000000" pitchFamily="18" charset="-127"/>
-                <a:cs typeface="에스코어 드림 4" pitchFamily="34" charset="0"/>
-              </a:rPr>
-              <a:t>(</a:t>
-            </a:r>
-            <a:r>
-              <a:rPr lang="en-US" altLang="ko-KR" sz="2400" kern="0" spc="-100" dirty="0">
-                <a:solidFill>
-                  <a:srgbClr val="000000"/>
-                </a:solidFill>
-                <a:latin typeface="a뉴굴림1" panose="02020600000000000000" pitchFamily="18" charset="-127"/>
-                <a:ea typeface="a뉴굴림1" panose="02020600000000000000" pitchFamily="18" charset="-127"/>
-                <a:cs typeface="에스코어 드림 4" pitchFamily="34" charset="0"/>
-              </a:rPr>
-              <a:t>2)</a:t>
-            </a:r>
-            <a:r>
-              <a:rPr lang="ko-KR" altLang="en-US" sz="2400" kern="0" spc="-100" dirty="0">
-                <a:solidFill>
-                  <a:srgbClr val="000000"/>
-                </a:solidFill>
-                <a:latin typeface="a뉴굴림1" panose="02020600000000000000" pitchFamily="18" charset="-127"/>
-                <a:ea typeface="a뉴굴림1" panose="02020600000000000000" pitchFamily="18" charset="-127"/>
-                <a:cs typeface="에스코어 드림 4" pitchFamily="34" charset="0"/>
-              </a:rPr>
-              <a:t> </a:t>
-            </a:r>
-            <a:r>
-              <a:rPr lang="ko-KR" altLang="en-US" sz="2400" kern="0" spc="-100" dirty="0" smtClean="0">
-                <a:solidFill>
-                  <a:srgbClr val="000000"/>
-                </a:solidFill>
-                <a:latin typeface="a뉴굴림1" panose="02020600000000000000" pitchFamily="18" charset="-127"/>
-                <a:ea typeface="a뉴굴림1" panose="02020600000000000000" pitchFamily="18" charset="-127"/>
-                <a:cs typeface="에스코어 드림 4" pitchFamily="34" charset="0"/>
-              </a:rPr>
-              <a:t>제작된 </a:t>
-            </a:r>
-            <a:r>
-              <a:rPr lang="ko-KR" altLang="en-US" sz="2400" kern="0" spc="-100" dirty="0" err="1" smtClean="0">
-                <a:solidFill>
-                  <a:srgbClr val="000000"/>
-                </a:solidFill>
-                <a:latin typeface="a뉴굴림1" panose="02020600000000000000" pitchFamily="18" charset="-127"/>
-                <a:ea typeface="a뉴굴림1" panose="02020600000000000000" pitchFamily="18" charset="-127"/>
-                <a:cs typeface="에스코어 드림 4" pitchFamily="34" charset="0"/>
-              </a:rPr>
-              <a:t>에셋</a:t>
-            </a:r>
-            <a:r>
-              <a:rPr lang="ko-KR" altLang="en-US" sz="2400" kern="0" spc="-100" dirty="0" smtClean="0">
-                <a:solidFill>
-                  <a:srgbClr val="000000"/>
-                </a:solidFill>
-                <a:latin typeface="a뉴굴림1" panose="02020600000000000000" pitchFamily="18" charset="-127"/>
-                <a:ea typeface="a뉴굴림1" panose="02020600000000000000" pitchFamily="18" charset="-127"/>
-                <a:cs typeface="에스코어 드림 4" pitchFamily="34" charset="0"/>
-              </a:rPr>
-              <a:t> 절반 </a:t>
-            </a:r>
-            <a:r>
-              <a:rPr lang="ko-KR" altLang="en-US" sz="2400" kern="0" spc="-100" dirty="0" err="1" smtClean="0">
-                <a:solidFill>
-                  <a:srgbClr val="000000"/>
-                </a:solidFill>
-                <a:latin typeface="a뉴굴림1" panose="02020600000000000000" pitchFamily="18" charset="-127"/>
-                <a:ea typeface="a뉴굴림1" panose="02020600000000000000" pitchFamily="18" charset="-127"/>
-                <a:cs typeface="에스코어 드림 4" pitchFamily="34" charset="0"/>
-              </a:rPr>
-              <a:t>메터리얼</a:t>
-            </a:r>
-            <a:r>
-              <a:rPr lang="ko-KR" altLang="en-US" sz="2400" kern="0" spc="-100" dirty="0" smtClean="0">
-                <a:solidFill>
-                  <a:srgbClr val="000000"/>
-                </a:solidFill>
-                <a:latin typeface="a뉴굴림1" panose="02020600000000000000" pitchFamily="18" charset="-127"/>
-                <a:ea typeface="a뉴굴림1" panose="02020600000000000000" pitchFamily="18" charset="-127"/>
-                <a:cs typeface="에스코어 드림 4" pitchFamily="34" charset="0"/>
-              </a:rPr>
-              <a:t> 및 색상 작업완료</a:t>
             </a:r>
             <a:endParaRPr lang="en-US" altLang="ko-KR" sz="2400" kern="0" spc="-100" dirty="0">
               <a:solidFill>
@@ -4098,6 +3998,83 @@
               <a:cs typeface="에스코어 드림 4" pitchFamily="34" charset="0"/>
             </a:endParaRPr>
           </a:p>
+          <a:p>
+            <a:pPr algn="just"/>
+            <a:r>
+              <a:rPr lang="en-US" altLang="ko-KR" sz="2400" kern="0" spc="-100" dirty="0">
+                <a:solidFill>
+                  <a:srgbClr val="000000"/>
+                </a:solidFill>
+                <a:latin typeface="a뉴굴림1" panose="02020600000000000000" pitchFamily="18" charset="-127"/>
+                <a:ea typeface="a뉴굴림1" panose="02020600000000000000" pitchFamily="18" charset="-127"/>
+                <a:cs typeface="에스코어 드림 4" pitchFamily="34" charset="0"/>
+              </a:rPr>
+              <a:t>(2)</a:t>
+            </a:r>
+            <a:r>
+              <a:rPr lang="ko-KR" altLang="en-US" sz="2400" kern="0" spc="-100" dirty="0">
+                <a:solidFill>
+                  <a:srgbClr val="000000"/>
+                </a:solidFill>
+                <a:latin typeface="a뉴굴림1" panose="02020600000000000000" pitchFamily="18" charset="-127"/>
+                <a:ea typeface="a뉴굴림1" panose="02020600000000000000" pitchFamily="18" charset="-127"/>
+                <a:cs typeface="에스코어 드림 4" pitchFamily="34" charset="0"/>
+              </a:rPr>
+              <a:t> 제작된 </a:t>
+            </a:r>
+            <a:r>
+              <a:rPr lang="ko-KR" altLang="en-US" sz="2400" kern="0" spc="-100" dirty="0" err="1">
+                <a:solidFill>
+                  <a:srgbClr val="000000"/>
+                </a:solidFill>
+                <a:latin typeface="a뉴굴림1" panose="02020600000000000000" pitchFamily="18" charset="-127"/>
+                <a:ea typeface="a뉴굴림1" panose="02020600000000000000" pitchFamily="18" charset="-127"/>
+                <a:cs typeface="에스코어 드림 4" pitchFamily="34" charset="0"/>
+              </a:rPr>
+              <a:t>에셋</a:t>
+            </a:r>
+            <a:r>
+              <a:rPr lang="ko-KR" altLang="en-US" sz="2400" kern="0" spc="-100" dirty="0">
+                <a:solidFill>
+                  <a:srgbClr val="000000"/>
+                </a:solidFill>
+                <a:latin typeface="a뉴굴림1" panose="02020600000000000000" pitchFamily="18" charset="-127"/>
+                <a:ea typeface="a뉴굴림1" panose="02020600000000000000" pitchFamily="18" charset="-127"/>
+                <a:cs typeface="에스코어 드림 4" pitchFamily="34" charset="0"/>
+              </a:rPr>
+              <a:t> 절반 </a:t>
+            </a:r>
+            <a:r>
+              <a:rPr lang="ko-KR" altLang="en-US" sz="2400" kern="0" spc="-100" dirty="0" err="1">
+                <a:solidFill>
+                  <a:srgbClr val="000000"/>
+                </a:solidFill>
+                <a:latin typeface="a뉴굴림1" panose="02020600000000000000" pitchFamily="18" charset="-127"/>
+                <a:ea typeface="a뉴굴림1" panose="02020600000000000000" pitchFamily="18" charset="-127"/>
+                <a:cs typeface="에스코어 드림 4" pitchFamily="34" charset="0"/>
+              </a:rPr>
+              <a:t>메터리얼</a:t>
+            </a:r>
+            <a:r>
+              <a:rPr lang="ko-KR" altLang="en-US" sz="2400" kern="0" spc="-100" dirty="0">
+                <a:solidFill>
+                  <a:srgbClr val="000000"/>
+                </a:solidFill>
+                <a:latin typeface="a뉴굴림1" panose="02020600000000000000" pitchFamily="18" charset="-127"/>
+                <a:ea typeface="a뉴굴림1" panose="02020600000000000000" pitchFamily="18" charset="-127"/>
+                <a:cs typeface="에스코어 드림 4" pitchFamily="34" charset="0"/>
+              </a:rPr>
+              <a:t> 및 색상 작업완료</a:t>
+            </a:r>
+            <a:endParaRPr lang="en-US" altLang="ko-KR" sz="2400" kern="0" spc="-100" dirty="0">
+              <a:solidFill>
+                <a:srgbClr val="000000"/>
+              </a:solidFill>
+              <a:latin typeface="a뉴굴림1" panose="02020600000000000000" pitchFamily="18" charset="-127"/>
+              <a:ea typeface="a뉴굴림1" panose="02020600000000000000" pitchFamily="18" charset="-127"/>
+              <a:cs typeface="에스코어 드림 4" pitchFamily="34" charset="0"/>
+            </a:endParaRPr>
+          </a:p>
         </p:txBody>
       </p:sp>
       <p:sp>
@@ -4105,7 +4082,7 @@
           <p:cNvPr id="22" name="Object 10">
             <a:extLst>
               <a:ext uri="{FF2B5EF4-FFF2-40B4-BE49-F238E27FC236}">
-                <a16:creationId xmlns:a16="http://schemas.microsoft.com/office/drawing/2014/main" xmlns="" id="{74452AFC-1280-4B9D-9DF2-F572CF3FC39F}"/>
+                <a16:creationId xmlns:a16="http://schemas.microsoft.com/office/drawing/2014/main" id="{74452AFC-1280-4B9D-9DF2-F572CF3FC39F}"/>
               </a:ext>
             </a:extLst>
           </p:cNvPr>
@@ -4114,7 +4091,7 @@
         </p:nvSpPr>
         <p:spPr>
           <a:xfrm>
-            <a:off x="0" y="3086100"/>
+            <a:off x="838200" y="3095946"/>
             <a:ext cx="7111181" cy="752154"/>
           </a:xfrm>
           <a:prstGeom prst="rect">
@@ -4135,7 +4112,7 @@
                 <a:latin typeface="a뉴굴림1" panose="02020600000000000000" pitchFamily="18" charset="-127"/>
                 <a:ea typeface="a뉴굴림1" panose="02020600000000000000" pitchFamily="18" charset="-127"/>
               </a:rPr>
-              <a:t>클라이언트</a:t>
+              <a:t>클라이언트  및 그래픽</a:t>
             </a:r>
             <a:endParaRPr lang="en-US" dirty="0">
               <a:latin typeface="a뉴굴림1" panose="02020600000000000000" pitchFamily="18" charset="-127"/>
@@ -4564,7 +4541,7 @@
           <p:cNvPr id="25" name="Object 5">
             <a:extLst>
               <a:ext uri="{FF2B5EF4-FFF2-40B4-BE49-F238E27FC236}">
-                <a16:creationId xmlns:a16="http://schemas.microsoft.com/office/drawing/2014/main" xmlns="" id="{C5BC86FB-913E-4BA5-BCAD-1E5E99CCB3A7}"/>
+                <a16:creationId xmlns:a16="http://schemas.microsoft.com/office/drawing/2014/main" id="{C5BC86FB-913E-4BA5-BCAD-1E5E99CCB3A7}"/>
               </a:ext>
             </a:extLst>
           </p:cNvPr>
@@ -4608,7 +4585,7 @@
           <p:cNvPr id="2" name="그림 1">
             <a:extLst>
               <a:ext uri="{FF2B5EF4-FFF2-40B4-BE49-F238E27FC236}">
-                <a16:creationId xmlns:a16="http://schemas.microsoft.com/office/drawing/2014/main" xmlns="" id="{68972E0B-3464-47EC-8125-181F961CB8C3}"/>
+                <a16:creationId xmlns:a16="http://schemas.microsoft.com/office/drawing/2014/main" id="{68972E0B-3464-47EC-8125-181F961CB8C3}"/>
               </a:ext>
             </a:extLst>
           </p:cNvPr>
@@ -4638,7 +4615,7 @@
           <p:cNvPr id="5" name="그림 4">
             <a:extLst>
               <a:ext uri="{FF2B5EF4-FFF2-40B4-BE49-F238E27FC236}">
-                <a16:creationId xmlns:a16="http://schemas.microsoft.com/office/drawing/2014/main" xmlns="" id="{2E20D0BD-B695-4CCC-9D04-9F4A4FB2DD66}"/>
+                <a16:creationId xmlns:a16="http://schemas.microsoft.com/office/drawing/2014/main" id="{2E20D0BD-B695-4CCC-9D04-9F4A4FB2DD66}"/>
               </a:ext>
             </a:extLst>
           </p:cNvPr>
@@ -4668,7 +4645,7 @@
           <p:cNvPr id="7" name="그림 6">
             <a:extLst>
               <a:ext uri="{FF2B5EF4-FFF2-40B4-BE49-F238E27FC236}">
-                <a16:creationId xmlns:a16="http://schemas.microsoft.com/office/drawing/2014/main" xmlns="" id="{0E88B2F0-87C6-48C3-BCC8-384B567AD9A1}"/>
+                <a16:creationId xmlns:a16="http://schemas.microsoft.com/office/drawing/2014/main" id="{0E88B2F0-87C6-48C3-BCC8-384B567AD9A1}"/>
               </a:ext>
             </a:extLst>
           </p:cNvPr>
@@ -4698,7 +4675,7 @@
           <p:cNvPr id="8" name="그림 7">
             <a:extLst>
               <a:ext uri="{FF2B5EF4-FFF2-40B4-BE49-F238E27FC236}">
-                <a16:creationId xmlns:a16="http://schemas.microsoft.com/office/drawing/2014/main" xmlns="" id="{F8C5D651-1298-451D-AE02-842B98940D75}"/>
+                <a16:creationId xmlns:a16="http://schemas.microsoft.com/office/drawing/2014/main" id="{F8C5D651-1298-451D-AE02-842B98940D75}"/>
               </a:ext>
             </a:extLst>
           </p:cNvPr>
@@ -4728,7 +4705,7 @@
           <p:cNvPr id="9" name="그림 8">
             <a:extLst>
               <a:ext uri="{FF2B5EF4-FFF2-40B4-BE49-F238E27FC236}">
-                <a16:creationId xmlns:a16="http://schemas.microsoft.com/office/drawing/2014/main" xmlns="" id="{AAF12305-13B9-408E-9590-51E05803C7A9}"/>
+                <a16:creationId xmlns:a16="http://schemas.microsoft.com/office/drawing/2014/main" id="{AAF12305-13B9-408E-9590-51E05803C7A9}"/>
               </a:ext>
             </a:extLst>
           </p:cNvPr>
@@ -4758,7 +4735,7 @@
           <p:cNvPr id="23" name="Object 10">
             <a:extLst>
               <a:ext uri="{FF2B5EF4-FFF2-40B4-BE49-F238E27FC236}">
-                <a16:creationId xmlns:a16="http://schemas.microsoft.com/office/drawing/2014/main" xmlns="" id="{74452AFC-1280-4B9D-9DF2-F572CF3FC39F}"/>
+                <a16:creationId xmlns:a16="http://schemas.microsoft.com/office/drawing/2014/main" id="{74452AFC-1280-4B9D-9DF2-F572CF3FC39F}"/>
               </a:ext>
             </a:extLst>
           </p:cNvPr>
@@ -4802,7 +4779,7 @@
           <p:cNvPr id="24" name="Object 3">
             <a:extLst>
               <a:ext uri="{FF2B5EF4-FFF2-40B4-BE49-F238E27FC236}">
-                <a16:creationId xmlns:a16="http://schemas.microsoft.com/office/drawing/2014/main" xmlns="" id="{64F8333B-FAF8-4F84-8434-FBB78C25C4B7}"/>
+                <a16:creationId xmlns:a16="http://schemas.microsoft.com/office/drawing/2014/main" id="{64F8333B-FAF8-4F84-8434-FBB78C25C4B7}"/>
               </a:ext>
             </a:extLst>
           </p:cNvPr>
@@ -4896,7 +4873,7 @@
               <a:t>, </a:t>
             </a:r>
             <a:r>
-              <a:rPr lang="ko-KR" altLang="en-US" sz="2400" kern="0" spc="-100">
+              <a:rPr lang="ko-KR" altLang="en-US" sz="2400" kern="0" spc="-100" dirty="0">
                 <a:solidFill>
                   <a:srgbClr val="000000"/>
                 </a:solidFill>
@@ -4907,7 +4884,7 @@
               <a:t>플레이어 컨트롤</a:t>
             </a:r>
             <a:r>
-              <a:rPr lang="en-US" altLang="ko-KR" sz="2400" kern="0" spc="-100">
+              <a:rPr lang="en-US" altLang="ko-KR" sz="2400" kern="0" spc="-100" dirty="0">
                 <a:solidFill>
                   <a:srgbClr val="000000"/>
                 </a:solidFill>
@@ -5115,7 +5092,7 @@
           <p:cNvPr id="26" name="그림 25">
             <a:extLst>
               <a:ext uri="{FF2B5EF4-FFF2-40B4-BE49-F238E27FC236}">
-                <a16:creationId xmlns:a16="http://schemas.microsoft.com/office/drawing/2014/main" xmlns="" id="{4684B016-9163-4F20-9651-2247DD370E21}"/>
+                <a16:creationId xmlns:a16="http://schemas.microsoft.com/office/drawing/2014/main" id="{4684B016-9163-4F20-9651-2247DD370E21}"/>
               </a:ext>
             </a:extLst>
           </p:cNvPr>
@@ -5141,7 +5118,7 @@
     </p:spTree>
     <p:extLst>
       <p:ext uri="{BB962C8B-B14F-4D97-AF65-F5344CB8AC3E}">
-        <p14:creationId xmlns:p14="http://schemas.microsoft.com/office/powerpoint/2010/main" xmlns="" val="993031923"/>
+        <p14:creationId xmlns:p14="http://schemas.microsoft.com/office/powerpoint/2010/main" val="993031923"/>
       </p:ext>
     </p:extLst>
   </p:cSld>
@@ -5343,7 +5320,7 @@
                 <a:ea typeface="a뉴굴림1" panose="02020600000000000000" pitchFamily="18" charset="-127"/>
                 <a:cs typeface="에스코어 드림 4" pitchFamily="34" charset="0"/>
               </a:rPr>
-              <a:t>좀비 슈팅 네트워킹 게임</a:t>
+              <a:t>좀비 슈팅 네트워킹 게임 제작</a:t>
             </a:r>
             <a:endParaRPr lang="en-US" altLang="ko-KR" sz="2400" kern="0" spc="-100" dirty="0">
               <a:solidFill>
@@ -5376,7 +5353,7 @@
                 <a:ea typeface="a뉴굴림1" panose="02020600000000000000" pitchFamily="18" charset="-127"/>
                 <a:cs typeface="에스코어 드림 4" pitchFamily="34" charset="0"/>
               </a:rPr>
-              <a:t> 자체 제작 서버 제작</a:t>
+              <a:t> 자체 제작 서버 제작 </a:t>
             </a:r>
             <a:endParaRPr lang="en-US" altLang="ko-KR" sz="2400" kern="0" spc="-100" dirty="0">
               <a:solidFill>
@@ -5867,7 +5844,7 @@
           <p:cNvPr id="25" name="Object 5">
             <a:extLst>
               <a:ext uri="{FF2B5EF4-FFF2-40B4-BE49-F238E27FC236}">
-                <a16:creationId xmlns:a16="http://schemas.microsoft.com/office/drawing/2014/main" xmlns="" id="{C5BC86FB-913E-4BA5-BCAD-1E5E99CCB3A7}"/>
+                <a16:creationId xmlns:a16="http://schemas.microsoft.com/office/drawing/2014/main" id="{C5BC86FB-913E-4BA5-BCAD-1E5E99CCB3A7}"/>
               </a:ext>
             </a:extLst>
           </p:cNvPr>
@@ -5911,7 +5888,7 @@
           <p:cNvPr id="17" name="그림 16">
             <a:extLst>
               <a:ext uri="{FF2B5EF4-FFF2-40B4-BE49-F238E27FC236}">
-                <a16:creationId xmlns:a16="http://schemas.microsoft.com/office/drawing/2014/main" xmlns="" id="{D8585B2C-73C4-4172-A044-0BF41EA08706}"/>
+                <a16:creationId xmlns:a16="http://schemas.microsoft.com/office/drawing/2014/main" id="{D8585B2C-73C4-4172-A044-0BF41EA08706}"/>
               </a:ext>
             </a:extLst>
           </p:cNvPr>
@@ -5922,7 +5899,7 @@
           <a:blip r:embed="rId6" cstate="print">
             <a:extLst>
               <a:ext uri="{28A0092B-C50C-407E-A947-70E740481C1C}">
-                <a14:useLocalDpi xmlns:a14="http://schemas.microsoft.com/office/drawing/2010/main" xmlns="" val="0"/>
+                <a14:useLocalDpi xmlns:a14="http://schemas.microsoft.com/office/drawing/2010/main" val="0"/>
               </a:ext>
             </a:extLst>
           </a:blip>
@@ -5950,7 +5927,7 @@
           <p:cNvPr id="19" name="그림 18">
             <a:extLst>
               <a:ext uri="{FF2B5EF4-FFF2-40B4-BE49-F238E27FC236}">
-                <a16:creationId xmlns:a16="http://schemas.microsoft.com/office/drawing/2014/main" xmlns="" id="{85769236-8004-4D6A-9CA4-CE86E56D5A92}"/>
+                <a16:creationId xmlns:a16="http://schemas.microsoft.com/office/drawing/2014/main" id="{85769236-8004-4D6A-9CA4-CE86E56D5A92}"/>
               </a:ext>
             </a:extLst>
           </p:cNvPr>
@@ -5961,7 +5938,7 @@
           <a:blip r:embed="rId7" cstate="print">
             <a:extLst>
               <a:ext uri="{28A0092B-C50C-407E-A947-70E740481C1C}">
-                <a14:useLocalDpi xmlns:a14="http://schemas.microsoft.com/office/drawing/2010/main" xmlns="" val="0"/>
+                <a14:useLocalDpi xmlns:a14="http://schemas.microsoft.com/office/drawing/2010/main" val="0"/>
               </a:ext>
             </a:extLst>
           </a:blip>
@@ -5989,7 +5966,7 @@
           <p:cNvPr id="20" name="그림 19">
             <a:extLst>
               <a:ext uri="{FF2B5EF4-FFF2-40B4-BE49-F238E27FC236}">
-                <a16:creationId xmlns:a16="http://schemas.microsoft.com/office/drawing/2014/main" xmlns="" id="{8EBC8AE6-E7D8-49D1-B5FB-68D5032F71BD}"/>
+                <a16:creationId xmlns:a16="http://schemas.microsoft.com/office/drawing/2014/main" id="{8EBC8AE6-E7D8-49D1-B5FB-68D5032F71BD}"/>
               </a:ext>
             </a:extLst>
           </p:cNvPr>
@@ -6000,7 +5977,7 @@
           <a:blip r:embed="rId8" cstate="print">
             <a:extLst>
               <a:ext uri="{28A0092B-C50C-407E-A947-70E740481C1C}">
-                <a14:useLocalDpi xmlns:a14="http://schemas.microsoft.com/office/drawing/2010/main" xmlns="" val="0"/>
+                <a14:useLocalDpi xmlns:a14="http://schemas.microsoft.com/office/drawing/2010/main" val="0"/>
               </a:ext>
             </a:extLst>
           </a:blip>
@@ -6028,7 +6005,7 @@
           <p:cNvPr id="22" name="그림 21">
             <a:extLst>
               <a:ext uri="{FF2B5EF4-FFF2-40B4-BE49-F238E27FC236}">
-                <a16:creationId xmlns:a16="http://schemas.microsoft.com/office/drawing/2014/main" xmlns="" id="{0D909867-4A4E-46E7-81CB-316CE6922316}"/>
+                <a16:creationId xmlns:a16="http://schemas.microsoft.com/office/drawing/2014/main" id="{0D909867-4A4E-46E7-81CB-316CE6922316}"/>
               </a:ext>
             </a:extLst>
           </p:cNvPr>
@@ -6039,7 +6016,7 @@
           <a:blip r:embed="rId9" cstate="print">
             <a:extLst>
               <a:ext uri="{28A0092B-C50C-407E-A947-70E740481C1C}">
-                <a14:useLocalDpi xmlns:a14="http://schemas.microsoft.com/office/drawing/2010/main" xmlns="" val="0"/>
+                <a14:useLocalDpi xmlns:a14="http://schemas.microsoft.com/office/drawing/2010/main" val="0"/>
               </a:ext>
             </a:extLst>
           </a:blip>
@@ -6067,7 +6044,7 @@
           <p:cNvPr id="23" name="그림 22">
             <a:extLst>
               <a:ext uri="{FF2B5EF4-FFF2-40B4-BE49-F238E27FC236}">
-                <a16:creationId xmlns:a16="http://schemas.microsoft.com/office/drawing/2014/main" xmlns="" id="{A1ABE289-0F0F-4D02-A19F-6F08F1C2B070}"/>
+                <a16:creationId xmlns:a16="http://schemas.microsoft.com/office/drawing/2014/main" id="{A1ABE289-0F0F-4D02-A19F-6F08F1C2B070}"/>
               </a:ext>
             </a:extLst>
           </p:cNvPr>
@@ -6078,7 +6055,7 @@
           <a:blip r:embed="rId10" cstate="print">
             <a:extLst>
               <a:ext uri="{28A0092B-C50C-407E-A947-70E740481C1C}">
-                <a14:useLocalDpi xmlns:a14="http://schemas.microsoft.com/office/drawing/2010/main" xmlns="" val="0"/>
+                <a14:useLocalDpi xmlns:a14="http://schemas.microsoft.com/office/drawing/2010/main" val="0"/>
               </a:ext>
             </a:extLst>
           </a:blip>
@@ -6106,7 +6083,7 @@
           <p:cNvPr id="24" name="Object 10">
             <a:extLst>
               <a:ext uri="{FF2B5EF4-FFF2-40B4-BE49-F238E27FC236}">
-                <a16:creationId xmlns:a16="http://schemas.microsoft.com/office/drawing/2014/main" xmlns="" id="{94D4F48E-B515-4B1A-984B-96BCF2C2B86D}"/>
+                <a16:creationId xmlns:a16="http://schemas.microsoft.com/office/drawing/2014/main" id="{94D4F48E-B515-4B1A-984B-96BCF2C2B86D}"/>
               </a:ext>
             </a:extLst>
           </p:cNvPr>
@@ -6143,7 +6120,7 @@
           <p:cNvPr id="26" name="Object 10">
             <a:extLst>
               <a:ext uri="{FF2B5EF4-FFF2-40B4-BE49-F238E27FC236}">
-                <a16:creationId xmlns:a16="http://schemas.microsoft.com/office/drawing/2014/main" xmlns="" id="{8FFB6F7C-E5AC-41A8-8CC6-F5E20364AAB9}"/>
+                <a16:creationId xmlns:a16="http://schemas.microsoft.com/office/drawing/2014/main" id="{8FFB6F7C-E5AC-41A8-8CC6-F5E20364AAB9}"/>
               </a:ext>
             </a:extLst>
           </p:cNvPr>
@@ -6178,7 +6155,7 @@
     </p:spTree>
     <p:extLst>
       <p:ext uri="{BB962C8B-B14F-4D97-AF65-F5344CB8AC3E}">
-        <p14:creationId xmlns:p14="http://schemas.microsoft.com/office/powerpoint/2010/main" xmlns="" val="392667292"/>
+        <p14:creationId xmlns:p14="http://schemas.microsoft.com/office/powerpoint/2010/main" val="392667292"/>
       </p:ext>
     </p:extLst>
   </p:cSld>
@@ -6191,14 +6168,6 @@
 <file path=ppt/slides/slide5.xml><?xml version="1.0" encoding="utf-8"?>
 <p:sld xmlns:a="http://schemas.openxmlformats.org/drawingml/2006/main" xmlns:r="http://schemas.openxmlformats.org/officeDocument/2006/relationships" xmlns:p="http://schemas.openxmlformats.org/presentationml/2006/main">
   <p:cSld>
-    <p:bg>
-      <p:bgPr>
-        <a:solidFill>
-          <a:srgbClr val="FFFFFF"/>
-        </a:solidFill>
-        <a:effectLst/>
-      </p:bgPr>
-    </p:bg>
     <p:spTree>
       <p:nvGrpSpPr>
         <p:cNvPr id="1" name=""/>
@@ -6213,154 +6182,6 @@
           <a:chExt cx="0" cy="0"/>
         </a:xfrm>
       </p:grpSpPr>
-      <p:sp>
-        <p:nvSpPr>
-          <p:cNvPr id="2" name="Object 2"/>
-          <p:cNvSpPr txBox="1"/>
-          <p:nvPr/>
-        </p:nvSpPr>
-        <p:spPr>
-          <a:xfrm>
-            <a:off x="589215" y="3056976"/>
-            <a:ext cx="4898413" cy="944919"/>
-          </a:xfrm>
-          <a:prstGeom prst="rect">
-            <a:avLst/>
-          </a:prstGeom>
-          <a:noFill/>
-        </p:spPr>
-        <p:txBody>
-          <a:bodyPr wrap="square" rtlCol="0"/>
-          <a:lstStyle/>
-          <a:p>
-            <a:pPr algn="just"/>
-            <a:r>
-              <a:rPr lang="en-US" sz="4600" kern="0" spc="-400" dirty="0">
-                <a:solidFill>
-                  <a:srgbClr val="3F5FFF"/>
-                </a:solidFill>
-                <a:latin typeface="a뉴굴림1" panose="02020600000000000000" pitchFamily="18" charset="-127"/>
-                <a:ea typeface="a뉴굴림1" panose="02020600000000000000" pitchFamily="18" charset="-127"/>
-                <a:cs typeface="에스코어 드림 8" pitchFamily="34" charset="0"/>
-              </a:rPr>
-              <a:t>01 소제목을 입력</a:t>
-            </a:r>
-            <a:endParaRPr lang="en-US" dirty="0">
-              <a:latin typeface="a뉴굴림1" panose="02020600000000000000" pitchFamily="18" charset="-127"/>
-              <a:ea typeface="a뉴굴림1" panose="02020600000000000000" pitchFamily="18" charset="-127"/>
-            </a:endParaRPr>
-          </a:p>
-        </p:txBody>
-      </p:sp>
-      <p:sp>
-        <p:nvSpPr>
-          <p:cNvPr id="3" name="Object 3"/>
-          <p:cNvSpPr txBox="1"/>
-          <p:nvPr/>
-        </p:nvSpPr>
-        <p:spPr>
-          <a:xfrm>
-            <a:off x="5600579" y="3865015"/>
-            <a:ext cx="7169521" cy="4000129"/>
-          </a:xfrm>
-          <a:prstGeom prst="rect">
-            <a:avLst/>
-          </a:prstGeom>
-          <a:noFill/>
-        </p:spPr>
-        <p:txBody>
-          <a:bodyPr wrap="square" rtlCol="0"/>
-          <a:lstStyle/>
-          <a:p>
-            <a:pPr algn="just"/>
-            <a:r>
-              <a:rPr lang="en-US" sz="2400" kern="0" spc="-100" dirty="0">
-                <a:solidFill>
-                  <a:srgbClr val="000000"/>
-                </a:solidFill>
-                <a:latin typeface="a뉴굴림1" panose="02020600000000000000" pitchFamily="18" charset="-127"/>
-                <a:ea typeface="a뉴굴림1" panose="02020600000000000000" pitchFamily="18" charset="-127"/>
-                <a:cs typeface="에스코어 드림 4" pitchFamily="34" charset="0"/>
-              </a:rPr>
-              <a:t>이곳에 텍스트를 입력해주세요. 내용을 이곳에 입력</a:t>
-            </a:r>
-          </a:p>
-          <a:p>
-            <a:pPr algn="just"/>
-            <a:r>
-              <a:rPr lang="en-US" sz="2400" kern="0" spc="-100" dirty="0">
-                <a:solidFill>
-                  <a:srgbClr val="000000"/>
-                </a:solidFill>
-                <a:latin typeface="a뉴굴림1" panose="02020600000000000000" pitchFamily="18" charset="-127"/>
-                <a:ea typeface="a뉴굴림1" panose="02020600000000000000" pitchFamily="18" charset="-127"/>
-                <a:cs typeface="에스코어 드림 4" pitchFamily="34" charset="0"/>
-              </a:rPr>
-              <a:t>하여 주세요. 텍스트 박스를 더블클릭하여 내용을 수</a:t>
-            </a:r>
-          </a:p>
-          <a:p>
-            <a:pPr algn="just"/>
-            <a:r>
-              <a:rPr lang="en-US" sz="2400" kern="0" spc="-100" dirty="0">
-                <a:solidFill>
-                  <a:srgbClr val="000000"/>
-                </a:solidFill>
-                <a:latin typeface="a뉴굴림1" panose="02020600000000000000" pitchFamily="18" charset="-127"/>
-                <a:ea typeface="a뉴굴림1" panose="02020600000000000000" pitchFamily="18" charset="-127"/>
-                <a:cs typeface="에스코어 드림 4" pitchFamily="34" charset="0"/>
-              </a:rPr>
-              <a:t>정하여 주세요. 이곳의 세부사항을 변경해 주세요. </a:t>
-            </a:r>
-          </a:p>
-          <a:p>
-            <a:pPr algn="just"/>
-            <a:r>
-              <a:rPr lang="en-US" sz="2400" kern="0" spc="-100" dirty="0">
-                <a:solidFill>
-                  <a:srgbClr val="000000"/>
-                </a:solidFill>
-                <a:latin typeface="a뉴굴림1" panose="02020600000000000000" pitchFamily="18" charset="-127"/>
-                <a:ea typeface="a뉴굴림1" panose="02020600000000000000" pitchFamily="18" charset="-127"/>
-                <a:cs typeface="에스코어 드림 4" pitchFamily="34" charset="0"/>
-              </a:rPr>
-              <a:t>텍스트 요소의 다양한 효과를 사용하여 나만의 디자</a:t>
-            </a:r>
-          </a:p>
-          <a:p>
-            <a:pPr algn="just"/>
-            <a:r>
-              <a:rPr lang="en-US" sz="2400" kern="0" spc="-100" dirty="0">
-                <a:solidFill>
-                  <a:srgbClr val="000000"/>
-                </a:solidFill>
-                <a:latin typeface="a뉴굴림1" panose="02020600000000000000" pitchFamily="18" charset="-127"/>
-                <a:ea typeface="a뉴굴림1" panose="02020600000000000000" pitchFamily="18" charset="-127"/>
-                <a:cs typeface="에스코어 드림 4" pitchFamily="34" charset="0"/>
-              </a:rPr>
-              <a:t>인을 쉽고 빠르게 만들어 보세요.이곳에 텍스트를 입</a:t>
-            </a:r>
-          </a:p>
-          <a:p>
-            <a:pPr algn="just"/>
-            <a:r>
-              <a:rPr lang="en-US" sz="2400" kern="0" spc="-100" dirty="0">
-                <a:solidFill>
-                  <a:srgbClr val="000000"/>
-                </a:solidFill>
-                <a:latin typeface="a뉴굴림1" panose="02020600000000000000" pitchFamily="18" charset="-127"/>
-                <a:ea typeface="a뉴굴림1" panose="02020600000000000000" pitchFamily="18" charset="-127"/>
-                <a:cs typeface="에스코어 드림 4" pitchFamily="34" charset="0"/>
-              </a:rPr>
-              <a:t>력해주세요. 내용을 이곳에 입력하여 주세요. </a:t>
-            </a:r>
-            <a:endParaRPr lang="en-US" dirty="0">
-              <a:latin typeface="a뉴굴림1" panose="02020600000000000000" pitchFamily="18" charset="-127"/>
-              <a:ea typeface="a뉴굴림1" panose="02020600000000000000" pitchFamily="18" charset="-127"/>
-            </a:endParaRPr>
-          </a:p>
-        </p:txBody>
-      </p:sp>
       <p:sp>
         <p:nvSpPr>
           <p:cNvPr id="4" name="Object 4"/>
@@ -6383,7 +6204,7 @@
           <a:p>
             <a:pPr algn="just"/>
             <a:r>
-              <a:rPr lang="en-US" sz="7900" kern="0" spc="-800" dirty="0">
+              <a:rPr lang="ko-KR" altLang="en-US" sz="7900" kern="0" spc="-800" dirty="0">
                 <a:solidFill>
                   <a:srgbClr val="000000"/>
                 </a:solidFill>
@@ -6391,7 +6212,7 @@
                 <a:ea typeface="a뉴굴림1" panose="02020600000000000000" pitchFamily="18" charset="-127"/>
                 <a:cs typeface="에스코어 드림 5" pitchFamily="34" charset="0"/>
               </a:rPr>
-              <a:t>제목을 입력하세요</a:t>
+              <a:t>개발 일정</a:t>
             </a:r>
             <a:endParaRPr lang="en-US" dirty="0">
               <a:latin typeface="a뉴굴림1" panose="02020600000000000000" pitchFamily="18" charset="-127"/>
@@ -6429,7 +6250,7 @@
                 <a:latin typeface="a뉴굴림1" panose="02020600000000000000" pitchFamily="18" charset="-127"/>
                 <a:ea typeface="a뉴굴림1" panose="02020600000000000000" pitchFamily="18" charset="-127"/>
               </a:rPr>
-              <a:t>게임 소개</a:t>
+              <a:t>진행 상황</a:t>
             </a:r>
             <a:endParaRPr lang="en-US" dirty="0">
               <a:latin typeface="a뉴굴림1" panose="02020600000000000000" pitchFamily="18" charset="-127"/>
@@ -6469,162 +6290,6 @@
                 <a:cs typeface="에스코어 드림 8" pitchFamily="34" charset="0"/>
               </a:rPr>
               <a:t>01</a:t>
-            </a:r>
-            <a:endParaRPr lang="en-US" dirty="0">
-              <a:latin typeface="a뉴굴림1" panose="02020600000000000000" pitchFamily="18" charset="-127"/>
-              <a:ea typeface="a뉴굴림1" panose="02020600000000000000" pitchFamily="18" charset="-127"/>
-            </a:endParaRPr>
-          </a:p>
-        </p:txBody>
-      </p:sp>
-      <p:sp>
-        <p:nvSpPr>
-          <p:cNvPr id="7" name="Object 7"/>
-          <p:cNvSpPr txBox="1"/>
-          <p:nvPr/>
-        </p:nvSpPr>
-        <p:spPr>
-          <a:xfrm>
-            <a:off x="589215" y="4071672"/>
-            <a:ext cx="5285962" cy="742896"/>
-          </a:xfrm>
-          <a:prstGeom prst="rect">
-            <a:avLst/>
-          </a:prstGeom>
-          <a:noFill/>
-        </p:spPr>
-        <p:txBody>
-          <a:bodyPr wrap="square" rtlCol="0"/>
-          <a:lstStyle/>
-          <a:p>
-            <a:pPr algn="just"/>
-            <a:r>
-              <a:rPr lang="en-US" sz="3600" kern="0" spc="-300" dirty="0">
-                <a:solidFill>
-                  <a:srgbClr val="000000"/>
-                </a:solidFill>
-                <a:latin typeface="a뉴굴림1" panose="02020600000000000000" pitchFamily="18" charset="-127"/>
-                <a:ea typeface="a뉴굴림1" panose="02020600000000000000" pitchFamily="18" charset="-127"/>
-                <a:cs typeface="에스코어 드림 5" pitchFamily="34" charset="0"/>
-              </a:rPr>
-              <a:t>02 소제목을 입력</a:t>
-            </a:r>
-            <a:endParaRPr lang="en-US" dirty="0">
-              <a:latin typeface="a뉴굴림1" panose="02020600000000000000" pitchFamily="18" charset="-127"/>
-              <a:ea typeface="a뉴굴림1" panose="02020600000000000000" pitchFamily="18" charset="-127"/>
-            </a:endParaRPr>
-          </a:p>
-        </p:txBody>
-      </p:sp>
-      <p:sp>
-        <p:nvSpPr>
-          <p:cNvPr id="8" name="Object 8"/>
-          <p:cNvSpPr txBox="1"/>
-          <p:nvPr/>
-        </p:nvSpPr>
-        <p:spPr>
-          <a:xfrm>
-            <a:off x="589215" y="4943540"/>
-            <a:ext cx="5285962" cy="742896"/>
-          </a:xfrm>
-          <a:prstGeom prst="rect">
-            <a:avLst/>
-          </a:prstGeom>
-          <a:noFill/>
-        </p:spPr>
-        <p:txBody>
-          <a:bodyPr wrap="square" rtlCol="0"/>
-          <a:lstStyle/>
-          <a:p>
-            <a:pPr algn="just"/>
-            <a:r>
-              <a:rPr lang="en-US" sz="3600" kern="0" spc="-300" dirty="0">
-                <a:solidFill>
-                  <a:srgbClr val="000000"/>
-                </a:solidFill>
-                <a:latin typeface="a뉴굴림1" panose="02020600000000000000" pitchFamily="18" charset="-127"/>
-                <a:ea typeface="a뉴굴림1" panose="02020600000000000000" pitchFamily="18" charset="-127"/>
-                <a:cs typeface="에스코어 드림 5" pitchFamily="34" charset="0"/>
-              </a:rPr>
-              <a:t>03. 소제목을 입력</a:t>
-            </a:r>
-            <a:endParaRPr lang="en-US" dirty="0">
-              <a:latin typeface="a뉴굴림1" panose="02020600000000000000" pitchFamily="18" charset="-127"/>
-              <a:ea typeface="a뉴굴림1" panose="02020600000000000000" pitchFamily="18" charset="-127"/>
-            </a:endParaRPr>
-          </a:p>
-        </p:txBody>
-      </p:sp>
-      <p:sp>
-        <p:nvSpPr>
-          <p:cNvPr id="9" name="Object 9"/>
-          <p:cNvSpPr txBox="1"/>
-          <p:nvPr/>
-        </p:nvSpPr>
-        <p:spPr>
-          <a:xfrm>
-            <a:off x="589215" y="5800183"/>
-            <a:ext cx="5285962" cy="742896"/>
-          </a:xfrm>
-          <a:prstGeom prst="rect">
-            <a:avLst/>
-          </a:prstGeom>
-          <a:noFill/>
-        </p:spPr>
-        <p:txBody>
-          <a:bodyPr wrap="square" rtlCol="0"/>
-          <a:lstStyle/>
-          <a:p>
-            <a:pPr algn="just"/>
-            <a:r>
-              <a:rPr lang="en-US" sz="3600" kern="0" spc="-300" dirty="0">
-                <a:solidFill>
-                  <a:srgbClr val="000000"/>
-                </a:solidFill>
-                <a:latin typeface="a뉴굴림1" panose="02020600000000000000" pitchFamily="18" charset="-127"/>
-                <a:ea typeface="a뉴굴림1" panose="02020600000000000000" pitchFamily="18" charset="-127"/>
-                <a:cs typeface="에스코어 드림 5" pitchFamily="34" charset="0"/>
-              </a:rPr>
-              <a:t>04. 소제목을 입력</a:t>
-            </a:r>
-            <a:endParaRPr lang="en-US" dirty="0">
-              <a:latin typeface="a뉴굴림1" panose="02020600000000000000" pitchFamily="18" charset="-127"/>
-              <a:ea typeface="a뉴굴림1" panose="02020600000000000000" pitchFamily="18" charset="-127"/>
-            </a:endParaRPr>
-          </a:p>
-        </p:txBody>
-      </p:sp>
-      <p:sp>
-        <p:nvSpPr>
-          <p:cNvPr id="10" name="Object 10"/>
-          <p:cNvSpPr txBox="1"/>
-          <p:nvPr/>
-        </p:nvSpPr>
-        <p:spPr>
-          <a:xfrm>
-            <a:off x="5600579" y="3127793"/>
-            <a:ext cx="7111181" cy="752154"/>
-          </a:xfrm>
-          <a:prstGeom prst="rect">
-            <a:avLst/>
-          </a:prstGeom>
-          <a:noFill/>
-        </p:spPr>
-        <p:txBody>
-          <a:bodyPr wrap="square" rtlCol="0"/>
-          <a:lstStyle/>
-          <a:p>
-            <a:pPr algn="just"/>
-            <a:r>
-              <a:rPr lang="en-US" sz="3600" kern="0" spc="-300" dirty="0">
-                <a:solidFill>
-                  <a:srgbClr val="000000"/>
-                </a:solidFill>
-                <a:latin typeface="a뉴굴림1" panose="02020600000000000000" pitchFamily="18" charset="-127"/>
-                <a:ea typeface="a뉴굴림1" panose="02020600000000000000" pitchFamily="18" charset="-127"/>
-                <a:cs typeface="에스코어 드림 5" pitchFamily="34" charset="0"/>
-              </a:rPr>
-              <a:t>소타이틀을 입력하세요</a:t>
             </a:r>
             <a:endParaRPr lang="en-US" dirty="0">
               <a:latin typeface="a뉴굴림1" panose="02020600000000000000" pitchFamily="18" charset="-127"/>
@@ -6750,94 +6415,3480 @@
           </p:spPr>
         </p:pic>
       </p:grpSp>
-      <p:grpSp>
-        <p:nvGrpSpPr>
-          <p:cNvPr id="1004" name="그룹 1004"/>
-          <p:cNvGrpSpPr/>
-          <p:nvPr/>
-        </p:nvGrpSpPr>
-        <p:grpSpPr>
-          <a:xfrm>
-            <a:off x="493037" y="5222544"/>
-            <a:ext cx="9271840" cy="43148"/>
-            <a:chOff x="493037" y="5222544"/>
-            <a:chExt cx="9271840" cy="43148"/>
-          </a:xfrm>
-        </p:grpSpPr>
-        <p:pic>
-          <p:nvPicPr>
-            <p:cNvPr id="21" name="Object 20"/>
-            <p:cNvPicPr>
-              <a:picLocks noChangeAspect="1"/>
-            </p:cNvPicPr>
-            <p:nvPr/>
-          </p:nvPicPr>
-          <p:blipFill>
-            <a:blip r:embed="rId5" cstate="print"/>
-            <a:stretch>
-              <a:fillRect/>
-            </a:stretch>
-          </p:blipFill>
-          <p:spPr>
-            <a:xfrm rot="-16200000">
-              <a:off x="493037" y="5222544"/>
-              <a:ext cx="9271840" cy="43148"/>
-            </a:xfrm>
-            <a:prstGeom prst="rect">
-              <a:avLst/>
-            </a:prstGeom>
-          </p:spPr>
-        </p:pic>
-      </p:grpSp>
-      <p:grpSp>
-        <p:nvGrpSpPr>
-          <p:cNvPr id="1005" name="그룹 1005"/>
-          <p:cNvGrpSpPr/>
-          <p:nvPr/>
-        </p:nvGrpSpPr>
-        <p:grpSpPr>
-          <a:xfrm>
-            <a:off x="11782267" y="2979841"/>
-            <a:ext cx="5147826" cy="6618955"/>
-            <a:chOff x="11782267" y="2979841"/>
-            <a:chExt cx="5147826" cy="6618955"/>
-          </a:xfrm>
-        </p:grpSpPr>
-        <p:pic>
-          <p:nvPicPr>
-            <p:cNvPr id="24" name="Object 23"/>
-            <p:cNvPicPr>
-              <a:picLocks noChangeAspect="1"/>
-            </p:cNvPicPr>
-            <p:nvPr/>
-          </p:nvPicPr>
-          <p:blipFill>
-            <a:blip r:embed="rId6" cstate="print"/>
-            <a:stretch>
-              <a:fillRect/>
-            </a:stretch>
-          </p:blipFill>
-          <p:spPr>
-            <a:xfrm>
-              <a:off x="11782267" y="2979841"/>
-              <a:ext cx="5147826" cy="6618955"/>
-            </a:xfrm>
-            <a:prstGeom prst="rect">
-              <a:avLst/>
-            </a:prstGeom>
-          </p:spPr>
-        </p:pic>
-      </p:grpSp>
+      <p:graphicFrame>
+        <p:nvGraphicFramePr>
+          <p:cNvPr id="30" name="표 2">
+            <a:extLst>
+              <a:ext uri="{FF2B5EF4-FFF2-40B4-BE49-F238E27FC236}">
+                <a16:creationId xmlns:a16="http://schemas.microsoft.com/office/drawing/2014/main" id="{F4B4AF4C-06D2-4668-B0C5-C814780A5B2F}"/>
+              </a:ext>
+            </a:extLst>
+          </p:cNvPr>
+          <p:cNvGraphicFramePr>
+            <a:graphicFrameLocks noGrp="1"/>
+          </p:cNvGraphicFramePr>
+          <p:nvPr>
+            <p:extLst>
+              <p:ext uri="{D42A27DB-BD31-4B8C-83A1-F6EECF244321}">
+                <p14:modId xmlns:p14="http://schemas.microsoft.com/office/powerpoint/2010/main" val="972680817"/>
+              </p:ext>
+            </p:extLst>
+          </p:nvPr>
+        </p:nvGraphicFramePr>
+        <p:xfrm>
+          <a:off x="1219200" y="2973215"/>
+          <a:ext cx="16373424" cy="6544182"/>
+        </p:xfrm>
+        <a:graphic>
+          <a:graphicData uri="http://schemas.openxmlformats.org/drawingml/2006/table">
+            <a:tbl>
+              <a:tblPr firstRow="1" bandRow="1">
+                <a:tableStyleId>{5940675A-B579-460E-94D1-54222C63F5DA}</a:tableStyleId>
+              </a:tblPr>
+              <a:tblGrid>
+                <a:gridCol w="2357773">
+                  <a:extLst>
+                    <a:ext uri="{9D8B030D-6E8A-4147-A177-3AD203B41FA5}">
+                      <a16:colId xmlns:a16="http://schemas.microsoft.com/office/drawing/2014/main" val="3837139612"/>
+                    </a:ext>
+                  </a:extLst>
+                </a:gridCol>
+                <a:gridCol w="3143698">
+                  <a:extLst>
+                    <a:ext uri="{9D8B030D-6E8A-4147-A177-3AD203B41FA5}">
+                      <a16:colId xmlns:a16="http://schemas.microsoft.com/office/drawing/2014/main" val="4147158790"/>
+                    </a:ext>
+                  </a:extLst>
+                </a:gridCol>
+                <a:gridCol w="1309874">
+                  <a:extLst>
+                    <a:ext uri="{9D8B030D-6E8A-4147-A177-3AD203B41FA5}">
+                      <a16:colId xmlns:a16="http://schemas.microsoft.com/office/drawing/2014/main" val="3979535894"/>
+                    </a:ext>
+                  </a:extLst>
+                </a:gridCol>
+                <a:gridCol w="1309874">
+                  <a:extLst>
+                    <a:ext uri="{9D8B030D-6E8A-4147-A177-3AD203B41FA5}">
+                      <a16:colId xmlns:a16="http://schemas.microsoft.com/office/drawing/2014/main" val="713917619"/>
+                    </a:ext>
+                  </a:extLst>
+                </a:gridCol>
+                <a:gridCol w="1440861">
+                  <a:extLst>
+                    <a:ext uri="{9D8B030D-6E8A-4147-A177-3AD203B41FA5}">
+                      <a16:colId xmlns:a16="http://schemas.microsoft.com/office/drawing/2014/main" val="3330078778"/>
+                    </a:ext>
+                  </a:extLst>
+                </a:gridCol>
+                <a:gridCol w="1440861">
+                  <a:extLst>
+                    <a:ext uri="{9D8B030D-6E8A-4147-A177-3AD203B41FA5}">
+                      <a16:colId xmlns:a16="http://schemas.microsoft.com/office/drawing/2014/main" val="3657012194"/>
+                    </a:ext>
+                  </a:extLst>
+                </a:gridCol>
+                <a:gridCol w="1309874">
+                  <a:extLst>
+                    <a:ext uri="{9D8B030D-6E8A-4147-A177-3AD203B41FA5}">
+                      <a16:colId xmlns:a16="http://schemas.microsoft.com/office/drawing/2014/main" val="3338944600"/>
+                    </a:ext>
+                  </a:extLst>
+                </a:gridCol>
+                <a:gridCol w="1309874">
+                  <a:extLst>
+                    <a:ext uri="{9D8B030D-6E8A-4147-A177-3AD203B41FA5}">
+                      <a16:colId xmlns:a16="http://schemas.microsoft.com/office/drawing/2014/main" val="3752590932"/>
+                    </a:ext>
+                  </a:extLst>
+                </a:gridCol>
+                <a:gridCol w="1440861">
+                  <a:extLst>
+                    <a:ext uri="{9D8B030D-6E8A-4147-A177-3AD203B41FA5}">
+                      <a16:colId xmlns:a16="http://schemas.microsoft.com/office/drawing/2014/main" val="4120432673"/>
+                    </a:ext>
+                  </a:extLst>
+                </a:gridCol>
+                <a:gridCol w="1309874">
+                  <a:extLst>
+                    <a:ext uri="{9D8B030D-6E8A-4147-A177-3AD203B41FA5}">
+                      <a16:colId xmlns:a16="http://schemas.microsoft.com/office/drawing/2014/main" val="792900902"/>
+                    </a:ext>
+                  </a:extLst>
+                </a:gridCol>
+              </a:tblGrid>
+              <a:tr h="369801">
+                <a:tc gridSpan="2">
+                  <a:txBody>
+                    <a:bodyPr/>
+                    <a:lstStyle/>
+                    <a:p>
+                      <a:pPr algn="ctr" latinLnBrk="1"/>
+                      <a:r>
+                        <a:rPr lang="ko-KR" altLang="en-US" sz="1600" b="1" dirty="0">
+                          <a:latin typeface="a고딕13" panose="02020600000000000000" pitchFamily="18" charset="-127"/>
+                          <a:ea typeface="a고딕13" panose="02020600000000000000" pitchFamily="18" charset="-127"/>
+                        </a:rPr>
+                        <a:t>항목</a:t>
+                      </a:r>
+                    </a:p>
+                  </a:txBody>
+                  <a:tcPr/>
+                </a:tc>
+                <a:tc hMerge="1">
+                  <a:txBody>
+                    <a:bodyPr/>
+                    <a:lstStyle/>
+                    <a:p>
+                      <a:pPr latinLnBrk="1"/>
+                      <a:endParaRPr lang="ko-KR" altLang="en-US" dirty="0"/>
+                    </a:p>
+                  </a:txBody>
+                  <a:tcPr/>
+                </a:tc>
+                <a:tc>
+                  <a:txBody>
+                    <a:bodyPr/>
+                    <a:lstStyle/>
+                    <a:p>
+                      <a:pPr algn="ctr" latinLnBrk="1"/>
+                      <a:r>
+                        <a:rPr lang="en-US" altLang="ko-KR" sz="1600" b="1" dirty="0">
+                          <a:latin typeface="a고딕13" panose="02020600000000000000" pitchFamily="18" charset="-127"/>
+                          <a:ea typeface="a고딕13" panose="02020600000000000000" pitchFamily="18" charset="-127"/>
+                        </a:rPr>
+                        <a:t>1</a:t>
+                      </a:r>
+                      <a:r>
+                        <a:rPr lang="ko-KR" altLang="en-US" sz="1600" b="1" dirty="0">
+                          <a:latin typeface="a고딕13" panose="02020600000000000000" pitchFamily="18" charset="-127"/>
+                          <a:ea typeface="a고딕13" panose="02020600000000000000" pitchFamily="18" charset="-127"/>
+                        </a:rPr>
+                        <a:t>월</a:t>
+                      </a:r>
+                    </a:p>
+                  </a:txBody>
+                  <a:tcPr/>
+                </a:tc>
+                <a:tc>
+                  <a:txBody>
+                    <a:bodyPr/>
+                    <a:lstStyle/>
+                    <a:p>
+                      <a:pPr algn="ctr" latinLnBrk="1"/>
+                      <a:r>
+                        <a:rPr lang="en-US" altLang="ko-KR" sz="1600" b="1" dirty="0">
+                          <a:latin typeface="a고딕13" panose="02020600000000000000" pitchFamily="18" charset="-127"/>
+                          <a:ea typeface="a고딕13" panose="02020600000000000000" pitchFamily="18" charset="-127"/>
+                        </a:rPr>
+                        <a:t>2</a:t>
+                      </a:r>
+                      <a:r>
+                        <a:rPr lang="ko-KR" altLang="en-US" sz="1600" b="1" dirty="0">
+                          <a:latin typeface="a고딕13" panose="02020600000000000000" pitchFamily="18" charset="-127"/>
+                          <a:ea typeface="a고딕13" panose="02020600000000000000" pitchFamily="18" charset="-127"/>
+                        </a:rPr>
+                        <a:t>월</a:t>
+                      </a:r>
+                    </a:p>
+                  </a:txBody>
+                  <a:tcPr/>
+                </a:tc>
+                <a:tc>
+                  <a:txBody>
+                    <a:bodyPr/>
+                    <a:lstStyle/>
+                    <a:p>
+                      <a:pPr algn="ctr" latinLnBrk="1"/>
+                      <a:r>
+                        <a:rPr lang="en-US" altLang="ko-KR" sz="1600" b="1" dirty="0">
+                          <a:latin typeface="a고딕13" panose="02020600000000000000" pitchFamily="18" charset="-127"/>
+                          <a:ea typeface="a고딕13" panose="02020600000000000000" pitchFamily="18" charset="-127"/>
+                        </a:rPr>
+                        <a:t>3</a:t>
+                      </a:r>
+                      <a:r>
+                        <a:rPr lang="ko-KR" altLang="en-US" sz="1600" b="1" dirty="0">
+                          <a:latin typeface="a고딕13" panose="02020600000000000000" pitchFamily="18" charset="-127"/>
+                          <a:ea typeface="a고딕13" panose="02020600000000000000" pitchFamily="18" charset="-127"/>
+                        </a:rPr>
+                        <a:t>월</a:t>
+                      </a:r>
+                    </a:p>
+                  </a:txBody>
+                  <a:tcPr/>
+                </a:tc>
+                <a:tc>
+                  <a:txBody>
+                    <a:bodyPr/>
+                    <a:lstStyle/>
+                    <a:p>
+                      <a:pPr algn="ctr" latinLnBrk="1"/>
+                      <a:r>
+                        <a:rPr lang="en-US" altLang="ko-KR" sz="1600" b="1" dirty="0">
+                          <a:latin typeface="a고딕13" panose="02020600000000000000" pitchFamily="18" charset="-127"/>
+                          <a:ea typeface="a고딕13" panose="02020600000000000000" pitchFamily="18" charset="-127"/>
+                        </a:rPr>
+                        <a:t>4</a:t>
+                      </a:r>
+                      <a:r>
+                        <a:rPr lang="ko-KR" altLang="en-US" sz="1600" b="1" dirty="0">
+                          <a:latin typeface="a고딕13" panose="02020600000000000000" pitchFamily="18" charset="-127"/>
+                          <a:ea typeface="a고딕13" panose="02020600000000000000" pitchFamily="18" charset="-127"/>
+                        </a:rPr>
+                        <a:t>월</a:t>
+                      </a:r>
+                    </a:p>
+                  </a:txBody>
+                  <a:tcPr/>
+                </a:tc>
+                <a:tc>
+                  <a:txBody>
+                    <a:bodyPr/>
+                    <a:lstStyle/>
+                    <a:p>
+                      <a:pPr algn="ctr" latinLnBrk="1"/>
+                      <a:r>
+                        <a:rPr lang="en-US" altLang="ko-KR" sz="1600" b="1" dirty="0">
+                          <a:latin typeface="a고딕13" panose="02020600000000000000" pitchFamily="18" charset="-127"/>
+                          <a:ea typeface="a고딕13" panose="02020600000000000000" pitchFamily="18" charset="-127"/>
+                        </a:rPr>
+                        <a:t>5</a:t>
+                      </a:r>
+                      <a:r>
+                        <a:rPr lang="ko-KR" altLang="en-US" sz="1600" b="1" dirty="0">
+                          <a:latin typeface="a고딕13" panose="02020600000000000000" pitchFamily="18" charset="-127"/>
+                          <a:ea typeface="a고딕13" panose="02020600000000000000" pitchFamily="18" charset="-127"/>
+                        </a:rPr>
+                        <a:t>월</a:t>
+                      </a:r>
+                    </a:p>
+                  </a:txBody>
+                  <a:tcPr/>
+                </a:tc>
+                <a:tc>
+                  <a:txBody>
+                    <a:bodyPr/>
+                    <a:lstStyle/>
+                    <a:p>
+                      <a:pPr algn="ctr" latinLnBrk="1"/>
+                      <a:r>
+                        <a:rPr lang="en-US" altLang="ko-KR" sz="1600" b="1" dirty="0">
+                          <a:latin typeface="a고딕13" panose="02020600000000000000" pitchFamily="18" charset="-127"/>
+                          <a:ea typeface="a고딕13" panose="02020600000000000000" pitchFamily="18" charset="-127"/>
+                        </a:rPr>
+                        <a:t>6</a:t>
+                      </a:r>
+                      <a:r>
+                        <a:rPr lang="ko-KR" altLang="en-US" sz="1600" b="1" dirty="0">
+                          <a:latin typeface="a고딕13" panose="02020600000000000000" pitchFamily="18" charset="-127"/>
+                          <a:ea typeface="a고딕13" panose="02020600000000000000" pitchFamily="18" charset="-127"/>
+                        </a:rPr>
+                        <a:t>월</a:t>
+                      </a:r>
+                    </a:p>
+                  </a:txBody>
+                  <a:tcPr/>
+                </a:tc>
+                <a:tc>
+                  <a:txBody>
+                    <a:bodyPr/>
+                    <a:lstStyle/>
+                    <a:p>
+                      <a:pPr algn="ctr" latinLnBrk="1"/>
+                      <a:r>
+                        <a:rPr lang="en-US" altLang="ko-KR" sz="1600" b="1" dirty="0">
+                          <a:latin typeface="a고딕13" panose="02020600000000000000" pitchFamily="18" charset="-127"/>
+                          <a:ea typeface="a고딕13" panose="02020600000000000000" pitchFamily="18" charset="-127"/>
+                        </a:rPr>
+                        <a:t>7</a:t>
+                      </a:r>
+                      <a:r>
+                        <a:rPr lang="ko-KR" altLang="en-US" sz="1600" b="1" dirty="0">
+                          <a:latin typeface="a고딕13" panose="02020600000000000000" pitchFamily="18" charset="-127"/>
+                          <a:ea typeface="a고딕13" panose="02020600000000000000" pitchFamily="18" charset="-127"/>
+                        </a:rPr>
+                        <a:t>월</a:t>
+                      </a:r>
+                    </a:p>
+                  </a:txBody>
+                  <a:tcPr/>
+                </a:tc>
+                <a:tc>
+                  <a:txBody>
+                    <a:bodyPr/>
+                    <a:lstStyle/>
+                    <a:p>
+                      <a:pPr algn="ctr" latinLnBrk="1"/>
+                      <a:r>
+                        <a:rPr lang="en-US" altLang="ko-KR" sz="1600" b="1" dirty="0">
+                          <a:latin typeface="a고딕13" panose="02020600000000000000" pitchFamily="18" charset="-127"/>
+                          <a:ea typeface="a고딕13" panose="02020600000000000000" pitchFamily="18" charset="-127"/>
+                        </a:rPr>
+                        <a:t>8</a:t>
+                      </a:r>
+                      <a:r>
+                        <a:rPr lang="ko-KR" altLang="en-US" sz="1600" b="1" dirty="0">
+                          <a:latin typeface="a고딕13" panose="02020600000000000000" pitchFamily="18" charset="-127"/>
+                          <a:ea typeface="a고딕13" panose="02020600000000000000" pitchFamily="18" charset="-127"/>
+                        </a:rPr>
+                        <a:t>월</a:t>
+                      </a:r>
+                    </a:p>
+                  </a:txBody>
+                  <a:tcPr/>
+                </a:tc>
+                <a:extLst>
+                  <a:ext uri="{0D108BD9-81ED-4DB2-BD59-A6C34878D82A}">
+                    <a16:rowId xmlns:a16="http://schemas.microsoft.com/office/drawing/2014/main" val="210015811"/>
+                  </a:ext>
+                </a:extLst>
+              </a:tr>
+              <a:tr h="369801">
+                <a:tc rowSpan="5">
+                  <a:txBody>
+                    <a:bodyPr/>
+                    <a:lstStyle/>
+                    <a:p>
+                      <a:pPr algn="ctr" latinLnBrk="1"/>
+                      <a:r>
+                        <a:rPr lang="ko-KR" altLang="en-US" sz="2000" b="1" dirty="0" err="1">
+                          <a:latin typeface="a고딕13" panose="02020600000000000000" pitchFamily="18" charset="-127"/>
+                          <a:ea typeface="a고딕13" panose="02020600000000000000" pitchFamily="18" charset="-127"/>
+                        </a:rPr>
+                        <a:t>박두환</a:t>
+                      </a:r>
+                      <a:r>
+                        <a:rPr lang="ko-KR" altLang="en-US" sz="2000" b="1" dirty="0">
+                          <a:latin typeface="a고딕13" panose="02020600000000000000" pitchFamily="18" charset="-127"/>
+                          <a:ea typeface="a고딕13" panose="02020600000000000000" pitchFamily="18" charset="-127"/>
+                        </a:rPr>
+                        <a:t> </a:t>
+                      </a:r>
+                      <a:endParaRPr lang="en-US" altLang="ko-KR" sz="2000" b="1" dirty="0">
+                        <a:latin typeface="a고딕13" panose="02020600000000000000" pitchFamily="18" charset="-127"/>
+                        <a:ea typeface="a고딕13" panose="02020600000000000000" pitchFamily="18" charset="-127"/>
+                      </a:endParaRPr>
+                    </a:p>
+                    <a:p>
+                      <a:pPr algn="ctr" latinLnBrk="1"/>
+                      <a:r>
+                        <a:rPr lang="en-US" altLang="ko-KR" sz="2000" b="1" dirty="0">
+                          <a:latin typeface="a고딕13" panose="02020600000000000000" pitchFamily="18" charset="-127"/>
+                          <a:ea typeface="a고딕13" panose="02020600000000000000" pitchFamily="18" charset="-127"/>
+                        </a:rPr>
+                        <a:t>(</a:t>
+                      </a:r>
+                      <a:r>
+                        <a:rPr lang="ko-KR" altLang="en-US" sz="2000" b="1" dirty="0">
+                          <a:latin typeface="a고딕13" panose="02020600000000000000" pitchFamily="18" charset="-127"/>
+                          <a:ea typeface="a고딕13" panose="02020600000000000000" pitchFamily="18" charset="-127"/>
+                        </a:rPr>
+                        <a:t>클라이언트</a:t>
+                      </a:r>
+                      <a:r>
+                        <a:rPr lang="en-US" altLang="ko-KR" sz="2000" b="1" dirty="0">
+                          <a:latin typeface="a고딕13" panose="02020600000000000000" pitchFamily="18" charset="-127"/>
+                          <a:ea typeface="a고딕13" panose="02020600000000000000" pitchFamily="18" charset="-127"/>
+                        </a:rPr>
+                        <a:t>, </a:t>
+                      </a:r>
+                      <a:r>
+                        <a:rPr lang="ko-KR" altLang="en-US" sz="2000" b="1" dirty="0">
+                          <a:latin typeface="a고딕13" panose="02020600000000000000" pitchFamily="18" charset="-127"/>
+                          <a:ea typeface="a고딕13" panose="02020600000000000000" pitchFamily="18" charset="-127"/>
+                        </a:rPr>
+                        <a:t>그래픽</a:t>
+                      </a:r>
+                      <a:r>
+                        <a:rPr lang="en-US" altLang="ko-KR" sz="2000" b="1" dirty="0">
+                          <a:latin typeface="a고딕13" panose="02020600000000000000" pitchFamily="18" charset="-127"/>
+                          <a:ea typeface="a고딕13" panose="02020600000000000000" pitchFamily="18" charset="-127"/>
+                        </a:rPr>
+                        <a:t>)</a:t>
+                      </a:r>
+                      <a:endParaRPr lang="ko-KR" altLang="en-US" sz="2000" b="1" dirty="0">
+                        <a:latin typeface="a고딕13" panose="02020600000000000000" pitchFamily="18" charset="-127"/>
+                        <a:ea typeface="a고딕13" panose="02020600000000000000" pitchFamily="18" charset="-127"/>
+                      </a:endParaRPr>
+                    </a:p>
+                  </a:txBody>
+                  <a:tcPr anchor="ctr"/>
+                </a:tc>
+                <a:tc>
+                  <a:txBody>
+                    <a:bodyPr/>
+                    <a:lstStyle/>
+                    <a:p>
+                      <a:pPr algn="ctr" latinLnBrk="1"/>
+                      <a:r>
+                        <a:rPr lang="ko-KR" altLang="en-US" sz="1600" dirty="0">
+                          <a:latin typeface="a고딕13" panose="02020600000000000000" pitchFamily="18" charset="-127"/>
+                          <a:ea typeface="a고딕13" panose="02020600000000000000" pitchFamily="18" charset="-127"/>
+                        </a:rPr>
+                        <a:t>캐릭터 </a:t>
+                      </a:r>
+                      <a:r>
+                        <a:rPr lang="ko-KR" altLang="en-US" sz="1600" dirty="0" err="1">
+                          <a:latin typeface="a고딕13" panose="02020600000000000000" pitchFamily="18" charset="-127"/>
+                          <a:ea typeface="a고딕13" panose="02020600000000000000" pitchFamily="18" charset="-127"/>
+                        </a:rPr>
+                        <a:t>텍스쳐</a:t>
+                      </a:r>
+                      <a:r>
+                        <a:rPr lang="en-US" altLang="ko-KR" sz="1600" dirty="0">
+                          <a:latin typeface="a고딕13" panose="02020600000000000000" pitchFamily="18" charset="-127"/>
+                          <a:ea typeface="a고딕13" panose="02020600000000000000" pitchFamily="18" charset="-127"/>
+                        </a:rPr>
+                        <a:t>, </a:t>
+                      </a:r>
+                      <a:r>
+                        <a:rPr lang="ko-KR" altLang="en-US" sz="1600" dirty="0">
+                          <a:latin typeface="a고딕13" panose="02020600000000000000" pitchFamily="18" charset="-127"/>
+                          <a:ea typeface="a고딕13" panose="02020600000000000000" pitchFamily="18" charset="-127"/>
+                        </a:rPr>
+                        <a:t>장애물 모델링</a:t>
+                      </a:r>
+                    </a:p>
+                  </a:txBody>
+                  <a:tcPr/>
+                </a:tc>
+                <a:tc>
+                  <a:txBody>
+                    <a:bodyPr/>
+                    <a:lstStyle/>
+                    <a:p>
+                      <a:pPr algn="ctr" latinLnBrk="1"/>
+                      <a:endParaRPr lang="ko-KR" altLang="en-US" sz="1600" dirty="0">
+                        <a:latin typeface="a고딕13" panose="02020600000000000000" pitchFamily="18" charset="-127"/>
+                        <a:ea typeface="a고딕13" panose="02020600000000000000" pitchFamily="18" charset="-127"/>
+                      </a:endParaRPr>
+                    </a:p>
+                  </a:txBody>
+                  <a:tcPr>
+                    <a:solidFill>
+                      <a:schemeClr val="tx2">
+                        <a:lumMod val="60000"/>
+                        <a:lumOff val="40000"/>
+                      </a:schemeClr>
+                    </a:solidFill>
+                  </a:tcPr>
+                </a:tc>
+                <a:tc>
+                  <a:txBody>
+                    <a:bodyPr/>
+                    <a:lstStyle/>
+                    <a:p>
+                      <a:pPr algn="ctr" latinLnBrk="1"/>
+                      <a:endParaRPr lang="ko-KR" altLang="en-US" sz="1600" dirty="0">
+                        <a:latin typeface="a고딕13" panose="02020600000000000000" pitchFamily="18" charset="-127"/>
+                        <a:ea typeface="a고딕13" panose="02020600000000000000" pitchFamily="18" charset="-127"/>
+                      </a:endParaRPr>
+                    </a:p>
+                  </a:txBody>
+                  <a:tcPr>
+                    <a:solidFill>
+                      <a:schemeClr val="tx2">
+                        <a:lumMod val="60000"/>
+                        <a:lumOff val="40000"/>
+                      </a:schemeClr>
+                    </a:solidFill>
+                  </a:tcPr>
+                </a:tc>
+                <a:tc>
+                  <a:txBody>
+                    <a:bodyPr/>
+                    <a:lstStyle/>
+                    <a:p>
+                      <a:pPr algn="ctr" latinLnBrk="1"/>
+                      <a:endParaRPr lang="ko-KR" altLang="en-US" sz="1600">
+                        <a:latin typeface="a고딕13" panose="02020600000000000000" pitchFamily="18" charset="-127"/>
+                        <a:ea typeface="a고딕13" panose="02020600000000000000" pitchFamily="18" charset="-127"/>
+                      </a:endParaRPr>
+                    </a:p>
+                  </a:txBody>
+                  <a:tcPr/>
+                </a:tc>
+                <a:tc>
+                  <a:txBody>
+                    <a:bodyPr/>
+                    <a:lstStyle/>
+                    <a:p>
+                      <a:pPr algn="ctr" latinLnBrk="1"/>
+                      <a:endParaRPr lang="ko-KR" altLang="en-US" sz="1600">
+                        <a:latin typeface="a고딕13" panose="02020600000000000000" pitchFamily="18" charset="-127"/>
+                        <a:ea typeface="a고딕13" panose="02020600000000000000" pitchFamily="18" charset="-127"/>
+                      </a:endParaRPr>
+                    </a:p>
+                  </a:txBody>
+                  <a:tcPr/>
+                </a:tc>
+                <a:tc>
+                  <a:txBody>
+                    <a:bodyPr/>
+                    <a:lstStyle/>
+                    <a:p>
+                      <a:pPr algn="ctr" latinLnBrk="1"/>
+                      <a:endParaRPr lang="ko-KR" altLang="en-US" sz="1600">
+                        <a:latin typeface="a고딕13" panose="02020600000000000000" pitchFamily="18" charset="-127"/>
+                        <a:ea typeface="a고딕13" panose="02020600000000000000" pitchFamily="18" charset="-127"/>
+                      </a:endParaRPr>
+                    </a:p>
+                  </a:txBody>
+                  <a:tcPr/>
+                </a:tc>
+                <a:tc>
+                  <a:txBody>
+                    <a:bodyPr/>
+                    <a:lstStyle/>
+                    <a:p>
+                      <a:pPr algn="ctr" latinLnBrk="1"/>
+                      <a:endParaRPr lang="ko-KR" altLang="en-US" sz="1600">
+                        <a:latin typeface="a고딕13" panose="02020600000000000000" pitchFamily="18" charset="-127"/>
+                        <a:ea typeface="a고딕13" panose="02020600000000000000" pitchFamily="18" charset="-127"/>
+                      </a:endParaRPr>
+                    </a:p>
+                  </a:txBody>
+                  <a:tcPr/>
+                </a:tc>
+                <a:tc>
+                  <a:txBody>
+                    <a:bodyPr/>
+                    <a:lstStyle/>
+                    <a:p>
+                      <a:pPr algn="ctr" latinLnBrk="1"/>
+                      <a:endParaRPr lang="ko-KR" altLang="en-US" sz="1600">
+                        <a:latin typeface="a고딕13" panose="02020600000000000000" pitchFamily="18" charset="-127"/>
+                        <a:ea typeface="a고딕13" panose="02020600000000000000" pitchFamily="18" charset="-127"/>
+                      </a:endParaRPr>
+                    </a:p>
+                  </a:txBody>
+                  <a:tcPr/>
+                </a:tc>
+                <a:tc>
+                  <a:txBody>
+                    <a:bodyPr/>
+                    <a:lstStyle/>
+                    <a:p>
+                      <a:pPr algn="ctr" latinLnBrk="1"/>
+                      <a:endParaRPr lang="ko-KR" altLang="en-US" sz="1600">
+                        <a:latin typeface="a고딕13" panose="02020600000000000000" pitchFamily="18" charset="-127"/>
+                        <a:ea typeface="a고딕13" panose="02020600000000000000" pitchFamily="18" charset="-127"/>
+                      </a:endParaRPr>
+                    </a:p>
+                  </a:txBody>
+                  <a:tcPr/>
+                </a:tc>
+                <a:extLst>
+                  <a:ext uri="{0D108BD9-81ED-4DB2-BD59-A6C34878D82A}">
+                    <a16:rowId xmlns:a16="http://schemas.microsoft.com/office/drawing/2014/main" val="1641470643"/>
+                  </a:ext>
+                </a:extLst>
+              </a:tr>
+              <a:tr h="369801">
+                <a:tc vMerge="1">
+                  <a:txBody>
+                    <a:bodyPr/>
+                    <a:lstStyle/>
+                    <a:p>
+                      <a:pPr latinLnBrk="1"/>
+                      <a:endParaRPr lang="ko-KR" altLang="en-US" sz="1050" dirty="0"/>
+                    </a:p>
+                  </a:txBody>
+                  <a:tcPr/>
+                </a:tc>
+                <a:tc>
+                  <a:txBody>
+                    <a:bodyPr/>
+                    <a:lstStyle/>
+                    <a:p>
+                      <a:pPr algn="ctr" latinLnBrk="1"/>
+                      <a:r>
+                        <a:rPr lang="ko-KR" altLang="en-US" sz="1600" dirty="0">
+                          <a:latin typeface="a고딕13" panose="02020600000000000000" pitchFamily="18" charset="-127"/>
+                          <a:ea typeface="a고딕13" panose="02020600000000000000" pitchFamily="18" charset="-127"/>
+                        </a:rPr>
+                        <a:t>오브젝트 간 상호작용</a:t>
+                      </a:r>
+                    </a:p>
+                  </a:txBody>
+                  <a:tcPr/>
+                </a:tc>
+                <a:tc>
+                  <a:txBody>
+                    <a:bodyPr/>
+                    <a:lstStyle/>
+                    <a:p>
+                      <a:pPr algn="ctr" latinLnBrk="1"/>
+                      <a:endParaRPr lang="ko-KR" altLang="en-US" sz="1600" dirty="0">
+                        <a:latin typeface="a고딕13" panose="02020600000000000000" pitchFamily="18" charset="-127"/>
+                        <a:ea typeface="a고딕13" panose="02020600000000000000" pitchFamily="18" charset="-127"/>
+                      </a:endParaRPr>
+                    </a:p>
+                  </a:txBody>
+                  <a:tcPr>
+                    <a:solidFill>
+                      <a:schemeClr val="tx2">
+                        <a:lumMod val="60000"/>
+                        <a:lumOff val="40000"/>
+                      </a:schemeClr>
+                    </a:solidFill>
+                  </a:tcPr>
+                </a:tc>
+                <a:tc>
+                  <a:txBody>
+                    <a:bodyPr/>
+                    <a:lstStyle/>
+                    <a:p>
+                      <a:pPr algn="ctr" latinLnBrk="1"/>
+                      <a:endParaRPr lang="ko-KR" altLang="en-US" sz="1600" dirty="0">
+                        <a:latin typeface="a고딕13" panose="02020600000000000000" pitchFamily="18" charset="-127"/>
+                        <a:ea typeface="a고딕13" panose="02020600000000000000" pitchFamily="18" charset="-127"/>
+                      </a:endParaRPr>
+                    </a:p>
+                  </a:txBody>
+                  <a:tcPr>
+                    <a:solidFill>
+                      <a:schemeClr val="tx2">
+                        <a:lumMod val="60000"/>
+                        <a:lumOff val="40000"/>
+                      </a:schemeClr>
+                    </a:solidFill>
+                  </a:tcPr>
+                </a:tc>
+                <a:tc>
+                  <a:txBody>
+                    <a:bodyPr/>
+                    <a:lstStyle/>
+                    <a:p>
+                      <a:pPr algn="ctr" latinLnBrk="1"/>
+                      <a:endParaRPr lang="ko-KR" altLang="en-US" sz="1600" dirty="0">
+                        <a:latin typeface="a고딕13" panose="02020600000000000000" pitchFamily="18" charset="-127"/>
+                        <a:ea typeface="a고딕13" panose="02020600000000000000" pitchFamily="18" charset="-127"/>
+                      </a:endParaRPr>
+                    </a:p>
+                  </a:txBody>
+                  <a:tcPr>
+                    <a:solidFill>
+                      <a:schemeClr val="tx2">
+                        <a:lumMod val="60000"/>
+                        <a:lumOff val="40000"/>
+                      </a:schemeClr>
+                    </a:solidFill>
+                  </a:tcPr>
+                </a:tc>
+                <a:tc>
+                  <a:txBody>
+                    <a:bodyPr/>
+                    <a:lstStyle/>
+                    <a:p>
+                      <a:pPr algn="ctr" latinLnBrk="1"/>
+                      <a:endParaRPr lang="ko-KR" altLang="en-US" sz="1600" dirty="0">
+                        <a:latin typeface="a고딕13" panose="02020600000000000000" pitchFamily="18" charset="-127"/>
+                        <a:ea typeface="a고딕13" panose="02020600000000000000" pitchFamily="18" charset="-127"/>
+                      </a:endParaRPr>
+                    </a:p>
+                  </a:txBody>
+                  <a:tcPr/>
+                </a:tc>
+                <a:tc>
+                  <a:txBody>
+                    <a:bodyPr/>
+                    <a:lstStyle/>
+                    <a:p>
+                      <a:pPr algn="ctr" latinLnBrk="1"/>
+                      <a:endParaRPr lang="ko-KR" altLang="en-US" sz="1600" dirty="0">
+                        <a:latin typeface="a고딕13" panose="02020600000000000000" pitchFamily="18" charset="-127"/>
+                        <a:ea typeface="a고딕13" panose="02020600000000000000" pitchFamily="18" charset="-127"/>
+                      </a:endParaRPr>
+                    </a:p>
+                  </a:txBody>
+                  <a:tcPr/>
+                </a:tc>
+                <a:tc>
+                  <a:txBody>
+                    <a:bodyPr/>
+                    <a:lstStyle/>
+                    <a:p>
+                      <a:pPr algn="ctr" latinLnBrk="1"/>
+                      <a:endParaRPr lang="ko-KR" altLang="en-US" sz="1600">
+                        <a:latin typeface="a고딕13" panose="02020600000000000000" pitchFamily="18" charset="-127"/>
+                        <a:ea typeface="a고딕13" panose="02020600000000000000" pitchFamily="18" charset="-127"/>
+                      </a:endParaRPr>
+                    </a:p>
+                  </a:txBody>
+                  <a:tcPr/>
+                </a:tc>
+                <a:tc>
+                  <a:txBody>
+                    <a:bodyPr/>
+                    <a:lstStyle/>
+                    <a:p>
+                      <a:pPr algn="ctr" latinLnBrk="1"/>
+                      <a:endParaRPr lang="ko-KR" altLang="en-US" sz="1600">
+                        <a:latin typeface="a고딕13" panose="02020600000000000000" pitchFamily="18" charset="-127"/>
+                        <a:ea typeface="a고딕13" panose="02020600000000000000" pitchFamily="18" charset="-127"/>
+                      </a:endParaRPr>
+                    </a:p>
+                  </a:txBody>
+                  <a:tcPr/>
+                </a:tc>
+                <a:tc>
+                  <a:txBody>
+                    <a:bodyPr/>
+                    <a:lstStyle/>
+                    <a:p>
+                      <a:pPr algn="ctr" latinLnBrk="1"/>
+                      <a:endParaRPr lang="ko-KR" altLang="en-US" sz="1600">
+                        <a:latin typeface="a고딕13" panose="02020600000000000000" pitchFamily="18" charset="-127"/>
+                        <a:ea typeface="a고딕13" panose="02020600000000000000" pitchFamily="18" charset="-127"/>
+                      </a:endParaRPr>
+                    </a:p>
+                  </a:txBody>
+                  <a:tcPr/>
+                </a:tc>
+                <a:extLst>
+                  <a:ext uri="{0D108BD9-81ED-4DB2-BD59-A6C34878D82A}">
+                    <a16:rowId xmlns:a16="http://schemas.microsoft.com/office/drawing/2014/main" val="3210209945"/>
+                  </a:ext>
+                </a:extLst>
+              </a:tr>
+              <a:tr h="369801">
+                <a:tc vMerge="1">
+                  <a:txBody>
+                    <a:bodyPr/>
+                    <a:lstStyle/>
+                    <a:p>
+                      <a:pPr latinLnBrk="1"/>
+                      <a:endParaRPr lang="ko-KR" altLang="en-US" sz="1050" dirty="0"/>
+                    </a:p>
+                  </a:txBody>
+                  <a:tcPr/>
+                </a:tc>
+                <a:tc>
+                  <a:txBody>
+                    <a:bodyPr/>
+                    <a:lstStyle/>
+                    <a:p>
+                      <a:pPr algn="ctr" latinLnBrk="1"/>
+                      <a:r>
+                        <a:rPr lang="ko-KR" altLang="en-US" sz="1600" dirty="0">
+                          <a:latin typeface="a고딕13" panose="02020600000000000000" pitchFamily="18" charset="-127"/>
+                          <a:ea typeface="a고딕13" panose="02020600000000000000" pitchFamily="18" charset="-127"/>
+                        </a:rPr>
+                        <a:t>맵 제작 및 기능 추가</a:t>
+                      </a:r>
+                    </a:p>
+                  </a:txBody>
+                  <a:tcPr/>
+                </a:tc>
+                <a:tc>
+                  <a:txBody>
+                    <a:bodyPr/>
+                    <a:lstStyle/>
+                    <a:p>
+                      <a:pPr algn="ctr" latinLnBrk="1"/>
+                      <a:endParaRPr lang="ko-KR" altLang="en-US" sz="1600">
+                        <a:latin typeface="a고딕13" panose="02020600000000000000" pitchFamily="18" charset="-127"/>
+                        <a:ea typeface="a고딕13" panose="02020600000000000000" pitchFamily="18" charset="-127"/>
+                      </a:endParaRPr>
+                    </a:p>
+                  </a:txBody>
+                  <a:tcPr/>
+                </a:tc>
+                <a:tc>
+                  <a:txBody>
+                    <a:bodyPr/>
+                    <a:lstStyle/>
+                    <a:p>
+                      <a:pPr algn="ctr" latinLnBrk="1"/>
+                      <a:endParaRPr lang="ko-KR" altLang="en-US" sz="1600" dirty="0">
+                        <a:latin typeface="a고딕13" panose="02020600000000000000" pitchFamily="18" charset="-127"/>
+                        <a:ea typeface="a고딕13" panose="02020600000000000000" pitchFamily="18" charset="-127"/>
+                      </a:endParaRPr>
+                    </a:p>
+                  </a:txBody>
+                  <a:tcPr>
+                    <a:solidFill>
+                      <a:schemeClr val="tx2">
+                        <a:lumMod val="60000"/>
+                        <a:lumOff val="40000"/>
+                      </a:schemeClr>
+                    </a:solidFill>
+                  </a:tcPr>
+                </a:tc>
+                <a:tc>
+                  <a:txBody>
+                    <a:bodyPr/>
+                    <a:lstStyle/>
+                    <a:p>
+                      <a:pPr algn="ctr" latinLnBrk="1"/>
+                      <a:endParaRPr lang="ko-KR" altLang="en-US" sz="1600" dirty="0">
+                        <a:latin typeface="a고딕13" panose="02020600000000000000" pitchFamily="18" charset="-127"/>
+                        <a:ea typeface="a고딕13" panose="02020600000000000000" pitchFamily="18" charset="-127"/>
+                      </a:endParaRPr>
+                    </a:p>
+                  </a:txBody>
+                  <a:tcPr>
+                    <a:solidFill>
+                      <a:schemeClr val="tx2">
+                        <a:lumMod val="60000"/>
+                        <a:lumOff val="40000"/>
+                      </a:schemeClr>
+                    </a:solidFill>
+                  </a:tcPr>
+                </a:tc>
+                <a:tc>
+                  <a:txBody>
+                    <a:bodyPr/>
+                    <a:lstStyle/>
+                    <a:p>
+                      <a:pPr algn="ctr" latinLnBrk="1"/>
+                      <a:endParaRPr lang="ko-KR" altLang="en-US" sz="1600" dirty="0">
+                        <a:latin typeface="a고딕13" panose="02020600000000000000" pitchFamily="18" charset="-127"/>
+                        <a:ea typeface="a고딕13" panose="02020600000000000000" pitchFamily="18" charset="-127"/>
+                      </a:endParaRPr>
+                    </a:p>
+                  </a:txBody>
+                  <a:tcPr/>
+                </a:tc>
+                <a:tc>
+                  <a:txBody>
+                    <a:bodyPr/>
+                    <a:lstStyle/>
+                    <a:p>
+                      <a:pPr algn="ctr" latinLnBrk="1"/>
+                      <a:endParaRPr lang="ko-KR" altLang="en-US" sz="1600" dirty="0">
+                        <a:latin typeface="a고딕13" panose="02020600000000000000" pitchFamily="18" charset="-127"/>
+                        <a:ea typeface="a고딕13" panose="02020600000000000000" pitchFamily="18" charset="-127"/>
+                      </a:endParaRPr>
+                    </a:p>
+                  </a:txBody>
+                  <a:tcPr/>
+                </a:tc>
+                <a:tc>
+                  <a:txBody>
+                    <a:bodyPr/>
+                    <a:lstStyle/>
+                    <a:p>
+                      <a:pPr algn="ctr" latinLnBrk="1"/>
+                      <a:endParaRPr lang="ko-KR" altLang="en-US" sz="1600" dirty="0">
+                        <a:latin typeface="a고딕13" panose="02020600000000000000" pitchFamily="18" charset="-127"/>
+                        <a:ea typeface="a고딕13" panose="02020600000000000000" pitchFamily="18" charset="-127"/>
+                      </a:endParaRPr>
+                    </a:p>
+                  </a:txBody>
+                  <a:tcPr/>
+                </a:tc>
+                <a:tc>
+                  <a:txBody>
+                    <a:bodyPr/>
+                    <a:lstStyle/>
+                    <a:p>
+                      <a:pPr algn="ctr" latinLnBrk="1"/>
+                      <a:endParaRPr lang="ko-KR" altLang="en-US" sz="1600">
+                        <a:latin typeface="a고딕13" panose="02020600000000000000" pitchFamily="18" charset="-127"/>
+                        <a:ea typeface="a고딕13" panose="02020600000000000000" pitchFamily="18" charset="-127"/>
+                      </a:endParaRPr>
+                    </a:p>
+                  </a:txBody>
+                  <a:tcPr/>
+                </a:tc>
+                <a:tc>
+                  <a:txBody>
+                    <a:bodyPr/>
+                    <a:lstStyle/>
+                    <a:p>
+                      <a:pPr algn="ctr" latinLnBrk="1"/>
+                      <a:endParaRPr lang="ko-KR" altLang="en-US" sz="1600">
+                        <a:latin typeface="a고딕13" panose="02020600000000000000" pitchFamily="18" charset="-127"/>
+                        <a:ea typeface="a고딕13" panose="02020600000000000000" pitchFamily="18" charset="-127"/>
+                      </a:endParaRPr>
+                    </a:p>
+                  </a:txBody>
+                  <a:tcPr/>
+                </a:tc>
+                <a:extLst>
+                  <a:ext uri="{0D108BD9-81ED-4DB2-BD59-A6C34878D82A}">
+                    <a16:rowId xmlns:a16="http://schemas.microsoft.com/office/drawing/2014/main" val="1697318234"/>
+                  </a:ext>
+                </a:extLst>
+              </a:tr>
+              <a:tr h="369801">
+                <a:tc vMerge="1">
+                  <a:txBody>
+                    <a:bodyPr/>
+                    <a:lstStyle/>
+                    <a:p>
+                      <a:pPr latinLnBrk="1"/>
+                      <a:endParaRPr lang="ko-KR" altLang="en-US" sz="1050" dirty="0"/>
+                    </a:p>
+                  </a:txBody>
+                  <a:tcPr/>
+                </a:tc>
+                <a:tc>
+                  <a:txBody>
+                    <a:bodyPr/>
+                    <a:lstStyle/>
+                    <a:p>
+                      <a:pPr algn="ctr" latinLnBrk="1"/>
+                      <a:r>
+                        <a:rPr lang="ko-KR" altLang="en-US" sz="1600" dirty="0">
+                          <a:latin typeface="a고딕13" panose="02020600000000000000" pitchFamily="18" charset="-127"/>
+                          <a:ea typeface="a고딕13" panose="02020600000000000000" pitchFamily="18" charset="-127"/>
+                        </a:rPr>
+                        <a:t>애니메이션 구현</a:t>
+                      </a:r>
+                    </a:p>
+                  </a:txBody>
+                  <a:tcPr/>
+                </a:tc>
+                <a:tc>
+                  <a:txBody>
+                    <a:bodyPr/>
+                    <a:lstStyle/>
+                    <a:p>
+                      <a:pPr algn="ctr" latinLnBrk="1"/>
+                      <a:endParaRPr lang="ko-KR" altLang="en-US" sz="1600">
+                        <a:latin typeface="a고딕13" panose="02020600000000000000" pitchFamily="18" charset="-127"/>
+                        <a:ea typeface="a고딕13" panose="02020600000000000000" pitchFamily="18" charset="-127"/>
+                      </a:endParaRPr>
+                    </a:p>
+                  </a:txBody>
+                  <a:tcPr/>
+                </a:tc>
+                <a:tc>
+                  <a:txBody>
+                    <a:bodyPr/>
+                    <a:lstStyle/>
+                    <a:p>
+                      <a:pPr algn="ctr" latinLnBrk="1"/>
+                      <a:endParaRPr lang="ko-KR" altLang="en-US" sz="1600">
+                        <a:latin typeface="a고딕13" panose="02020600000000000000" pitchFamily="18" charset="-127"/>
+                        <a:ea typeface="a고딕13" panose="02020600000000000000" pitchFamily="18" charset="-127"/>
+                      </a:endParaRPr>
+                    </a:p>
+                  </a:txBody>
+                  <a:tcPr/>
+                </a:tc>
+                <a:tc>
+                  <a:txBody>
+                    <a:bodyPr/>
+                    <a:lstStyle/>
+                    <a:p>
+                      <a:pPr algn="ctr" latinLnBrk="1"/>
+                      <a:endParaRPr lang="ko-KR" altLang="en-US" sz="1600" dirty="0">
+                        <a:latin typeface="a고딕13" panose="02020600000000000000" pitchFamily="18" charset="-127"/>
+                        <a:ea typeface="a고딕13" panose="02020600000000000000" pitchFamily="18" charset="-127"/>
+                      </a:endParaRPr>
+                    </a:p>
+                  </a:txBody>
+                  <a:tcPr>
+                    <a:solidFill>
+                      <a:schemeClr val="tx2">
+                        <a:lumMod val="60000"/>
+                        <a:lumOff val="40000"/>
+                      </a:schemeClr>
+                    </a:solidFill>
+                  </a:tcPr>
+                </a:tc>
+                <a:tc>
+                  <a:txBody>
+                    <a:bodyPr/>
+                    <a:lstStyle/>
+                    <a:p>
+                      <a:pPr algn="ctr" latinLnBrk="1"/>
+                      <a:endParaRPr lang="ko-KR" altLang="en-US" sz="1600" dirty="0">
+                        <a:latin typeface="a고딕13" panose="02020600000000000000" pitchFamily="18" charset="-127"/>
+                        <a:ea typeface="a고딕13" panose="02020600000000000000" pitchFamily="18" charset="-127"/>
+                      </a:endParaRPr>
+                    </a:p>
+                  </a:txBody>
+                  <a:tcPr>
+                    <a:solidFill>
+                      <a:schemeClr val="tx2">
+                        <a:lumMod val="60000"/>
+                        <a:lumOff val="40000"/>
+                      </a:schemeClr>
+                    </a:solidFill>
+                  </a:tcPr>
+                </a:tc>
+                <a:tc>
+                  <a:txBody>
+                    <a:bodyPr/>
+                    <a:lstStyle/>
+                    <a:p>
+                      <a:pPr algn="ctr" latinLnBrk="1"/>
+                      <a:endParaRPr lang="ko-KR" altLang="en-US" sz="1600" dirty="0">
+                        <a:latin typeface="a고딕13" panose="02020600000000000000" pitchFamily="18" charset="-127"/>
+                        <a:ea typeface="a고딕13" panose="02020600000000000000" pitchFamily="18" charset="-127"/>
+                      </a:endParaRPr>
+                    </a:p>
+                  </a:txBody>
+                  <a:tcPr>
+                    <a:solidFill>
+                      <a:schemeClr val="tx2">
+                        <a:lumMod val="60000"/>
+                        <a:lumOff val="40000"/>
+                      </a:schemeClr>
+                    </a:solidFill>
+                  </a:tcPr>
+                </a:tc>
+                <a:tc>
+                  <a:txBody>
+                    <a:bodyPr/>
+                    <a:lstStyle/>
+                    <a:p>
+                      <a:pPr algn="ctr" latinLnBrk="1"/>
+                      <a:endParaRPr lang="ko-KR" altLang="en-US" sz="1600" dirty="0">
+                        <a:latin typeface="a고딕13" panose="02020600000000000000" pitchFamily="18" charset="-127"/>
+                        <a:ea typeface="a고딕13" panose="02020600000000000000" pitchFamily="18" charset="-127"/>
+                      </a:endParaRPr>
+                    </a:p>
+                  </a:txBody>
+                  <a:tcPr/>
+                </a:tc>
+                <a:tc>
+                  <a:txBody>
+                    <a:bodyPr/>
+                    <a:lstStyle/>
+                    <a:p>
+                      <a:pPr algn="ctr" latinLnBrk="1"/>
+                      <a:endParaRPr lang="ko-KR" altLang="en-US" sz="1600" dirty="0">
+                        <a:latin typeface="a고딕13" panose="02020600000000000000" pitchFamily="18" charset="-127"/>
+                        <a:ea typeface="a고딕13" panose="02020600000000000000" pitchFamily="18" charset="-127"/>
+                      </a:endParaRPr>
+                    </a:p>
+                  </a:txBody>
+                  <a:tcPr/>
+                </a:tc>
+                <a:tc>
+                  <a:txBody>
+                    <a:bodyPr/>
+                    <a:lstStyle/>
+                    <a:p>
+                      <a:pPr algn="ctr" latinLnBrk="1"/>
+                      <a:endParaRPr lang="ko-KR" altLang="en-US" sz="1600">
+                        <a:latin typeface="a고딕13" panose="02020600000000000000" pitchFamily="18" charset="-127"/>
+                        <a:ea typeface="a고딕13" panose="02020600000000000000" pitchFamily="18" charset="-127"/>
+                      </a:endParaRPr>
+                    </a:p>
+                  </a:txBody>
+                  <a:tcPr/>
+                </a:tc>
+                <a:extLst>
+                  <a:ext uri="{0D108BD9-81ED-4DB2-BD59-A6C34878D82A}">
+                    <a16:rowId xmlns:a16="http://schemas.microsoft.com/office/drawing/2014/main" val="1616652745"/>
+                  </a:ext>
+                </a:extLst>
+              </a:tr>
+              <a:tr h="600927">
+                <a:tc vMerge="1">
+                  <a:txBody>
+                    <a:bodyPr/>
+                    <a:lstStyle/>
+                    <a:p>
+                      <a:pPr latinLnBrk="1"/>
+                      <a:endParaRPr lang="ko-KR" altLang="en-US" sz="1050" dirty="0"/>
+                    </a:p>
+                  </a:txBody>
+                  <a:tcPr/>
+                </a:tc>
+                <a:tc>
+                  <a:txBody>
+                    <a:bodyPr/>
+                    <a:lstStyle/>
+                    <a:p>
+                      <a:pPr marL="0" marR="0" lvl="0" indent="0" algn="ctr" defTabSz="914400" rtl="0" eaLnBrk="1" fontAlgn="auto" latinLnBrk="1" hangingPunct="1">
+                        <a:lnSpc>
+                          <a:spcPct val="100000"/>
+                        </a:lnSpc>
+                        <a:spcBef>
+                          <a:spcPts val="0"/>
+                        </a:spcBef>
+                        <a:spcAft>
+                          <a:spcPts val="0"/>
+                        </a:spcAft>
+                        <a:buClrTx/>
+                        <a:buSzTx/>
+                        <a:buFontTx/>
+                        <a:buNone/>
+                        <a:tabLst/>
+                        <a:defRPr/>
+                      </a:pPr>
+                      <a:r>
+                        <a:rPr lang="en-US" altLang="ko-KR" sz="1600" dirty="0">
+                          <a:latin typeface="a고딕13" panose="02020600000000000000" pitchFamily="18" charset="-127"/>
+                          <a:ea typeface="a고딕13" panose="02020600000000000000" pitchFamily="18" charset="-127"/>
+                        </a:rPr>
+                        <a:t>SRP</a:t>
+                      </a:r>
+                      <a:r>
+                        <a:rPr lang="ko-KR" altLang="en-US" sz="1600" dirty="0">
+                          <a:latin typeface="a고딕13" panose="02020600000000000000" pitchFamily="18" charset="-127"/>
+                          <a:ea typeface="a고딕13" panose="02020600000000000000" pitchFamily="18" charset="-127"/>
+                        </a:rPr>
+                        <a:t>를 통한 렌더링 파이프라인 구현</a:t>
+                      </a:r>
+                    </a:p>
+                  </a:txBody>
+                  <a:tcPr/>
+                </a:tc>
+                <a:tc>
+                  <a:txBody>
+                    <a:bodyPr/>
+                    <a:lstStyle/>
+                    <a:p>
+                      <a:pPr algn="ctr" latinLnBrk="1"/>
+                      <a:endParaRPr lang="ko-KR" altLang="en-US" sz="1600" dirty="0">
+                        <a:latin typeface="a고딕13" panose="02020600000000000000" pitchFamily="18" charset="-127"/>
+                        <a:ea typeface="a고딕13" panose="02020600000000000000" pitchFamily="18" charset="-127"/>
+                      </a:endParaRPr>
+                    </a:p>
+                  </a:txBody>
+                  <a:tcPr/>
+                </a:tc>
+                <a:tc>
+                  <a:txBody>
+                    <a:bodyPr/>
+                    <a:lstStyle/>
+                    <a:p>
+                      <a:pPr algn="ctr" latinLnBrk="1"/>
+                      <a:endParaRPr lang="ko-KR" altLang="en-US" sz="1600">
+                        <a:latin typeface="a고딕13" panose="02020600000000000000" pitchFamily="18" charset="-127"/>
+                        <a:ea typeface="a고딕13" panose="02020600000000000000" pitchFamily="18" charset="-127"/>
+                      </a:endParaRPr>
+                    </a:p>
+                  </a:txBody>
+                  <a:tcPr/>
+                </a:tc>
+                <a:tc>
+                  <a:txBody>
+                    <a:bodyPr/>
+                    <a:lstStyle/>
+                    <a:p>
+                      <a:pPr algn="ctr" latinLnBrk="1"/>
+                      <a:endParaRPr lang="ko-KR" altLang="en-US" sz="1600" dirty="0">
+                        <a:latin typeface="a고딕13" panose="02020600000000000000" pitchFamily="18" charset="-127"/>
+                        <a:ea typeface="a고딕13" panose="02020600000000000000" pitchFamily="18" charset="-127"/>
+                      </a:endParaRPr>
+                    </a:p>
+                  </a:txBody>
+                  <a:tcPr/>
+                </a:tc>
+                <a:tc>
+                  <a:txBody>
+                    <a:bodyPr/>
+                    <a:lstStyle/>
+                    <a:p>
+                      <a:pPr algn="ctr" latinLnBrk="1"/>
+                      <a:endParaRPr lang="ko-KR" altLang="en-US" sz="1600" dirty="0">
+                        <a:latin typeface="a고딕13" panose="02020600000000000000" pitchFamily="18" charset="-127"/>
+                        <a:ea typeface="a고딕13" panose="02020600000000000000" pitchFamily="18" charset="-127"/>
+                      </a:endParaRPr>
+                    </a:p>
+                  </a:txBody>
+                  <a:tcPr>
+                    <a:solidFill>
+                      <a:schemeClr val="tx2">
+                        <a:lumMod val="60000"/>
+                        <a:lumOff val="40000"/>
+                      </a:schemeClr>
+                    </a:solidFill>
+                  </a:tcPr>
+                </a:tc>
+                <a:tc>
+                  <a:txBody>
+                    <a:bodyPr/>
+                    <a:lstStyle/>
+                    <a:p>
+                      <a:pPr algn="ctr" latinLnBrk="1"/>
+                      <a:endParaRPr lang="ko-KR" altLang="en-US" sz="1600" dirty="0">
+                        <a:latin typeface="a고딕13" panose="02020600000000000000" pitchFamily="18" charset="-127"/>
+                        <a:ea typeface="a고딕13" panose="02020600000000000000" pitchFamily="18" charset="-127"/>
+                      </a:endParaRPr>
+                    </a:p>
+                  </a:txBody>
+                  <a:tcPr>
+                    <a:solidFill>
+                      <a:schemeClr val="tx2">
+                        <a:lumMod val="60000"/>
+                        <a:lumOff val="40000"/>
+                      </a:schemeClr>
+                    </a:solidFill>
+                  </a:tcPr>
+                </a:tc>
+                <a:tc>
+                  <a:txBody>
+                    <a:bodyPr/>
+                    <a:lstStyle/>
+                    <a:p>
+                      <a:pPr algn="ctr" latinLnBrk="1"/>
+                      <a:endParaRPr lang="ko-KR" altLang="en-US" sz="1600" dirty="0">
+                        <a:latin typeface="a고딕13" panose="02020600000000000000" pitchFamily="18" charset="-127"/>
+                        <a:ea typeface="a고딕13" panose="02020600000000000000" pitchFamily="18" charset="-127"/>
+                      </a:endParaRPr>
+                    </a:p>
+                  </a:txBody>
+                  <a:tcPr>
+                    <a:solidFill>
+                      <a:schemeClr val="tx2">
+                        <a:lumMod val="60000"/>
+                        <a:lumOff val="40000"/>
+                      </a:schemeClr>
+                    </a:solidFill>
+                  </a:tcPr>
+                </a:tc>
+                <a:tc>
+                  <a:txBody>
+                    <a:bodyPr/>
+                    <a:lstStyle/>
+                    <a:p>
+                      <a:pPr algn="ctr" latinLnBrk="1"/>
+                      <a:endParaRPr lang="ko-KR" altLang="en-US" sz="1600" dirty="0">
+                        <a:latin typeface="a고딕13" panose="02020600000000000000" pitchFamily="18" charset="-127"/>
+                        <a:ea typeface="a고딕13" panose="02020600000000000000" pitchFamily="18" charset="-127"/>
+                      </a:endParaRPr>
+                    </a:p>
+                  </a:txBody>
+                  <a:tcPr/>
+                </a:tc>
+                <a:tc>
+                  <a:txBody>
+                    <a:bodyPr/>
+                    <a:lstStyle/>
+                    <a:p>
+                      <a:pPr algn="ctr" latinLnBrk="1"/>
+                      <a:endParaRPr lang="ko-KR" altLang="en-US" sz="1600">
+                        <a:latin typeface="a고딕13" panose="02020600000000000000" pitchFamily="18" charset="-127"/>
+                        <a:ea typeface="a고딕13" panose="02020600000000000000" pitchFamily="18" charset="-127"/>
+                      </a:endParaRPr>
+                    </a:p>
+                  </a:txBody>
+                  <a:tcPr/>
+                </a:tc>
+                <a:extLst>
+                  <a:ext uri="{0D108BD9-81ED-4DB2-BD59-A6C34878D82A}">
+                    <a16:rowId xmlns:a16="http://schemas.microsoft.com/office/drawing/2014/main" val="3702513457"/>
+                  </a:ext>
+                </a:extLst>
+              </a:tr>
+              <a:tr h="369801">
+                <a:tc rowSpan="6">
+                  <a:txBody>
+                    <a:bodyPr/>
+                    <a:lstStyle/>
+                    <a:p>
+                      <a:pPr algn="ctr" latinLnBrk="1"/>
+                      <a:r>
+                        <a:rPr lang="ko-KR" altLang="en-US" sz="2000" b="1" dirty="0">
+                          <a:latin typeface="a고딕13" panose="02020600000000000000" pitchFamily="18" charset="-127"/>
+                          <a:ea typeface="a고딕13" panose="02020600000000000000" pitchFamily="18" charset="-127"/>
+                        </a:rPr>
+                        <a:t>김동엽 </a:t>
+                      </a:r>
+                      <a:endParaRPr lang="en-US" altLang="ko-KR" sz="2000" b="1" dirty="0">
+                        <a:latin typeface="a고딕13" panose="02020600000000000000" pitchFamily="18" charset="-127"/>
+                        <a:ea typeface="a고딕13" panose="02020600000000000000" pitchFamily="18" charset="-127"/>
+                      </a:endParaRPr>
+                    </a:p>
+                    <a:p>
+                      <a:pPr algn="ctr" latinLnBrk="1"/>
+                      <a:r>
+                        <a:rPr lang="en-US" altLang="ko-KR" sz="2000" b="1" dirty="0">
+                          <a:latin typeface="a고딕13" panose="02020600000000000000" pitchFamily="18" charset="-127"/>
+                          <a:ea typeface="a고딕13" panose="02020600000000000000" pitchFamily="18" charset="-127"/>
+                        </a:rPr>
+                        <a:t>(</a:t>
+                      </a:r>
+                      <a:r>
+                        <a:rPr lang="ko-KR" altLang="en-US" sz="2000" b="1" dirty="0">
+                          <a:latin typeface="a고딕13" panose="02020600000000000000" pitchFamily="18" charset="-127"/>
+                          <a:ea typeface="a고딕13" panose="02020600000000000000" pitchFamily="18" charset="-127"/>
+                        </a:rPr>
+                        <a:t>클라이언트</a:t>
+                      </a:r>
+                      <a:r>
+                        <a:rPr lang="en-US" altLang="ko-KR" sz="2000" b="1" dirty="0">
+                          <a:latin typeface="a고딕13" panose="02020600000000000000" pitchFamily="18" charset="-127"/>
+                          <a:ea typeface="a고딕13" panose="02020600000000000000" pitchFamily="18" charset="-127"/>
+                        </a:rPr>
+                        <a:t>)</a:t>
+                      </a:r>
+                      <a:endParaRPr lang="ko-KR" altLang="en-US" sz="2000" b="1" dirty="0">
+                        <a:latin typeface="a고딕13" panose="02020600000000000000" pitchFamily="18" charset="-127"/>
+                        <a:ea typeface="a고딕13" panose="02020600000000000000" pitchFamily="18" charset="-127"/>
+                      </a:endParaRPr>
+                    </a:p>
+                  </a:txBody>
+                  <a:tcPr anchor="ctr"/>
+                </a:tc>
+                <a:tc>
+                  <a:txBody>
+                    <a:bodyPr/>
+                    <a:lstStyle/>
+                    <a:p>
+                      <a:pPr algn="ctr" latinLnBrk="1"/>
+                      <a:r>
+                        <a:rPr lang="ko-KR" altLang="en-US" sz="1600" dirty="0">
+                          <a:latin typeface="a고딕13" panose="02020600000000000000" pitchFamily="18" charset="-127"/>
+                          <a:ea typeface="a고딕13" panose="02020600000000000000" pitchFamily="18" charset="-127"/>
+                        </a:rPr>
+                        <a:t>메인 프레임워크</a:t>
+                      </a:r>
+                    </a:p>
+                  </a:txBody>
+                  <a:tcPr/>
+                </a:tc>
+                <a:tc>
+                  <a:txBody>
+                    <a:bodyPr/>
+                    <a:lstStyle/>
+                    <a:p>
+                      <a:pPr algn="ctr" latinLnBrk="1"/>
+                      <a:endParaRPr lang="ko-KR" altLang="en-US" sz="1600" dirty="0">
+                        <a:latin typeface="a고딕13" panose="02020600000000000000" pitchFamily="18" charset="-127"/>
+                        <a:ea typeface="a고딕13" panose="02020600000000000000" pitchFamily="18" charset="-127"/>
+                      </a:endParaRPr>
+                    </a:p>
+                  </a:txBody>
+                  <a:tcPr>
+                    <a:solidFill>
+                      <a:schemeClr val="accent6">
+                        <a:lumMod val="75000"/>
+                      </a:schemeClr>
+                    </a:solidFill>
+                  </a:tcPr>
+                </a:tc>
+                <a:tc>
+                  <a:txBody>
+                    <a:bodyPr/>
+                    <a:lstStyle/>
+                    <a:p>
+                      <a:pPr algn="ctr" latinLnBrk="1"/>
+                      <a:endParaRPr lang="ko-KR" altLang="en-US" sz="1600" dirty="0">
+                        <a:latin typeface="a고딕13" panose="02020600000000000000" pitchFamily="18" charset="-127"/>
+                        <a:ea typeface="a고딕13" panose="02020600000000000000" pitchFamily="18" charset="-127"/>
+                      </a:endParaRPr>
+                    </a:p>
+                  </a:txBody>
+                  <a:tcPr>
+                    <a:solidFill>
+                      <a:schemeClr val="accent6">
+                        <a:lumMod val="75000"/>
+                      </a:schemeClr>
+                    </a:solidFill>
+                  </a:tcPr>
+                </a:tc>
+                <a:tc>
+                  <a:txBody>
+                    <a:bodyPr/>
+                    <a:lstStyle/>
+                    <a:p>
+                      <a:pPr algn="ctr" latinLnBrk="1"/>
+                      <a:endParaRPr lang="ko-KR" altLang="en-US" sz="1600" dirty="0">
+                        <a:latin typeface="a고딕13" panose="02020600000000000000" pitchFamily="18" charset="-127"/>
+                        <a:ea typeface="a고딕13" panose="02020600000000000000" pitchFamily="18" charset="-127"/>
+                      </a:endParaRPr>
+                    </a:p>
+                  </a:txBody>
+                  <a:tcPr>
+                    <a:solidFill>
+                      <a:schemeClr val="accent6">
+                        <a:lumMod val="75000"/>
+                      </a:schemeClr>
+                    </a:solidFill>
+                  </a:tcPr>
+                </a:tc>
+                <a:tc>
+                  <a:txBody>
+                    <a:bodyPr/>
+                    <a:lstStyle/>
+                    <a:p>
+                      <a:pPr algn="ctr" latinLnBrk="1"/>
+                      <a:endParaRPr lang="ko-KR" altLang="en-US" sz="1600">
+                        <a:latin typeface="a고딕13" panose="02020600000000000000" pitchFamily="18" charset="-127"/>
+                        <a:ea typeface="a고딕13" panose="02020600000000000000" pitchFamily="18" charset="-127"/>
+                      </a:endParaRPr>
+                    </a:p>
+                  </a:txBody>
+                  <a:tcPr/>
+                </a:tc>
+                <a:tc>
+                  <a:txBody>
+                    <a:bodyPr/>
+                    <a:lstStyle/>
+                    <a:p>
+                      <a:pPr algn="ctr" latinLnBrk="1"/>
+                      <a:endParaRPr lang="ko-KR" altLang="en-US" sz="1600" dirty="0">
+                        <a:latin typeface="a고딕13" panose="02020600000000000000" pitchFamily="18" charset="-127"/>
+                        <a:ea typeface="a고딕13" panose="02020600000000000000" pitchFamily="18" charset="-127"/>
+                      </a:endParaRPr>
+                    </a:p>
+                  </a:txBody>
+                  <a:tcPr/>
+                </a:tc>
+                <a:tc>
+                  <a:txBody>
+                    <a:bodyPr/>
+                    <a:lstStyle/>
+                    <a:p>
+                      <a:pPr algn="ctr" latinLnBrk="1"/>
+                      <a:endParaRPr lang="ko-KR" altLang="en-US" sz="1600" dirty="0">
+                        <a:latin typeface="a고딕13" panose="02020600000000000000" pitchFamily="18" charset="-127"/>
+                        <a:ea typeface="a고딕13" panose="02020600000000000000" pitchFamily="18" charset="-127"/>
+                      </a:endParaRPr>
+                    </a:p>
+                  </a:txBody>
+                  <a:tcPr/>
+                </a:tc>
+                <a:tc>
+                  <a:txBody>
+                    <a:bodyPr/>
+                    <a:lstStyle/>
+                    <a:p>
+                      <a:pPr algn="ctr" latinLnBrk="1"/>
+                      <a:endParaRPr lang="ko-KR" altLang="en-US" sz="1600" dirty="0">
+                        <a:latin typeface="a고딕13" panose="02020600000000000000" pitchFamily="18" charset="-127"/>
+                        <a:ea typeface="a고딕13" panose="02020600000000000000" pitchFamily="18" charset="-127"/>
+                      </a:endParaRPr>
+                    </a:p>
+                  </a:txBody>
+                  <a:tcPr/>
+                </a:tc>
+                <a:tc>
+                  <a:txBody>
+                    <a:bodyPr/>
+                    <a:lstStyle/>
+                    <a:p>
+                      <a:pPr algn="ctr" latinLnBrk="1"/>
+                      <a:endParaRPr lang="ko-KR" altLang="en-US" sz="1600">
+                        <a:latin typeface="a고딕13" panose="02020600000000000000" pitchFamily="18" charset="-127"/>
+                        <a:ea typeface="a고딕13" panose="02020600000000000000" pitchFamily="18" charset="-127"/>
+                      </a:endParaRPr>
+                    </a:p>
+                  </a:txBody>
+                  <a:tcPr/>
+                </a:tc>
+                <a:extLst>
+                  <a:ext uri="{0D108BD9-81ED-4DB2-BD59-A6C34878D82A}">
+                    <a16:rowId xmlns:a16="http://schemas.microsoft.com/office/drawing/2014/main" val="3186228675"/>
+                  </a:ext>
+                </a:extLst>
+              </a:tr>
+              <a:tr h="369801">
+                <a:tc vMerge="1">
+                  <a:txBody>
+                    <a:bodyPr/>
+                    <a:lstStyle/>
+                    <a:p>
+                      <a:pPr latinLnBrk="1"/>
+                      <a:endParaRPr lang="ko-KR" altLang="en-US" sz="1050"/>
+                    </a:p>
+                  </a:txBody>
+                  <a:tcPr/>
+                </a:tc>
+                <a:tc>
+                  <a:txBody>
+                    <a:bodyPr/>
+                    <a:lstStyle/>
+                    <a:p>
+                      <a:pPr algn="ctr" latinLnBrk="1"/>
+                      <a:r>
+                        <a:rPr lang="en-US" altLang="ko-KR" sz="1600" dirty="0">
+                          <a:latin typeface="a고딕13" panose="02020600000000000000" pitchFamily="18" charset="-127"/>
+                          <a:ea typeface="a고딕13" panose="02020600000000000000" pitchFamily="18" charset="-127"/>
+                        </a:rPr>
+                        <a:t>VR </a:t>
+                      </a:r>
+                      <a:r>
+                        <a:rPr lang="ko-KR" altLang="en-US" sz="1600" dirty="0">
+                          <a:latin typeface="a고딕13" panose="02020600000000000000" pitchFamily="18" charset="-127"/>
+                          <a:ea typeface="a고딕13" panose="02020600000000000000" pitchFamily="18" charset="-127"/>
+                        </a:rPr>
+                        <a:t>기기 연동 및 처리 로직</a:t>
+                      </a:r>
+                    </a:p>
+                  </a:txBody>
+                  <a:tcPr/>
+                </a:tc>
+                <a:tc>
+                  <a:txBody>
+                    <a:bodyPr/>
+                    <a:lstStyle/>
+                    <a:p>
+                      <a:pPr algn="ctr" latinLnBrk="1"/>
+                      <a:endParaRPr lang="ko-KR" altLang="en-US" sz="1600" dirty="0">
+                        <a:latin typeface="a고딕13" panose="02020600000000000000" pitchFamily="18" charset="-127"/>
+                        <a:ea typeface="a고딕13" panose="02020600000000000000" pitchFamily="18" charset="-127"/>
+                      </a:endParaRPr>
+                    </a:p>
+                  </a:txBody>
+                  <a:tcPr>
+                    <a:solidFill>
+                      <a:schemeClr val="accent6">
+                        <a:lumMod val="75000"/>
+                      </a:schemeClr>
+                    </a:solidFill>
+                  </a:tcPr>
+                </a:tc>
+                <a:tc>
+                  <a:txBody>
+                    <a:bodyPr/>
+                    <a:lstStyle/>
+                    <a:p>
+                      <a:pPr algn="ctr" latinLnBrk="1"/>
+                      <a:endParaRPr lang="ko-KR" altLang="en-US" sz="1600" dirty="0">
+                        <a:latin typeface="a고딕13" panose="02020600000000000000" pitchFamily="18" charset="-127"/>
+                        <a:ea typeface="a고딕13" panose="02020600000000000000" pitchFamily="18" charset="-127"/>
+                      </a:endParaRPr>
+                    </a:p>
+                  </a:txBody>
+                  <a:tcPr/>
+                </a:tc>
+                <a:tc>
+                  <a:txBody>
+                    <a:bodyPr/>
+                    <a:lstStyle/>
+                    <a:p>
+                      <a:pPr algn="ctr" latinLnBrk="1"/>
+                      <a:endParaRPr lang="ko-KR" altLang="en-US" sz="1600" dirty="0">
+                        <a:latin typeface="a고딕13" panose="02020600000000000000" pitchFamily="18" charset="-127"/>
+                        <a:ea typeface="a고딕13" panose="02020600000000000000" pitchFamily="18" charset="-127"/>
+                      </a:endParaRPr>
+                    </a:p>
+                  </a:txBody>
+                  <a:tcPr/>
+                </a:tc>
+                <a:tc>
+                  <a:txBody>
+                    <a:bodyPr/>
+                    <a:lstStyle/>
+                    <a:p>
+                      <a:pPr algn="ctr" latinLnBrk="1"/>
+                      <a:endParaRPr lang="ko-KR" altLang="en-US" sz="1600">
+                        <a:latin typeface="a고딕13" panose="02020600000000000000" pitchFamily="18" charset="-127"/>
+                        <a:ea typeface="a고딕13" panose="02020600000000000000" pitchFamily="18" charset="-127"/>
+                      </a:endParaRPr>
+                    </a:p>
+                  </a:txBody>
+                  <a:tcPr/>
+                </a:tc>
+                <a:tc>
+                  <a:txBody>
+                    <a:bodyPr/>
+                    <a:lstStyle/>
+                    <a:p>
+                      <a:pPr algn="ctr" latinLnBrk="1"/>
+                      <a:endParaRPr lang="ko-KR" altLang="en-US" sz="1600">
+                        <a:latin typeface="a고딕13" panose="02020600000000000000" pitchFamily="18" charset="-127"/>
+                        <a:ea typeface="a고딕13" panose="02020600000000000000" pitchFamily="18" charset="-127"/>
+                      </a:endParaRPr>
+                    </a:p>
+                  </a:txBody>
+                  <a:tcPr/>
+                </a:tc>
+                <a:tc>
+                  <a:txBody>
+                    <a:bodyPr/>
+                    <a:lstStyle/>
+                    <a:p>
+                      <a:pPr algn="ctr" latinLnBrk="1"/>
+                      <a:endParaRPr lang="ko-KR" altLang="en-US" sz="1600" dirty="0">
+                        <a:latin typeface="a고딕13" panose="02020600000000000000" pitchFamily="18" charset="-127"/>
+                        <a:ea typeface="a고딕13" panose="02020600000000000000" pitchFamily="18" charset="-127"/>
+                      </a:endParaRPr>
+                    </a:p>
+                  </a:txBody>
+                  <a:tcPr/>
+                </a:tc>
+                <a:tc>
+                  <a:txBody>
+                    <a:bodyPr/>
+                    <a:lstStyle/>
+                    <a:p>
+                      <a:pPr algn="ctr" latinLnBrk="1"/>
+                      <a:endParaRPr lang="ko-KR" altLang="en-US" sz="1600" dirty="0">
+                        <a:latin typeface="a고딕13" panose="02020600000000000000" pitchFamily="18" charset="-127"/>
+                        <a:ea typeface="a고딕13" panose="02020600000000000000" pitchFamily="18" charset="-127"/>
+                      </a:endParaRPr>
+                    </a:p>
+                  </a:txBody>
+                  <a:tcPr/>
+                </a:tc>
+                <a:tc>
+                  <a:txBody>
+                    <a:bodyPr/>
+                    <a:lstStyle/>
+                    <a:p>
+                      <a:pPr algn="ctr" latinLnBrk="1"/>
+                      <a:endParaRPr lang="ko-KR" altLang="en-US" sz="1600" dirty="0">
+                        <a:latin typeface="a고딕13" panose="02020600000000000000" pitchFamily="18" charset="-127"/>
+                        <a:ea typeface="a고딕13" panose="02020600000000000000" pitchFamily="18" charset="-127"/>
+                      </a:endParaRPr>
+                    </a:p>
+                  </a:txBody>
+                  <a:tcPr/>
+                </a:tc>
+                <a:extLst>
+                  <a:ext uri="{0D108BD9-81ED-4DB2-BD59-A6C34878D82A}">
+                    <a16:rowId xmlns:a16="http://schemas.microsoft.com/office/drawing/2014/main" val="935159268"/>
+                  </a:ext>
+                </a:extLst>
+              </a:tr>
+              <a:tr h="369801">
+                <a:tc vMerge="1">
+                  <a:txBody>
+                    <a:bodyPr/>
+                    <a:lstStyle/>
+                    <a:p>
+                      <a:pPr latinLnBrk="1"/>
+                      <a:endParaRPr lang="ko-KR" altLang="en-US" sz="1050" dirty="0"/>
+                    </a:p>
+                  </a:txBody>
+                  <a:tcPr/>
+                </a:tc>
+                <a:tc>
+                  <a:txBody>
+                    <a:bodyPr/>
+                    <a:lstStyle/>
+                    <a:p>
+                      <a:pPr algn="ctr" latinLnBrk="1"/>
+                      <a:r>
+                        <a:rPr lang="ko-KR" altLang="en-US" sz="1600" dirty="0">
+                          <a:latin typeface="a고딕13" panose="02020600000000000000" pitchFamily="18" charset="-127"/>
+                          <a:ea typeface="a고딕13" panose="02020600000000000000" pitchFamily="18" charset="-127"/>
+                        </a:rPr>
+                        <a:t>씬 전환 처리</a:t>
+                      </a:r>
+                    </a:p>
+                  </a:txBody>
+                  <a:tcPr/>
+                </a:tc>
+                <a:tc>
+                  <a:txBody>
+                    <a:bodyPr/>
+                    <a:lstStyle/>
+                    <a:p>
+                      <a:pPr algn="ctr" latinLnBrk="1"/>
+                      <a:endParaRPr lang="ko-KR" altLang="en-US" sz="1600" dirty="0">
+                        <a:latin typeface="a고딕13" panose="02020600000000000000" pitchFamily="18" charset="-127"/>
+                        <a:ea typeface="a고딕13" panose="02020600000000000000" pitchFamily="18" charset="-127"/>
+                      </a:endParaRPr>
+                    </a:p>
+                  </a:txBody>
+                  <a:tcPr/>
+                </a:tc>
+                <a:tc>
+                  <a:txBody>
+                    <a:bodyPr/>
+                    <a:lstStyle/>
+                    <a:p>
+                      <a:pPr algn="ctr" latinLnBrk="1"/>
+                      <a:endParaRPr lang="ko-KR" altLang="en-US" sz="1600" dirty="0">
+                        <a:latin typeface="a고딕13" panose="02020600000000000000" pitchFamily="18" charset="-127"/>
+                        <a:ea typeface="a고딕13" panose="02020600000000000000" pitchFamily="18" charset="-127"/>
+                      </a:endParaRPr>
+                    </a:p>
+                  </a:txBody>
+                  <a:tcPr>
+                    <a:solidFill>
+                      <a:schemeClr val="accent6">
+                        <a:lumMod val="75000"/>
+                      </a:schemeClr>
+                    </a:solidFill>
+                  </a:tcPr>
+                </a:tc>
+                <a:tc>
+                  <a:txBody>
+                    <a:bodyPr/>
+                    <a:lstStyle/>
+                    <a:p>
+                      <a:pPr algn="ctr" latinLnBrk="1"/>
+                      <a:endParaRPr lang="ko-KR" altLang="en-US" sz="1600" dirty="0">
+                        <a:latin typeface="a고딕13" panose="02020600000000000000" pitchFamily="18" charset="-127"/>
+                        <a:ea typeface="a고딕13" panose="02020600000000000000" pitchFamily="18" charset="-127"/>
+                      </a:endParaRPr>
+                    </a:p>
+                  </a:txBody>
+                  <a:tcPr>
+                    <a:solidFill>
+                      <a:schemeClr val="accent6">
+                        <a:lumMod val="75000"/>
+                      </a:schemeClr>
+                    </a:solidFill>
+                  </a:tcPr>
+                </a:tc>
+                <a:tc>
+                  <a:txBody>
+                    <a:bodyPr/>
+                    <a:lstStyle/>
+                    <a:p>
+                      <a:pPr algn="ctr" latinLnBrk="1"/>
+                      <a:endParaRPr lang="ko-KR" altLang="en-US" sz="1600" dirty="0">
+                        <a:latin typeface="a고딕13" panose="02020600000000000000" pitchFamily="18" charset="-127"/>
+                        <a:ea typeface="a고딕13" panose="02020600000000000000" pitchFamily="18" charset="-127"/>
+                      </a:endParaRPr>
+                    </a:p>
+                  </a:txBody>
+                  <a:tcPr/>
+                </a:tc>
+                <a:tc>
+                  <a:txBody>
+                    <a:bodyPr/>
+                    <a:lstStyle/>
+                    <a:p>
+                      <a:pPr algn="ctr" latinLnBrk="1"/>
+                      <a:endParaRPr lang="ko-KR" altLang="en-US" sz="1600">
+                        <a:latin typeface="a고딕13" panose="02020600000000000000" pitchFamily="18" charset="-127"/>
+                        <a:ea typeface="a고딕13" panose="02020600000000000000" pitchFamily="18" charset="-127"/>
+                      </a:endParaRPr>
+                    </a:p>
+                  </a:txBody>
+                  <a:tcPr/>
+                </a:tc>
+                <a:tc>
+                  <a:txBody>
+                    <a:bodyPr/>
+                    <a:lstStyle/>
+                    <a:p>
+                      <a:pPr algn="ctr" latinLnBrk="1"/>
+                      <a:endParaRPr lang="ko-KR" altLang="en-US" sz="1600">
+                        <a:latin typeface="a고딕13" panose="02020600000000000000" pitchFamily="18" charset="-127"/>
+                        <a:ea typeface="a고딕13" panose="02020600000000000000" pitchFamily="18" charset="-127"/>
+                      </a:endParaRPr>
+                    </a:p>
+                  </a:txBody>
+                  <a:tcPr/>
+                </a:tc>
+                <a:tc>
+                  <a:txBody>
+                    <a:bodyPr/>
+                    <a:lstStyle/>
+                    <a:p>
+                      <a:pPr algn="ctr" latinLnBrk="1"/>
+                      <a:endParaRPr lang="ko-KR" altLang="en-US" sz="1600" dirty="0">
+                        <a:latin typeface="a고딕13" panose="02020600000000000000" pitchFamily="18" charset="-127"/>
+                        <a:ea typeface="a고딕13" panose="02020600000000000000" pitchFamily="18" charset="-127"/>
+                      </a:endParaRPr>
+                    </a:p>
+                  </a:txBody>
+                  <a:tcPr/>
+                </a:tc>
+                <a:tc>
+                  <a:txBody>
+                    <a:bodyPr/>
+                    <a:lstStyle/>
+                    <a:p>
+                      <a:pPr algn="ctr" latinLnBrk="1"/>
+                      <a:endParaRPr lang="ko-KR" altLang="en-US" sz="1600" dirty="0">
+                        <a:latin typeface="a고딕13" panose="02020600000000000000" pitchFamily="18" charset="-127"/>
+                        <a:ea typeface="a고딕13" panose="02020600000000000000" pitchFamily="18" charset="-127"/>
+                      </a:endParaRPr>
+                    </a:p>
+                  </a:txBody>
+                  <a:tcPr/>
+                </a:tc>
+                <a:extLst>
+                  <a:ext uri="{0D108BD9-81ED-4DB2-BD59-A6C34878D82A}">
+                    <a16:rowId xmlns:a16="http://schemas.microsoft.com/office/drawing/2014/main" val="4051073631"/>
+                  </a:ext>
+                </a:extLst>
+              </a:tr>
+              <a:tr h="369801">
+                <a:tc vMerge="1">
+                  <a:txBody>
+                    <a:bodyPr/>
+                    <a:lstStyle/>
+                    <a:p>
+                      <a:pPr latinLnBrk="1"/>
+                      <a:endParaRPr lang="ko-KR" altLang="en-US" sz="1050" dirty="0"/>
+                    </a:p>
+                  </a:txBody>
+                  <a:tcPr/>
+                </a:tc>
+                <a:tc>
+                  <a:txBody>
+                    <a:bodyPr/>
+                    <a:lstStyle/>
+                    <a:p>
+                      <a:pPr algn="ctr" latinLnBrk="1"/>
+                      <a:r>
+                        <a:rPr lang="ko-KR" altLang="en-US" sz="1600" dirty="0">
+                          <a:latin typeface="a고딕13" panose="02020600000000000000" pitchFamily="18" charset="-127"/>
+                          <a:ea typeface="a고딕13" panose="02020600000000000000" pitchFamily="18" charset="-127"/>
+                        </a:rPr>
+                        <a:t>적 구현 및 </a:t>
+                      </a:r>
+                      <a:r>
+                        <a:rPr lang="en-US" altLang="ko-KR" sz="1600" dirty="0">
+                          <a:latin typeface="a고딕13" panose="02020600000000000000" pitchFamily="18" charset="-127"/>
+                          <a:ea typeface="a고딕13" panose="02020600000000000000" pitchFamily="18" charset="-127"/>
+                        </a:rPr>
+                        <a:t>AI</a:t>
+                      </a:r>
+                      <a:endParaRPr lang="ko-KR" altLang="en-US" sz="1600" dirty="0">
+                        <a:latin typeface="a고딕13" panose="02020600000000000000" pitchFamily="18" charset="-127"/>
+                        <a:ea typeface="a고딕13" panose="02020600000000000000" pitchFamily="18" charset="-127"/>
+                      </a:endParaRPr>
+                    </a:p>
+                  </a:txBody>
+                  <a:tcPr/>
+                </a:tc>
+                <a:tc>
+                  <a:txBody>
+                    <a:bodyPr/>
+                    <a:lstStyle/>
+                    <a:p>
+                      <a:pPr algn="ctr" latinLnBrk="1"/>
+                      <a:endParaRPr lang="ko-KR" altLang="en-US" sz="1600">
+                        <a:latin typeface="a고딕13" panose="02020600000000000000" pitchFamily="18" charset="-127"/>
+                        <a:ea typeface="a고딕13" panose="02020600000000000000" pitchFamily="18" charset="-127"/>
+                      </a:endParaRPr>
+                    </a:p>
+                  </a:txBody>
+                  <a:tcPr/>
+                </a:tc>
+                <a:tc>
+                  <a:txBody>
+                    <a:bodyPr/>
+                    <a:lstStyle/>
+                    <a:p>
+                      <a:pPr algn="ctr" latinLnBrk="1"/>
+                      <a:endParaRPr lang="ko-KR" altLang="en-US" sz="1600" dirty="0">
+                        <a:latin typeface="a고딕13" panose="02020600000000000000" pitchFamily="18" charset="-127"/>
+                        <a:ea typeface="a고딕13" panose="02020600000000000000" pitchFamily="18" charset="-127"/>
+                      </a:endParaRPr>
+                    </a:p>
+                  </a:txBody>
+                  <a:tcPr/>
+                </a:tc>
+                <a:tc>
+                  <a:txBody>
+                    <a:bodyPr/>
+                    <a:lstStyle/>
+                    <a:p>
+                      <a:pPr algn="ctr" latinLnBrk="1"/>
+                      <a:endParaRPr lang="ko-KR" altLang="en-US" sz="1600" dirty="0">
+                        <a:latin typeface="a고딕13" panose="02020600000000000000" pitchFamily="18" charset="-127"/>
+                        <a:ea typeface="a고딕13" panose="02020600000000000000" pitchFamily="18" charset="-127"/>
+                      </a:endParaRPr>
+                    </a:p>
+                  </a:txBody>
+                  <a:tcPr>
+                    <a:solidFill>
+                      <a:schemeClr val="accent6">
+                        <a:lumMod val="75000"/>
+                      </a:schemeClr>
+                    </a:solidFill>
+                  </a:tcPr>
+                </a:tc>
+                <a:tc>
+                  <a:txBody>
+                    <a:bodyPr/>
+                    <a:lstStyle/>
+                    <a:p>
+                      <a:pPr algn="ctr" latinLnBrk="1"/>
+                      <a:endParaRPr lang="ko-KR" altLang="en-US" sz="1600" dirty="0">
+                        <a:latin typeface="a고딕13" panose="02020600000000000000" pitchFamily="18" charset="-127"/>
+                        <a:ea typeface="a고딕13" panose="02020600000000000000" pitchFamily="18" charset="-127"/>
+                      </a:endParaRPr>
+                    </a:p>
+                  </a:txBody>
+                  <a:tcPr>
+                    <a:solidFill>
+                      <a:schemeClr val="accent6">
+                        <a:lumMod val="75000"/>
+                      </a:schemeClr>
+                    </a:solidFill>
+                  </a:tcPr>
+                </a:tc>
+                <a:tc>
+                  <a:txBody>
+                    <a:bodyPr/>
+                    <a:lstStyle/>
+                    <a:p>
+                      <a:pPr algn="ctr" latinLnBrk="1"/>
+                      <a:endParaRPr lang="ko-KR" altLang="en-US" sz="1600" dirty="0">
+                        <a:latin typeface="a고딕13" panose="02020600000000000000" pitchFamily="18" charset="-127"/>
+                        <a:ea typeface="a고딕13" panose="02020600000000000000" pitchFamily="18" charset="-127"/>
+                      </a:endParaRPr>
+                    </a:p>
+                  </a:txBody>
+                  <a:tcPr/>
+                </a:tc>
+                <a:tc>
+                  <a:txBody>
+                    <a:bodyPr/>
+                    <a:lstStyle/>
+                    <a:p>
+                      <a:pPr algn="ctr" latinLnBrk="1"/>
+                      <a:endParaRPr lang="ko-KR" altLang="en-US" sz="1600" dirty="0">
+                        <a:latin typeface="a고딕13" panose="02020600000000000000" pitchFamily="18" charset="-127"/>
+                        <a:ea typeface="a고딕13" panose="02020600000000000000" pitchFamily="18" charset="-127"/>
+                      </a:endParaRPr>
+                    </a:p>
+                  </a:txBody>
+                  <a:tcPr/>
+                </a:tc>
+                <a:tc>
+                  <a:txBody>
+                    <a:bodyPr/>
+                    <a:lstStyle/>
+                    <a:p>
+                      <a:pPr algn="ctr" latinLnBrk="1"/>
+                      <a:endParaRPr lang="ko-KR" altLang="en-US" sz="1600" dirty="0">
+                        <a:latin typeface="a고딕13" panose="02020600000000000000" pitchFamily="18" charset="-127"/>
+                        <a:ea typeface="a고딕13" panose="02020600000000000000" pitchFamily="18" charset="-127"/>
+                      </a:endParaRPr>
+                    </a:p>
+                  </a:txBody>
+                  <a:tcPr/>
+                </a:tc>
+                <a:tc>
+                  <a:txBody>
+                    <a:bodyPr/>
+                    <a:lstStyle/>
+                    <a:p>
+                      <a:pPr algn="ctr" latinLnBrk="1"/>
+                      <a:endParaRPr lang="ko-KR" altLang="en-US" sz="1600" dirty="0">
+                        <a:latin typeface="a고딕13" panose="02020600000000000000" pitchFamily="18" charset="-127"/>
+                        <a:ea typeface="a고딕13" panose="02020600000000000000" pitchFamily="18" charset="-127"/>
+                      </a:endParaRPr>
+                    </a:p>
+                  </a:txBody>
+                  <a:tcPr/>
+                </a:tc>
+                <a:extLst>
+                  <a:ext uri="{0D108BD9-81ED-4DB2-BD59-A6C34878D82A}">
+                    <a16:rowId xmlns:a16="http://schemas.microsoft.com/office/drawing/2014/main" val="937928145"/>
+                  </a:ext>
+                </a:extLst>
+              </a:tr>
+              <a:tr h="369801">
+                <a:tc vMerge="1">
+                  <a:txBody>
+                    <a:bodyPr/>
+                    <a:lstStyle/>
+                    <a:p>
+                      <a:pPr latinLnBrk="1"/>
+                      <a:endParaRPr lang="ko-KR" altLang="en-US" sz="1050" dirty="0"/>
+                    </a:p>
+                  </a:txBody>
+                  <a:tcPr/>
+                </a:tc>
+                <a:tc>
+                  <a:txBody>
+                    <a:bodyPr/>
+                    <a:lstStyle/>
+                    <a:p>
+                      <a:pPr algn="ctr" latinLnBrk="1"/>
+                      <a:r>
+                        <a:rPr lang="en-US" altLang="ko-KR" sz="1600" dirty="0">
+                          <a:latin typeface="a고딕13" panose="02020600000000000000" pitchFamily="18" charset="-127"/>
+                          <a:ea typeface="a고딕13" panose="02020600000000000000" pitchFamily="18" charset="-127"/>
+                        </a:rPr>
+                        <a:t>VR UI</a:t>
+                      </a:r>
+                      <a:endParaRPr lang="ko-KR" altLang="en-US" sz="1600" dirty="0">
+                        <a:latin typeface="a고딕13" panose="02020600000000000000" pitchFamily="18" charset="-127"/>
+                        <a:ea typeface="a고딕13" panose="02020600000000000000" pitchFamily="18" charset="-127"/>
+                      </a:endParaRPr>
+                    </a:p>
+                  </a:txBody>
+                  <a:tcPr/>
+                </a:tc>
+                <a:tc>
+                  <a:txBody>
+                    <a:bodyPr/>
+                    <a:lstStyle/>
+                    <a:p>
+                      <a:pPr algn="ctr" latinLnBrk="1"/>
+                      <a:endParaRPr lang="ko-KR" altLang="en-US" sz="1600">
+                        <a:latin typeface="a고딕13" panose="02020600000000000000" pitchFamily="18" charset="-127"/>
+                        <a:ea typeface="a고딕13" panose="02020600000000000000" pitchFamily="18" charset="-127"/>
+                      </a:endParaRPr>
+                    </a:p>
+                  </a:txBody>
+                  <a:tcPr/>
+                </a:tc>
+                <a:tc>
+                  <a:txBody>
+                    <a:bodyPr/>
+                    <a:lstStyle/>
+                    <a:p>
+                      <a:pPr algn="ctr" latinLnBrk="1"/>
+                      <a:endParaRPr lang="ko-KR" altLang="en-US" sz="1600">
+                        <a:latin typeface="a고딕13" panose="02020600000000000000" pitchFamily="18" charset="-127"/>
+                        <a:ea typeface="a고딕13" panose="02020600000000000000" pitchFamily="18" charset="-127"/>
+                      </a:endParaRPr>
+                    </a:p>
+                  </a:txBody>
+                  <a:tcPr/>
+                </a:tc>
+                <a:tc>
+                  <a:txBody>
+                    <a:bodyPr/>
+                    <a:lstStyle/>
+                    <a:p>
+                      <a:pPr algn="ctr" latinLnBrk="1"/>
+                      <a:endParaRPr lang="ko-KR" altLang="en-US" sz="1600">
+                        <a:latin typeface="a고딕13" panose="02020600000000000000" pitchFamily="18" charset="-127"/>
+                        <a:ea typeface="a고딕13" panose="02020600000000000000" pitchFamily="18" charset="-127"/>
+                      </a:endParaRPr>
+                    </a:p>
+                  </a:txBody>
+                  <a:tcPr/>
+                </a:tc>
+                <a:tc>
+                  <a:txBody>
+                    <a:bodyPr/>
+                    <a:lstStyle/>
+                    <a:p>
+                      <a:pPr algn="ctr" latinLnBrk="1"/>
+                      <a:endParaRPr lang="ko-KR" altLang="en-US" sz="1600" dirty="0">
+                        <a:latin typeface="a고딕13" panose="02020600000000000000" pitchFamily="18" charset="-127"/>
+                        <a:ea typeface="a고딕13" panose="02020600000000000000" pitchFamily="18" charset="-127"/>
+                      </a:endParaRPr>
+                    </a:p>
+                  </a:txBody>
+                  <a:tcPr>
+                    <a:solidFill>
+                      <a:schemeClr val="accent6">
+                        <a:lumMod val="75000"/>
+                      </a:schemeClr>
+                    </a:solidFill>
+                  </a:tcPr>
+                </a:tc>
+                <a:tc>
+                  <a:txBody>
+                    <a:bodyPr/>
+                    <a:lstStyle/>
+                    <a:p>
+                      <a:pPr algn="ctr" latinLnBrk="1"/>
+                      <a:endParaRPr lang="ko-KR" altLang="en-US" sz="1600" dirty="0">
+                        <a:latin typeface="a고딕13" panose="02020600000000000000" pitchFamily="18" charset="-127"/>
+                        <a:ea typeface="a고딕13" panose="02020600000000000000" pitchFamily="18" charset="-127"/>
+                      </a:endParaRPr>
+                    </a:p>
+                  </a:txBody>
+                  <a:tcPr>
+                    <a:solidFill>
+                      <a:schemeClr val="accent6">
+                        <a:lumMod val="75000"/>
+                      </a:schemeClr>
+                    </a:solidFill>
+                  </a:tcPr>
+                </a:tc>
+                <a:tc>
+                  <a:txBody>
+                    <a:bodyPr/>
+                    <a:lstStyle/>
+                    <a:p>
+                      <a:pPr algn="ctr" latinLnBrk="1"/>
+                      <a:endParaRPr lang="ko-KR" altLang="en-US" sz="1600" dirty="0">
+                        <a:latin typeface="a고딕13" panose="02020600000000000000" pitchFamily="18" charset="-127"/>
+                        <a:ea typeface="a고딕13" panose="02020600000000000000" pitchFamily="18" charset="-127"/>
+                      </a:endParaRPr>
+                    </a:p>
+                  </a:txBody>
+                  <a:tcPr/>
+                </a:tc>
+                <a:tc>
+                  <a:txBody>
+                    <a:bodyPr/>
+                    <a:lstStyle/>
+                    <a:p>
+                      <a:pPr algn="ctr" latinLnBrk="1"/>
+                      <a:endParaRPr lang="ko-KR" altLang="en-US" sz="1600" dirty="0">
+                        <a:latin typeface="a고딕13" panose="02020600000000000000" pitchFamily="18" charset="-127"/>
+                        <a:ea typeface="a고딕13" panose="02020600000000000000" pitchFamily="18" charset="-127"/>
+                      </a:endParaRPr>
+                    </a:p>
+                  </a:txBody>
+                  <a:tcPr/>
+                </a:tc>
+                <a:tc>
+                  <a:txBody>
+                    <a:bodyPr/>
+                    <a:lstStyle/>
+                    <a:p>
+                      <a:pPr algn="ctr" latinLnBrk="1"/>
+                      <a:endParaRPr lang="ko-KR" altLang="en-US" sz="1600" dirty="0">
+                        <a:latin typeface="a고딕13" panose="02020600000000000000" pitchFamily="18" charset="-127"/>
+                        <a:ea typeface="a고딕13" panose="02020600000000000000" pitchFamily="18" charset="-127"/>
+                      </a:endParaRPr>
+                    </a:p>
+                  </a:txBody>
+                  <a:tcPr/>
+                </a:tc>
+                <a:extLst>
+                  <a:ext uri="{0D108BD9-81ED-4DB2-BD59-A6C34878D82A}">
+                    <a16:rowId xmlns:a16="http://schemas.microsoft.com/office/drawing/2014/main" val="3277242627"/>
+                  </a:ext>
+                </a:extLst>
+              </a:tr>
+              <a:tr h="369801">
+                <a:tc vMerge="1">
+                  <a:txBody>
+                    <a:bodyPr/>
+                    <a:lstStyle/>
+                    <a:p>
+                      <a:pPr latinLnBrk="1"/>
+                      <a:endParaRPr lang="ko-KR" altLang="en-US" sz="1050" dirty="0"/>
+                    </a:p>
+                  </a:txBody>
+                  <a:tcPr/>
+                </a:tc>
+                <a:tc>
+                  <a:txBody>
+                    <a:bodyPr/>
+                    <a:lstStyle/>
+                    <a:p>
+                      <a:pPr algn="ctr" latinLnBrk="1"/>
+                      <a:r>
+                        <a:rPr lang="ko-KR" altLang="en-US" sz="1600" dirty="0">
+                          <a:latin typeface="a고딕13" panose="02020600000000000000" pitchFamily="18" charset="-127"/>
+                          <a:ea typeface="a고딕13" panose="02020600000000000000" pitchFamily="18" charset="-127"/>
+                        </a:rPr>
+                        <a:t>이펙트</a:t>
+                      </a:r>
+                    </a:p>
+                  </a:txBody>
+                  <a:tcPr/>
+                </a:tc>
+                <a:tc>
+                  <a:txBody>
+                    <a:bodyPr/>
+                    <a:lstStyle/>
+                    <a:p>
+                      <a:pPr algn="ctr" latinLnBrk="1"/>
+                      <a:endParaRPr lang="ko-KR" altLang="en-US" sz="1600">
+                        <a:latin typeface="a고딕13" panose="02020600000000000000" pitchFamily="18" charset="-127"/>
+                        <a:ea typeface="a고딕13" panose="02020600000000000000" pitchFamily="18" charset="-127"/>
+                      </a:endParaRPr>
+                    </a:p>
+                  </a:txBody>
+                  <a:tcPr/>
+                </a:tc>
+                <a:tc>
+                  <a:txBody>
+                    <a:bodyPr/>
+                    <a:lstStyle/>
+                    <a:p>
+                      <a:pPr algn="ctr" latinLnBrk="1"/>
+                      <a:endParaRPr lang="ko-KR" altLang="en-US" sz="1600">
+                        <a:latin typeface="a고딕13" panose="02020600000000000000" pitchFamily="18" charset="-127"/>
+                        <a:ea typeface="a고딕13" panose="02020600000000000000" pitchFamily="18" charset="-127"/>
+                      </a:endParaRPr>
+                    </a:p>
+                  </a:txBody>
+                  <a:tcPr/>
+                </a:tc>
+                <a:tc>
+                  <a:txBody>
+                    <a:bodyPr/>
+                    <a:lstStyle/>
+                    <a:p>
+                      <a:pPr algn="ctr" latinLnBrk="1"/>
+                      <a:endParaRPr lang="ko-KR" altLang="en-US" sz="1600">
+                        <a:latin typeface="a고딕13" panose="02020600000000000000" pitchFamily="18" charset="-127"/>
+                        <a:ea typeface="a고딕13" panose="02020600000000000000" pitchFamily="18" charset="-127"/>
+                      </a:endParaRPr>
+                    </a:p>
+                  </a:txBody>
+                  <a:tcPr/>
+                </a:tc>
+                <a:tc>
+                  <a:txBody>
+                    <a:bodyPr/>
+                    <a:lstStyle/>
+                    <a:p>
+                      <a:pPr algn="ctr" latinLnBrk="1"/>
+                      <a:endParaRPr lang="ko-KR" altLang="en-US" sz="1600">
+                        <a:latin typeface="a고딕13" panose="02020600000000000000" pitchFamily="18" charset="-127"/>
+                        <a:ea typeface="a고딕13" panose="02020600000000000000" pitchFamily="18" charset="-127"/>
+                      </a:endParaRPr>
+                    </a:p>
+                  </a:txBody>
+                  <a:tcPr/>
+                </a:tc>
+                <a:tc>
+                  <a:txBody>
+                    <a:bodyPr/>
+                    <a:lstStyle/>
+                    <a:p>
+                      <a:pPr algn="ctr" latinLnBrk="1"/>
+                      <a:endParaRPr lang="ko-KR" altLang="en-US" sz="1600" dirty="0">
+                        <a:latin typeface="a고딕13" panose="02020600000000000000" pitchFamily="18" charset="-127"/>
+                        <a:ea typeface="a고딕13" panose="02020600000000000000" pitchFamily="18" charset="-127"/>
+                      </a:endParaRPr>
+                    </a:p>
+                  </a:txBody>
+                  <a:tcPr>
+                    <a:solidFill>
+                      <a:schemeClr val="accent6">
+                        <a:lumMod val="75000"/>
+                      </a:schemeClr>
+                    </a:solidFill>
+                  </a:tcPr>
+                </a:tc>
+                <a:tc>
+                  <a:txBody>
+                    <a:bodyPr/>
+                    <a:lstStyle/>
+                    <a:p>
+                      <a:pPr algn="ctr" latinLnBrk="1"/>
+                      <a:endParaRPr lang="ko-KR" altLang="en-US" sz="1600" dirty="0">
+                        <a:latin typeface="a고딕13" panose="02020600000000000000" pitchFamily="18" charset="-127"/>
+                        <a:ea typeface="a고딕13" panose="02020600000000000000" pitchFamily="18" charset="-127"/>
+                      </a:endParaRPr>
+                    </a:p>
+                  </a:txBody>
+                  <a:tcPr>
+                    <a:solidFill>
+                      <a:schemeClr val="accent6">
+                        <a:lumMod val="75000"/>
+                      </a:schemeClr>
+                    </a:solidFill>
+                  </a:tcPr>
+                </a:tc>
+                <a:tc>
+                  <a:txBody>
+                    <a:bodyPr/>
+                    <a:lstStyle/>
+                    <a:p>
+                      <a:pPr algn="ctr" latinLnBrk="1"/>
+                      <a:endParaRPr lang="ko-KR" altLang="en-US" sz="1600" dirty="0">
+                        <a:latin typeface="a고딕13" panose="02020600000000000000" pitchFamily="18" charset="-127"/>
+                        <a:ea typeface="a고딕13" panose="02020600000000000000" pitchFamily="18" charset="-127"/>
+                      </a:endParaRPr>
+                    </a:p>
+                  </a:txBody>
+                  <a:tcPr/>
+                </a:tc>
+                <a:tc>
+                  <a:txBody>
+                    <a:bodyPr/>
+                    <a:lstStyle/>
+                    <a:p>
+                      <a:pPr algn="ctr" latinLnBrk="1"/>
+                      <a:endParaRPr lang="ko-KR" altLang="en-US" sz="1600" dirty="0">
+                        <a:latin typeface="a고딕13" panose="02020600000000000000" pitchFamily="18" charset="-127"/>
+                        <a:ea typeface="a고딕13" panose="02020600000000000000" pitchFamily="18" charset="-127"/>
+                      </a:endParaRPr>
+                    </a:p>
+                  </a:txBody>
+                  <a:tcPr/>
+                </a:tc>
+                <a:extLst>
+                  <a:ext uri="{0D108BD9-81ED-4DB2-BD59-A6C34878D82A}">
+                    <a16:rowId xmlns:a16="http://schemas.microsoft.com/office/drawing/2014/main" val="4060591463"/>
+                  </a:ext>
+                </a:extLst>
+              </a:tr>
+              <a:tr h="369801">
+                <a:tc rowSpan="4">
+                  <a:txBody>
+                    <a:bodyPr/>
+                    <a:lstStyle/>
+                    <a:p>
+                      <a:pPr algn="ctr" latinLnBrk="1"/>
+                      <a:r>
+                        <a:rPr lang="ko-KR" altLang="en-US" sz="2000" b="1" dirty="0" err="1">
+                          <a:latin typeface="a고딕13" panose="02020600000000000000" pitchFamily="18" charset="-127"/>
+                          <a:ea typeface="a고딕13" panose="02020600000000000000" pitchFamily="18" charset="-127"/>
+                        </a:rPr>
+                        <a:t>손채영</a:t>
+                      </a:r>
+                      <a:endParaRPr lang="en-US" altLang="ko-KR" sz="2000" b="1" dirty="0">
+                        <a:latin typeface="a고딕13" panose="02020600000000000000" pitchFamily="18" charset="-127"/>
+                        <a:ea typeface="a고딕13" panose="02020600000000000000" pitchFamily="18" charset="-127"/>
+                      </a:endParaRPr>
+                    </a:p>
+                    <a:p>
+                      <a:pPr algn="ctr" latinLnBrk="1"/>
+                      <a:r>
+                        <a:rPr lang="ko-KR" altLang="en-US" sz="2000" b="1" dirty="0">
+                          <a:latin typeface="a고딕13" panose="02020600000000000000" pitchFamily="18" charset="-127"/>
+                          <a:ea typeface="a고딕13" panose="02020600000000000000" pitchFamily="18" charset="-127"/>
+                        </a:rPr>
+                        <a:t> </a:t>
+                      </a:r>
+                      <a:r>
+                        <a:rPr lang="en-US" altLang="ko-KR" sz="2000" b="1" dirty="0">
+                          <a:latin typeface="a고딕13" panose="02020600000000000000" pitchFamily="18" charset="-127"/>
+                          <a:ea typeface="a고딕13" panose="02020600000000000000" pitchFamily="18" charset="-127"/>
+                        </a:rPr>
+                        <a:t>(</a:t>
+                      </a:r>
+                      <a:r>
+                        <a:rPr lang="ko-KR" altLang="en-US" sz="2000" b="1" dirty="0">
+                          <a:latin typeface="a고딕13" panose="02020600000000000000" pitchFamily="18" charset="-127"/>
+                          <a:ea typeface="a고딕13" panose="02020600000000000000" pitchFamily="18" charset="-127"/>
+                        </a:rPr>
+                        <a:t>서버</a:t>
+                      </a:r>
+                      <a:r>
+                        <a:rPr lang="en-US" altLang="ko-KR" sz="2000" b="1" dirty="0">
+                          <a:latin typeface="a고딕13" panose="02020600000000000000" pitchFamily="18" charset="-127"/>
+                          <a:ea typeface="a고딕13" panose="02020600000000000000" pitchFamily="18" charset="-127"/>
+                        </a:rPr>
+                        <a:t>)</a:t>
+                      </a:r>
+                      <a:endParaRPr lang="ko-KR" altLang="en-US" sz="2000" b="1" dirty="0">
+                        <a:latin typeface="a고딕13" panose="02020600000000000000" pitchFamily="18" charset="-127"/>
+                        <a:ea typeface="a고딕13" panose="02020600000000000000" pitchFamily="18" charset="-127"/>
+                      </a:endParaRPr>
+                    </a:p>
+                  </a:txBody>
+                  <a:tcPr anchor="ctr"/>
+                </a:tc>
+                <a:tc>
+                  <a:txBody>
+                    <a:bodyPr/>
+                    <a:lstStyle/>
+                    <a:p>
+                      <a:pPr algn="ctr" latinLnBrk="1"/>
+                      <a:r>
+                        <a:rPr lang="ko-KR" altLang="en-US" sz="1600" dirty="0">
+                          <a:latin typeface="a고딕13" panose="02020600000000000000" pitchFamily="18" charset="-127"/>
+                          <a:ea typeface="a고딕13" panose="02020600000000000000" pitchFamily="18" charset="-127"/>
+                        </a:rPr>
+                        <a:t>서버 프레임워크</a:t>
+                      </a:r>
+                    </a:p>
+                  </a:txBody>
+                  <a:tcPr/>
+                </a:tc>
+                <a:tc>
+                  <a:txBody>
+                    <a:bodyPr/>
+                    <a:lstStyle/>
+                    <a:p>
+                      <a:pPr algn="ctr" latinLnBrk="1"/>
+                      <a:endParaRPr lang="ko-KR" altLang="en-US" sz="1600" dirty="0">
+                        <a:latin typeface="a고딕13" panose="02020600000000000000" pitchFamily="18" charset="-127"/>
+                        <a:ea typeface="a고딕13" panose="02020600000000000000" pitchFamily="18" charset="-127"/>
+                      </a:endParaRPr>
+                    </a:p>
+                  </a:txBody>
+                  <a:tcPr>
+                    <a:solidFill>
+                      <a:srgbClr val="DA5054"/>
+                    </a:solidFill>
+                  </a:tcPr>
+                </a:tc>
+                <a:tc>
+                  <a:txBody>
+                    <a:bodyPr/>
+                    <a:lstStyle/>
+                    <a:p>
+                      <a:pPr algn="ctr" latinLnBrk="1"/>
+                      <a:endParaRPr lang="ko-KR" altLang="en-US" sz="1600" dirty="0">
+                        <a:latin typeface="a고딕13" panose="02020600000000000000" pitchFamily="18" charset="-127"/>
+                        <a:ea typeface="a고딕13" panose="02020600000000000000" pitchFamily="18" charset="-127"/>
+                      </a:endParaRPr>
+                    </a:p>
+                  </a:txBody>
+                  <a:tcPr>
+                    <a:solidFill>
+                      <a:srgbClr val="DA5054"/>
+                    </a:solidFill>
+                  </a:tcPr>
+                </a:tc>
+                <a:tc>
+                  <a:txBody>
+                    <a:bodyPr/>
+                    <a:lstStyle/>
+                    <a:p>
+                      <a:pPr algn="ctr" latinLnBrk="1"/>
+                      <a:endParaRPr lang="ko-KR" altLang="en-US" sz="1600">
+                        <a:latin typeface="a고딕13" panose="02020600000000000000" pitchFamily="18" charset="-127"/>
+                        <a:ea typeface="a고딕13" panose="02020600000000000000" pitchFamily="18" charset="-127"/>
+                      </a:endParaRPr>
+                    </a:p>
+                  </a:txBody>
+                  <a:tcPr/>
+                </a:tc>
+                <a:tc>
+                  <a:txBody>
+                    <a:bodyPr/>
+                    <a:lstStyle/>
+                    <a:p>
+                      <a:pPr algn="ctr" latinLnBrk="1"/>
+                      <a:endParaRPr lang="ko-KR" altLang="en-US" sz="1600">
+                        <a:latin typeface="a고딕13" panose="02020600000000000000" pitchFamily="18" charset="-127"/>
+                        <a:ea typeface="a고딕13" panose="02020600000000000000" pitchFamily="18" charset="-127"/>
+                      </a:endParaRPr>
+                    </a:p>
+                  </a:txBody>
+                  <a:tcPr/>
+                </a:tc>
+                <a:tc>
+                  <a:txBody>
+                    <a:bodyPr/>
+                    <a:lstStyle/>
+                    <a:p>
+                      <a:pPr algn="ctr" latinLnBrk="1"/>
+                      <a:endParaRPr lang="ko-KR" altLang="en-US" sz="1600">
+                        <a:latin typeface="a고딕13" panose="02020600000000000000" pitchFamily="18" charset="-127"/>
+                        <a:ea typeface="a고딕13" panose="02020600000000000000" pitchFamily="18" charset="-127"/>
+                      </a:endParaRPr>
+                    </a:p>
+                  </a:txBody>
+                  <a:tcPr/>
+                </a:tc>
+                <a:tc>
+                  <a:txBody>
+                    <a:bodyPr/>
+                    <a:lstStyle/>
+                    <a:p>
+                      <a:pPr algn="ctr" latinLnBrk="1"/>
+                      <a:endParaRPr lang="ko-KR" altLang="en-US" sz="1600" dirty="0">
+                        <a:latin typeface="a고딕13" panose="02020600000000000000" pitchFamily="18" charset="-127"/>
+                        <a:ea typeface="a고딕13" panose="02020600000000000000" pitchFamily="18" charset="-127"/>
+                      </a:endParaRPr>
+                    </a:p>
+                  </a:txBody>
+                  <a:tcPr/>
+                </a:tc>
+                <a:tc>
+                  <a:txBody>
+                    <a:bodyPr/>
+                    <a:lstStyle/>
+                    <a:p>
+                      <a:pPr algn="ctr" latinLnBrk="1"/>
+                      <a:endParaRPr lang="ko-KR" altLang="en-US" sz="1600" dirty="0">
+                        <a:latin typeface="a고딕13" panose="02020600000000000000" pitchFamily="18" charset="-127"/>
+                        <a:ea typeface="a고딕13" panose="02020600000000000000" pitchFamily="18" charset="-127"/>
+                      </a:endParaRPr>
+                    </a:p>
+                  </a:txBody>
+                  <a:tcPr/>
+                </a:tc>
+                <a:tc>
+                  <a:txBody>
+                    <a:bodyPr/>
+                    <a:lstStyle/>
+                    <a:p>
+                      <a:pPr algn="ctr" latinLnBrk="1"/>
+                      <a:endParaRPr lang="ko-KR" altLang="en-US" sz="1600" dirty="0">
+                        <a:latin typeface="a고딕13" panose="02020600000000000000" pitchFamily="18" charset="-127"/>
+                        <a:ea typeface="a고딕13" panose="02020600000000000000" pitchFamily="18" charset="-127"/>
+                      </a:endParaRPr>
+                    </a:p>
+                  </a:txBody>
+                  <a:tcPr/>
+                </a:tc>
+                <a:extLst>
+                  <a:ext uri="{0D108BD9-81ED-4DB2-BD59-A6C34878D82A}">
+                    <a16:rowId xmlns:a16="http://schemas.microsoft.com/office/drawing/2014/main" val="3022150999"/>
+                  </a:ext>
+                </a:extLst>
+              </a:tr>
+              <a:tr h="369801">
+                <a:tc vMerge="1">
+                  <a:txBody>
+                    <a:bodyPr/>
+                    <a:lstStyle/>
+                    <a:p>
+                      <a:pPr latinLnBrk="1"/>
+                      <a:endParaRPr lang="ko-KR" altLang="en-US" sz="1050" dirty="0"/>
+                    </a:p>
+                  </a:txBody>
+                  <a:tcPr/>
+                </a:tc>
+                <a:tc>
+                  <a:txBody>
+                    <a:bodyPr/>
+                    <a:lstStyle/>
+                    <a:p>
+                      <a:pPr algn="ctr" latinLnBrk="1"/>
+                      <a:r>
+                        <a:rPr lang="ko-KR" altLang="en-US" sz="1600">
+                          <a:latin typeface="a고딕13" panose="02020600000000000000" pitchFamily="18" charset="-127"/>
+                          <a:ea typeface="a고딕13" panose="02020600000000000000" pitchFamily="18" charset="-127"/>
+                        </a:rPr>
+                        <a:t>통신 처리 및 동기화</a:t>
+                      </a:r>
+                      <a:endParaRPr lang="ko-KR" altLang="en-US" sz="1600" dirty="0">
+                        <a:latin typeface="a고딕13" panose="02020600000000000000" pitchFamily="18" charset="-127"/>
+                        <a:ea typeface="a고딕13" panose="02020600000000000000" pitchFamily="18" charset="-127"/>
+                      </a:endParaRPr>
+                    </a:p>
+                  </a:txBody>
+                  <a:tcPr/>
+                </a:tc>
+                <a:tc>
+                  <a:txBody>
+                    <a:bodyPr/>
+                    <a:lstStyle/>
+                    <a:p>
+                      <a:pPr algn="ctr" latinLnBrk="1"/>
+                      <a:endParaRPr lang="ko-KR" altLang="en-US" sz="1600">
+                        <a:latin typeface="a고딕13" panose="02020600000000000000" pitchFamily="18" charset="-127"/>
+                        <a:ea typeface="a고딕13" panose="02020600000000000000" pitchFamily="18" charset="-127"/>
+                      </a:endParaRPr>
+                    </a:p>
+                  </a:txBody>
+                  <a:tcPr/>
+                </a:tc>
+                <a:tc>
+                  <a:txBody>
+                    <a:bodyPr/>
+                    <a:lstStyle/>
+                    <a:p>
+                      <a:pPr algn="ctr" latinLnBrk="1"/>
+                      <a:endParaRPr lang="ko-KR" altLang="en-US" sz="1600" dirty="0">
+                        <a:latin typeface="a고딕13" panose="02020600000000000000" pitchFamily="18" charset="-127"/>
+                        <a:ea typeface="a고딕13" panose="02020600000000000000" pitchFamily="18" charset="-127"/>
+                      </a:endParaRPr>
+                    </a:p>
+                  </a:txBody>
+                  <a:tcPr>
+                    <a:solidFill>
+                      <a:srgbClr val="DA5054"/>
+                    </a:solidFill>
+                  </a:tcPr>
+                </a:tc>
+                <a:tc>
+                  <a:txBody>
+                    <a:bodyPr/>
+                    <a:lstStyle/>
+                    <a:p>
+                      <a:pPr algn="ctr" latinLnBrk="1"/>
+                      <a:endParaRPr lang="ko-KR" altLang="en-US" sz="1600" dirty="0">
+                        <a:latin typeface="a고딕13" panose="02020600000000000000" pitchFamily="18" charset="-127"/>
+                        <a:ea typeface="a고딕13" panose="02020600000000000000" pitchFamily="18" charset="-127"/>
+                      </a:endParaRPr>
+                    </a:p>
+                  </a:txBody>
+                  <a:tcPr>
+                    <a:solidFill>
+                      <a:srgbClr val="DA5054"/>
+                    </a:solidFill>
+                  </a:tcPr>
+                </a:tc>
+                <a:tc>
+                  <a:txBody>
+                    <a:bodyPr/>
+                    <a:lstStyle/>
+                    <a:p>
+                      <a:pPr algn="ctr" latinLnBrk="1"/>
+                      <a:endParaRPr lang="ko-KR" altLang="en-US" sz="1600" dirty="0">
+                        <a:latin typeface="a고딕13" panose="02020600000000000000" pitchFamily="18" charset="-127"/>
+                        <a:ea typeface="a고딕13" panose="02020600000000000000" pitchFamily="18" charset="-127"/>
+                      </a:endParaRPr>
+                    </a:p>
+                  </a:txBody>
+                  <a:tcPr>
+                    <a:solidFill>
+                      <a:srgbClr val="DA5054"/>
+                    </a:solidFill>
+                  </a:tcPr>
+                </a:tc>
+                <a:tc>
+                  <a:txBody>
+                    <a:bodyPr/>
+                    <a:lstStyle/>
+                    <a:p>
+                      <a:pPr algn="ctr" latinLnBrk="1"/>
+                      <a:endParaRPr lang="ko-KR" altLang="en-US" sz="1600" dirty="0">
+                        <a:latin typeface="a고딕13" panose="02020600000000000000" pitchFamily="18" charset="-127"/>
+                        <a:ea typeface="a고딕13" panose="02020600000000000000" pitchFamily="18" charset="-127"/>
+                      </a:endParaRPr>
+                    </a:p>
+                  </a:txBody>
+                  <a:tcPr>
+                    <a:solidFill>
+                      <a:srgbClr val="DA5054"/>
+                    </a:solidFill>
+                  </a:tcPr>
+                </a:tc>
+                <a:tc>
+                  <a:txBody>
+                    <a:bodyPr/>
+                    <a:lstStyle/>
+                    <a:p>
+                      <a:pPr algn="ctr" latinLnBrk="1"/>
+                      <a:endParaRPr lang="ko-KR" altLang="en-US" sz="1600" dirty="0">
+                        <a:latin typeface="a고딕13" panose="02020600000000000000" pitchFamily="18" charset="-127"/>
+                        <a:ea typeface="a고딕13" panose="02020600000000000000" pitchFamily="18" charset="-127"/>
+                      </a:endParaRPr>
+                    </a:p>
+                  </a:txBody>
+                  <a:tcPr/>
+                </a:tc>
+                <a:tc>
+                  <a:txBody>
+                    <a:bodyPr/>
+                    <a:lstStyle/>
+                    <a:p>
+                      <a:pPr algn="ctr" latinLnBrk="1"/>
+                      <a:endParaRPr lang="ko-KR" altLang="en-US" sz="1600" dirty="0">
+                        <a:latin typeface="a고딕13" panose="02020600000000000000" pitchFamily="18" charset="-127"/>
+                        <a:ea typeface="a고딕13" panose="02020600000000000000" pitchFamily="18" charset="-127"/>
+                      </a:endParaRPr>
+                    </a:p>
+                  </a:txBody>
+                  <a:tcPr/>
+                </a:tc>
+                <a:tc>
+                  <a:txBody>
+                    <a:bodyPr/>
+                    <a:lstStyle/>
+                    <a:p>
+                      <a:pPr algn="ctr" latinLnBrk="1"/>
+                      <a:endParaRPr lang="ko-KR" altLang="en-US" sz="1600" dirty="0">
+                        <a:latin typeface="a고딕13" panose="02020600000000000000" pitchFamily="18" charset="-127"/>
+                        <a:ea typeface="a고딕13" panose="02020600000000000000" pitchFamily="18" charset="-127"/>
+                      </a:endParaRPr>
+                    </a:p>
+                  </a:txBody>
+                  <a:tcPr/>
+                </a:tc>
+                <a:extLst>
+                  <a:ext uri="{0D108BD9-81ED-4DB2-BD59-A6C34878D82A}">
+                    <a16:rowId xmlns:a16="http://schemas.microsoft.com/office/drawing/2014/main" val="2137725558"/>
+                  </a:ext>
+                </a:extLst>
+              </a:tr>
+              <a:tr h="369801">
+                <a:tc vMerge="1">
+                  <a:txBody>
+                    <a:bodyPr/>
+                    <a:lstStyle/>
+                    <a:p>
+                      <a:pPr latinLnBrk="1"/>
+                      <a:endParaRPr lang="ko-KR" altLang="en-US" sz="1050" dirty="0"/>
+                    </a:p>
+                  </a:txBody>
+                  <a:tcPr/>
+                </a:tc>
+                <a:tc>
+                  <a:txBody>
+                    <a:bodyPr/>
+                    <a:lstStyle/>
+                    <a:p>
+                      <a:pPr algn="ctr" latinLnBrk="1"/>
+                      <a:r>
+                        <a:rPr lang="ko-KR" altLang="en-US" sz="1600">
+                          <a:latin typeface="a고딕13" panose="02020600000000000000" pitchFamily="18" charset="-127"/>
+                          <a:ea typeface="a고딕13" panose="02020600000000000000" pitchFamily="18" charset="-127"/>
+                        </a:rPr>
+                        <a:t>랭킹 시스템</a:t>
+                      </a:r>
+                      <a:endParaRPr lang="ko-KR" altLang="en-US" sz="1600" dirty="0">
+                        <a:latin typeface="a고딕13" panose="02020600000000000000" pitchFamily="18" charset="-127"/>
+                        <a:ea typeface="a고딕13" panose="02020600000000000000" pitchFamily="18" charset="-127"/>
+                      </a:endParaRPr>
+                    </a:p>
+                  </a:txBody>
+                  <a:tcPr/>
+                </a:tc>
+                <a:tc>
+                  <a:txBody>
+                    <a:bodyPr/>
+                    <a:lstStyle/>
+                    <a:p>
+                      <a:pPr algn="ctr" latinLnBrk="1"/>
+                      <a:endParaRPr lang="ko-KR" altLang="en-US" sz="1600">
+                        <a:latin typeface="a고딕13" panose="02020600000000000000" pitchFamily="18" charset="-127"/>
+                        <a:ea typeface="a고딕13" panose="02020600000000000000" pitchFamily="18" charset="-127"/>
+                      </a:endParaRPr>
+                    </a:p>
+                  </a:txBody>
+                  <a:tcPr/>
+                </a:tc>
+                <a:tc>
+                  <a:txBody>
+                    <a:bodyPr/>
+                    <a:lstStyle/>
+                    <a:p>
+                      <a:pPr algn="ctr" latinLnBrk="1"/>
+                      <a:endParaRPr lang="ko-KR" altLang="en-US" sz="1600">
+                        <a:latin typeface="a고딕13" panose="02020600000000000000" pitchFamily="18" charset="-127"/>
+                        <a:ea typeface="a고딕13" panose="02020600000000000000" pitchFamily="18" charset="-127"/>
+                      </a:endParaRPr>
+                    </a:p>
+                  </a:txBody>
+                  <a:tcPr/>
+                </a:tc>
+                <a:tc>
+                  <a:txBody>
+                    <a:bodyPr/>
+                    <a:lstStyle/>
+                    <a:p>
+                      <a:pPr algn="ctr" latinLnBrk="1"/>
+                      <a:endParaRPr lang="ko-KR" altLang="en-US" sz="1600" dirty="0">
+                        <a:latin typeface="a고딕13" panose="02020600000000000000" pitchFamily="18" charset="-127"/>
+                        <a:ea typeface="a고딕13" panose="02020600000000000000" pitchFamily="18" charset="-127"/>
+                      </a:endParaRPr>
+                    </a:p>
+                  </a:txBody>
+                  <a:tcPr/>
+                </a:tc>
+                <a:tc>
+                  <a:txBody>
+                    <a:bodyPr/>
+                    <a:lstStyle/>
+                    <a:p>
+                      <a:pPr algn="ctr" latinLnBrk="1"/>
+                      <a:endParaRPr lang="ko-KR" altLang="en-US" sz="1600">
+                        <a:latin typeface="a고딕13" panose="02020600000000000000" pitchFamily="18" charset="-127"/>
+                        <a:ea typeface="a고딕13" panose="02020600000000000000" pitchFamily="18" charset="-127"/>
+                      </a:endParaRPr>
+                    </a:p>
+                  </a:txBody>
+                  <a:tcPr/>
+                </a:tc>
+                <a:tc>
+                  <a:txBody>
+                    <a:bodyPr/>
+                    <a:lstStyle/>
+                    <a:p>
+                      <a:pPr algn="ctr" latinLnBrk="1"/>
+                      <a:endParaRPr lang="ko-KR" altLang="en-US" sz="1600" dirty="0">
+                        <a:latin typeface="a고딕13" panose="02020600000000000000" pitchFamily="18" charset="-127"/>
+                        <a:ea typeface="a고딕13" panose="02020600000000000000" pitchFamily="18" charset="-127"/>
+                      </a:endParaRPr>
+                    </a:p>
+                  </a:txBody>
+                  <a:tcPr>
+                    <a:solidFill>
+                      <a:srgbClr val="DA5054"/>
+                    </a:solidFill>
+                  </a:tcPr>
+                </a:tc>
+                <a:tc>
+                  <a:txBody>
+                    <a:bodyPr/>
+                    <a:lstStyle/>
+                    <a:p>
+                      <a:pPr algn="ctr" latinLnBrk="1"/>
+                      <a:endParaRPr lang="ko-KR" altLang="en-US" sz="1600" dirty="0">
+                        <a:latin typeface="a고딕13" panose="02020600000000000000" pitchFamily="18" charset="-127"/>
+                        <a:ea typeface="a고딕13" panose="02020600000000000000" pitchFamily="18" charset="-127"/>
+                      </a:endParaRPr>
+                    </a:p>
+                  </a:txBody>
+                  <a:tcPr>
+                    <a:solidFill>
+                      <a:srgbClr val="DA5054"/>
+                    </a:solidFill>
+                  </a:tcPr>
+                </a:tc>
+                <a:tc>
+                  <a:txBody>
+                    <a:bodyPr/>
+                    <a:lstStyle/>
+                    <a:p>
+                      <a:pPr algn="ctr" latinLnBrk="1"/>
+                      <a:endParaRPr lang="ko-KR" altLang="en-US" sz="1600" dirty="0">
+                        <a:latin typeface="a고딕13" panose="02020600000000000000" pitchFamily="18" charset="-127"/>
+                        <a:ea typeface="a고딕13" panose="02020600000000000000" pitchFamily="18" charset="-127"/>
+                      </a:endParaRPr>
+                    </a:p>
+                  </a:txBody>
+                  <a:tcPr/>
+                </a:tc>
+                <a:tc>
+                  <a:txBody>
+                    <a:bodyPr/>
+                    <a:lstStyle/>
+                    <a:p>
+                      <a:pPr algn="ctr" latinLnBrk="1"/>
+                      <a:endParaRPr lang="ko-KR" altLang="en-US" sz="1600" dirty="0">
+                        <a:latin typeface="a고딕13" panose="02020600000000000000" pitchFamily="18" charset="-127"/>
+                        <a:ea typeface="a고딕13" panose="02020600000000000000" pitchFamily="18" charset="-127"/>
+                      </a:endParaRPr>
+                    </a:p>
+                  </a:txBody>
+                  <a:tcPr/>
+                </a:tc>
+                <a:extLst>
+                  <a:ext uri="{0D108BD9-81ED-4DB2-BD59-A6C34878D82A}">
+                    <a16:rowId xmlns:a16="http://schemas.microsoft.com/office/drawing/2014/main" val="2470530073"/>
+                  </a:ext>
+                </a:extLst>
+              </a:tr>
+              <a:tr h="369801">
+                <a:tc vMerge="1">
+                  <a:txBody>
+                    <a:bodyPr/>
+                    <a:lstStyle/>
+                    <a:p>
+                      <a:pPr latinLnBrk="1"/>
+                      <a:endParaRPr lang="ko-KR" altLang="en-US" sz="1050" dirty="0"/>
+                    </a:p>
+                  </a:txBody>
+                  <a:tcPr/>
+                </a:tc>
+                <a:tc>
+                  <a:txBody>
+                    <a:bodyPr/>
+                    <a:lstStyle/>
+                    <a:p>
+                      <a:pPr algn="ctr" latinLnBrk="1"/>
+                      <a:r>
+                        <a:rPr lang="ko-KR" altLang="en-US" sz="1600" dirty="0">
+                          <a:latin typeface="a고딕13" panose="02020600000000000000" pitchFamily="18" charset="-127"/>
+                          <a:ea typeface="a고딕13" panose="02020600000000000000" pitchFamily="18" charset="-127"/>
+                        </a:rPr>
+                        <a:t>사운드</a:t>
+                      </a:r>
+                    </a:p>
+                  </a:txBody>
+                  <a:tcPr/>
+                </a:tc>
+                <a:tc>
+                  <a:txBody>
+                    <a:bodyPr/>
+                    <a:lstStyle/>
+                    <a:p>
+                      <a:pPr algn="ctr" latinLnBrk="1"/>
+                      <a:endParaRPr lang="ko-KR" altLang="en-US" sz="1600">
+                        <a:latin typeface="a고딕13" panose="02020600000000000000" pitchFamily="18" charset="-127"/>
+                        <a:ea typeface="a고딕13" panose="02020600000000000000" pitchFamily="18" charset="-127"/>
+                      </a:endParaRPr>
+                    </a:p>
+                  </a:txBody>
+                  <a:tcPr/>
+                </a:tc>
+                <a:tc>
+                  <a:txBody>
+                    <a:bodyPr/>
+                    <a:lstStyle/>
+                    <a:p>
+                      <a:pPr algn="ctr" latinLnBrk="1"/>
+                      <a:endParaRPr lang="ko-KR" altLang="en-US" sz="1600">
+                        <a:latin typeface="a고딕13" panose="02020600000000000000" pitchFamily="18" charset="-127"/>
+                        <a:ea typeface="a고딕13" panose="02020600000000000000" pitchFamily="18" charset="-127"/>
+                      </a:endParaRPr>
+                    </a:p>
+                  </a:txBody>
+                  <a:tcPr/>
+                </a:tc>
+                <a:tc>
+                  <a:txBody>
+                    <a:bodyPr/>
+                    <a:lstStyle/>
+                    <a:p>
+                      <a:pPr algn="ctr" latinLnBrk="1"/>
+                      <a:endParaRPr lang="ko-KR" altLang="en-US" sz="1600">
+                        <a:latin typeface="a고딕13" panose="02020600000000000000" pitchFamily="18" charset="-127"/>
+                        <a:ea typeface="a고딕13" panose="02020600000000000000" pitchFamily="18" charset="-127"/>
+                      </a:endParaRPr>
+                    </a:p>
+                  </a:txBody>
+                  <a:tcPr/>
+                </a:tc>
+                <a:tc>
+                  <a:txBody>
+                    <a:bodyPr/>
+                    <a:lstStyle/>
+                    <a:p>
+                      <a:pPr algn="ctr" latinLnBrk="1"/>
+                      <a:endParaRPr lang="ko-KR" altLang="en-US" sz="1600" dirty="0">
+                        <a:latin typeface="a고딕13" panose="02020600000000000000" pitchFamily="18" charset="-127"/>
+                        <a:ea typeface="a고딕13" panose="02020600000000000000" pitchFamily="18" charset="-127"/>
+                      </a:endParaRPr>
+                    </a:p>
+                  </a:txBody>
+                  <a:tcPr/>
+                </a:tc>
+                <a:tc>
+                  <a:txBody>
+                    <a:bodyPr/>
+                    <a:lstStyle/>
+                    <a:p>
+                      <a:pPr algn="ctr" latinLnBrk="1"/>
+                      <a:endParaRPr lang="ko-KR" altLang="en-US" sz="1600" dirty="0">
+                        <a:latin typeface="a고딕13" panose="02020600000000000000" pitchFamily="18" charset="-127"/>
+                        <a:ea typeface="a고딕13" panose="02020600000000000000" pitchFamily="18" charset="-127"/>
+                      </a:endParaRPr>
+                    </a:p>
+                  </a:txBody>
+                  <a:tcPr/>
+                </a:tc>
+                <a:tc>
+                  <a:txBody>
+                    <a:bodyPr/>
+                    <a:lstStyle/>
+                    <a:p>
+                      <a:pPr algn="ctr" latinLnBrk="1"/>
+                      <a:endParaRPr lang="ko-KR" altLang="en-US" sz="1600" dirty="0">
+                        <a:latin typeface="a고딕13" panose="02020600000000000000" pitchFamily="18" charset="-127"/>
+                        <a:ea typeface="a고딕13" panose="02020600000000000000" pitchFamily="18" charset="-127"/>
+                      </a:endParaRPr>
+                    </a:p>
+                  </a:txBody>
+                  <a:tcPr>
+                    <a:solidFill>
+                      <a:srgbClr val="DA5054"/>
+                    </a:solidFill>
+                  </a:tcPr>
+                </a:tc>
+                <a:tc>
+                  <a:txBody>
+                    <a:bodyPr/>
+                    <a:lstStyle/>
+                    <a:p>
+                      <a:pPr algn="ctr" latinLnBrk="1"/>
+                      <a:endParaRPr lang="ko-KR" altLang="en-US" sz="1600" dirty="0">
+                        <a:latin typeface="a고딕13" panose="02020600000000000000" pitchFamily="18" charset="-127"/>
+                        <a:ea typeface="a고딕13" panose="02020600000000000000" pitchFamily="18" charset="-127"/>
+                      </a:endParaRPr>
+                    </a:p>
+                  </a:txBody>
+                  <a:tcPr/>
+                </a:tc>
+                <a:tc>
+                  <a:txBody>
+                    <a:bodyPr/>
+                    <a:lstStyle/>
+                    <a:p>
+                      <a:pPr algn="ctr" latinLnBrk="1"/>
+                      <a:endParaRPr lang="ko-KR" altLang="en-US" sz="1600" dirty="0">
+                        <a:latin typeface="a고딕13" panose="02020600000000000000" pitchFamily="18" charset="-127"/>
+                        <a:ea typeface="a고딕13" panose="02020600000000000000" pitchFamily="18" charset="-127"/>
+                      </a:endParaRPr>
+                    </a:p>
+                  </a:txBody>
+                  <a:tcPr/>
+                </a:tc>
+                <a:extLst>
+                  <a:ext uri="{0D108BD9-81ED-4DB2-BD59-A6C34878D82A}">
+                    <a16:rowId xmlns:a16="http://schemas.microsoft.com/office/drawing/2014/main" val="1127704041"/>
+                  </a:ext>
+                </a:extLst>
+              </a:tr>
+              <a:tr h="392913">
+                <a:tc>
+                  <a:txBody>
+                    <a:bodyPr/>
+                    <a:lstStyle/>
+                    <a:p>
+                      <a:pPr algn="ctr" latinLnBrk="1"/>
+                      <a:r>
+                        <a:rPr lang="ko-KR" altLang="en-US" sz="2000" b="1" dirty="0">
+                          <a:latin typeface="a고딕13" panose="02020600000000000000" pitchFamily="18" charset="-127"/>
+                          <a:ea typeface="a고딕13" panose="02020600000000000000" pitchFamily="18" charset="-127"/>
+                        </a:rPr>
+                        <a:t>공통</a:t>
+                      </a:r>
+                    </a:p>
+                  </a:txBody>
+                  <a:tcPr anchor="ctr"/>
+                </a:tc>
+                <a:tc>
+                  <a:txBody>
+                    <a:bodyPr/>
+                    <a:lstStyle/>
+                    <a:p>
+                      <a:pPr algn="ctr" latinLnBrk="1"/>
+                      <a:r>
+                        <a:rPr lang="ko-KR" altLang="en-US" sz="1600" dirty="0">
+                          <a:latin typeface="a고딕13" panose="02020600000000000000" pitchFamily="18" charset="-127"/>
+                          <a:ea typeface="a고딕13" panose="02020600000000000000" pitchFamily="18" charset="-127"/>
+                        </a:rPr>
+                        <a:t>최적화 및 디버깅</a:t>
+                      </a:r>
+                    </a:p>
+                  </a:txBody>
+                  <a:tcPr/>
+                </a:tc>
+                <a:tc>
+                  <a:txBody>
+                    <a:bodyPr/>
+                    <a:lstStyle/>
+                    <a:p>
+                      <a:pPr algn="ctr" latinLnBrk="1"/>
+                      <a:endParaRPr lang="ko-KR" altLang="en-US" sz="1600" dirty="0">
+                        <a:latin typeface="a고딕13" panose="02020600000000000000" pitchFamily="18" charset="-127"/>
+                        <a:ea typeface="a고딕13" panose="02020600000000000000" pitchFamily="18" charset="-127"/>
+                      </a:endParaRPr>
+                    </a:p>
+                  </a:txBody>
+                  <a:tcPr/>
+                </a:tc>
+                <a:tc>
+                  <a:txBody>
+                    <a:bodyPr/>
+                    <a:lstStyle/>
+                    <a:p>
+                      <a:pPr algn="ctr" latinLnBrk="1"/>
+                      <a:endParaRPr lang="ko-KR" altLang="en-US" sz="1600" dirty="0">
+                        <a:latin typeface="a고딕13" panose="02020600000000000000" pitchFamily="18" charset="-127"/>
+                        <a:ea typeface="a고딕13" panose="02020600000000000000" pitchFamily="18" charset="-127"/>
+                      </a:endParaRPr>
+                    </a:p>
+                  </a:txBody>
+                  <a:tcPr/>
+                </a:tc>
+                <a:tc>
+                  <a:txBody>
+                    <a:bodyPr/>
+                    <a:lstStyle/>
+                    <a:p>
+                      <a:pPr algn="ctr" latinLnBrk="1"/>
+                      <a:endParaRPr lang="ko-KR" altLang="en-US" sz="1600" dirty="0">
+                        <a:latin typeface="a고딕13" panose="02020600000000000000" pitchFamily="18" charset="-127"/>
+                        <a:ea typeface="a고딕13" panose="02020600000000000000" pitchFamily="18" charset="-127"/>
+                      </a:endParaRPr>
+                    </a:p>
+                  </a:txBody>
+                  <a:tcPr/>
+                </a:tc>
+                <a:tc>
+                  <a:txBody>
+                    <a:bodyPr/>
+                    <a:lstStyle/>
+                    <a:p>
+                      <a:pPr algn="ctr" latinLnBrk="1"/>
+                      <a:endParaRPr lang="ko-KR" altLang="en-US" sz="1600" dirty="0">
+                        <a:latin typeface="a고딕13" panose="02020600000000000000" pitchFamily="18" charset="-127"/>
+                        <a:ea typeface="a고딕13" panose="02020600000000000000" pitchFamily="18" charset="-127"/>
+                      </a:endParaRPr>
+                    </a:p>
+                  </a:txBody>
+                  <a:tcPr/>
+                </a:tc>
+                <a:tc>
+                  <a:txBody>
+                    <a:bodyPr/>
+                    <a:lstStyle/>
+                    <a:p>
+                      <a:pPr algn="ctr" latinLnBrk="1"/>
+                      <a:endParaRPr lang="ko-KR" altLang="en-US" sz="1600" dirty="0">
+                        <a:latin typeface="a고딕13" panose="02020600000000000000" pitchFamily="18" charset="-127"/>
+                        <a:ea typeface="a고딕13" panose="02020600000000000000" pitchFamily="18" charset="-127"/>
+                      </a:endParaRPr>
+                    </a:p>
+                  </a:txBody>
+                  <a:tcPr/>
+                </a:tc>
+                <a:tc>
+                  <a:txBody>
+                    <a:bodyPr/>
+                    <a:lstStyle/>
+                    <a:p>
+                      <a:pPr algn="ctr" latinLnBrk="1"/>
+                      <a:endParaRPr lang="ko-KR" altLang="en-US" sz="1600" dirty="0">
+                        <a:latin typeface="a고딕13" panose="02020600000000000000" pitchFamily="18" charset="-127"/>
+                        <a:ea typeface="a고딕13" panose="02020600000000000000" pitchFamily="18" charset="-127"/>
+                      </a:endParaRPr>
+                    </a:p>
+                  </a:txBody>
+                  <a:tcPr>
+                    <a:solidFill>
+                      <a:schemeClr val="bg1"/>
+                    </a:solidFill>
+                  </a:tcPr>
+                </a:tc>
+                <a:tc>
+                  <a:txBody>
+                    <a:bodyPr/>
+                    <a:lstStyle/>
+                    <a:p>
+                      <a:pPr algn="ctr" latinLnBrk="1"/>
+                      <a:endParaRPr lang="ko-KR" altLang="en-US" sz="1600" dirty="0">
+                        <a:latin typeface="a고딕13" panose="02020600000000000000" pitchFamily="18" charset="-127"/>
+                        <a:ea typeface="a고딕13" panose="02020600000000000000" pitchFamily="18" charset="-127"/>
+                      </a:endParaRPr>
+                    </a:p>
+                  </a:txBody>
+                  <a:tcPr>
+                    <a:solidFill>
+                      <a:schemeClr val="accent3">
+                        <a:lumMod val="75000"/>
+                      </a:schemeClr>
+                    </a:solidFill>
+                  </a:tcPr>
+                </a:tc>
+                <a:tc>
+                  <a:txBody>
+                    <a:bodyPr/>
+                    <a:lstStyle/>
+                    <a:p>
+                      <a:pPr algn="ctr" latinLnBrk="1"/>
+                      <a:endParaRPr lang="ko-KR" altLang="en-US" sz="1600" dirty="0">
+                        <a:latin typeface="a고딕13" panose="02020600000000000000" pitchFamily="18" charset="-127"/>
+                        <a:ea typeface="a고딕13" panose="02020600000000000000" pitchFamily="18" charset="-127"/>
+                      </a:endParaRPr>
+                    </a:p>
+                  </a:txBody>
+                  <a:tcPr>
+                    <a:solidFill>
+                      <a:schemeClr val="accent3">
+                        <a:lumMod val="75000"/>
+                      </a:schemeClr>
+                    </a:solidFill>
+                  </a:tcPr>
+                </a:tc>
+                <a:extLst>
+                  <a:ext uri="{0D108BD9-81ED-4DB2-BD59-A6C34878D82A}">
+                    <a16:rowId xmlns:a16="http://schemas.microsoft.com/office/drawing/2014/main" val="822208437"/>
+                  </a:ext>
+                </a:extLst>
+              </a:tr>
+            </a:tbl>
+          </a:graphicData>
+        </a:graphic>
+      </p:graphicFrame>
       <p:sp>
         <p:nvSpPr>
-          <p:cNvPr id="26" name="Object 26"/>
+          <p:cNvPr id="11" name="직사각형 10">
+            <a:extLst>
+              <a:ext uri="{FF2B5EF4-FFF2-40B4-BE49-F238E27FC236}">
+                <a16:creationId xmlns:a16="http://schemas.microsoft.com/office/drawing/2014/main" id="{41FFC59D-3B32-4CDF-8CB3-A8EEFF920E80}"/>
+              </a:ext>
+            </a:extLst>
+          </p:cNvPr>
+          <p:cNvSpPr/>
+          <p:nvPr/>
+        </p:nvSpPr>
+        <p:spPr>
+          <a:xfrm>
+            <a:off x="6696022" y="7658100"/>
+            <a:ext cx="5486400" cy="1859297"/>
+          </a:xfrm>
+          <a:prstGeom prst="rect">
+            <a:avLst/>
+          </a:prstGeom>
+          <a:solidFill>
+            <a:srgbClr val="000000">
+              <a:alpha val="20000"/>
+            </a:srgbClr>
+          </a:solidFill>
+          <a:ln>
+            <a:solidFill>
+              <a:schemeClr val="tx1"/>
+            </a:solidFill>
+          </a:ln>
+        </p:spPr>
+        <p:style>
+          <a:lnRef idx="2">
+            <a:schemeClr val="accent1">
+              <a:shade val="50000"/>
+            </a:schemeClr>
+          </a:lnRef>
+          <a:fillRef idx="1">
+            <a:schemeClr val="accent1"/>
+          </a:fillRef>
+          <a:effectRef idx="0">
+            <a:schemeClr val="accent1"/>
+          </a:effectRef>
+          <a:fontRef idx="minor">
+            <a:schemeClr val="lt1"/>
+          </a:fontRef>
+        </p:style>
+        <p:txBody>
+          <a:bodyPr rtlCol="0" anchor="ctr"/>
+          <a:lstStyle/>
+          <a:p>
+            <a:pPr algn="ctr"/>
+            <a:endParaRPr lang="ko-KR" altLang="en-US"/>
+          </a:p>
+        </p:txBody>
+      </p:sp>
+      <p:sp>
+        <p:nvSpPr>
+          <p:cNvPr id="13" name="직사각형 12">
+            <a:extLst>
+              <a:ext uri="{FF2B5EF4-FFF2-40B4-BE49-F238E27FC236}">
+                <a16:creationId xmlns:a16="http://schemas.microsoft.com/office/drawing/2014/main" id="{55270EBF-328A-4713-85EE-C7BC49A3155D}"/>
+              </a:ext>
+            </a:extLst>
+          </p:cNvPr>
+          <p:cNvSpPr/>
+          <p:nvPr/>
+        </p:nvSpPr>
+        <p:spPr>
+          <a:xfrm>
+            <a:off x="6705600" y="5417803"/>
+            <a:ext cx="4114800" cy="2240297"/>
+          </a:xfrm>
+          <a:prstGeom prst="rect">
+            <a:avLst/>
+          </a:prstGeom>
+          <a:solidFill>
+            <a:srgbClr val="000000">
+              <a:alpha val="20000"/>
+            </a:srgbClr>
+          </a:solidFill>
+          <a:ln>
+            <a:solidFill>
+              <a:schemeClr val="tx1"/>
+            </a:solidFill>
+          </a:ln>
+        </p:spPr>
+        <p:style>
+          <a:lnRef idx="2">
+            <a:schemeClr val="accent1">
+              <a:shade val="50000"/>
+            </a:schemeClr>
+          </a:lnRef>
+          <a:fillRef idx="1">
+            <a:schemeClr val="accent1"/>
+          </a:fillRef>
+          <a:effectRef idx="0">
+            <a:schemeClr val="accent1"/>
+          </a:effectRef>
+          <a:fontRef idx="minor">
+            <a:schemeClr val="lt1"/>
+          </a:fontRef>
+        </p:style>
+        <p:txBody>
+          <a:bodyPr rtlCol="0" anchor="ctr"/>
+          <a:lstStyle/>
+          <a:p>
+            <a:pPr algn="ctr"/>
+            <a:endParaRPr lang="ko-KR" altLang="en-US"/>
+          </a:p>
+        </p:txBody>
+      </p:sp>
+      <p:sp>
+        <p:nvSpPr>
+          <p:cNvPr id="14" name="직사각형 13">
+            <a:extLst>
+              <a:ext uri="{FF2B5EF4-FFF2-40B4-BE49-F238E27FC236}">
+                <a16:creationId xmlns:a16="http://schemas.microsoft.com/office/drawing/2014/main" id="{F9C36219-8FB2-4099-832A-F194949E6173}"/>
+              </a:ext>
+            </a:extLst>
+          </p:cNvPr>
+          <p:cNvSpPr/>
+          <p:nvPr/>
+        </p:nvSpPr>
+        <p:spPr>
+          <a:xfrm>
+            <a:off x="6738937" y="3325178"/>
+            <a:ext cx="4081463" cy="2092625"/>
+          </a:xfrm>
+          <a:prstGeom prst="rect">
+            <a:avLst/>
+          </a:prstGeom>
+          <a:solidFill>
+            <a:srgbClr val="000000">
+              <a:alpha val="20000"/>
+            </a:srgbClr>
+          </a:solidFill>
+          <a:ln>
+            <a:solidFill>
+              <a:schemeClr val="tx1"/>
+            </a:solidFill>
+          </a:ln>
+        </p:spPr>
+        <p:style>
+          <a:lnRef idx="2">
+            <a:schemeClr val="accent1">
+              <a:shade val="50000"/>
+            </a:schemeClr>
+          </a:lnRef>
+          <a:fillRef idx="1">
+            <a:schemeClr val="accent1"/>
+          </a:fillRef>
+          <a:effectRef idx="0">
+            <a:schemeClr val="accent1"/>
+          </a:effectRef>
+          <a:fontRef idx="minor">
+            <a:schemeClr val="lt1"/>
+          </a:fontRef>
+        </p:style>
+        <p:txBody>
+          <a:bodyPr rtlCol="0" anchor="ctr"/>
+          <a:lstStyle/>
+          <a:p>
+            <a:pPr algn="ctr"/>
+            <a:endParaRPr lang="ko-KR" altLang="en-US"/>
+          </a:p>
+        </p:txBody>
+      </p:sp>
+      <p:sp>
+        <p:nvSpPr>
+          <p:cNvPr id="16" name="직사각형 15">
+            <a:extLst>
+              <a:ext uri="{FF2B5EF4-FFF2-40B4-BE49-F238E27FC236}">
+                <a16:creationId xmlns:a16="http://schemas.microsoft.com/office/drawing/2014/main" id="{07CE285D-A734-435E-8F01-A181912AA76A}"/>
+              </a:ext>
+            </a:extLst>
+          </p:cNvPr>
+          <p:cNvSpPr/>
+          <p:nvPr/>
+        </p:nvSpPr>
+        <p:spPr>
+          <a:xfrm>
+            <a:off x="10820400" y="3333747"/>
+            <a:ext cx="6772224" cy="6183649"/>
+          </a:xfrm>
+          <a:prstGeom prst="rect">
+            <a:avLst/>
+          </a:prstGeom>
+          <a:solidFill>
+            <a:srgbClr val="FFFF00">
+              <a:alpha val="20000"/>
+            </a:srgbClr>
+          </a:solidFill>
+          <a:ln>
+            <a:solidFill>
+              <a:schemeClr val="tx1"/>
+            </a:solidFill>
+          </a:ln>
+        </p:spPr>
+        <p:style>
+          <a:lnRef idx="2">
+            <a:schemeClr val="accent1">
+              <a:shade val="50000"/>
+            </a:schemeClr>
+          </a:lnRef>
+          <a:fillRef idx="1">
+            <a:schemeClr val="accent1"/>
+          </a:fillRef>
+          <a:effectRef idx="0">
+            <a:schemeClr val="accent1"/>
+          </a:effectRef>
+          <a:fontRef idx="minor">
+            <a:schemeClr val="lt1"/>
+          </a:fontRef>
+        </p:style>
+        <p:txBody>
+          <a:bodyPr rtlCol="0" anchor="ctr"/>
+          <a:lstStyle/>
+          <a:p>
+            <a:pPr algn="ctr"/>
+            <a:endParaRPr lang="ko-KR" altLang="en-US"/>
+          </a:p>
+        </p:txBody>
+      </p:sp>
+      <p:sp>
+        <p:nvSpPr>
+          <p:cNvPr id="17" name="직사각형 16">
+            <a:extLst>
+              <a:ext uri="{FF2B5EF4-FFF2-40B4-BE49-F238E27FC236}">
+                <a16:creationId xmlns:a16="http://schemas.microsoft.com/office/drawing/2014/main" id="{3630B5FA-D169-40B3-A607-DE22AD834D7C}"/>
+              </a:ext>
+            </a:extLst>
+          </p:cNvPr>
+          <p:cNvSpPr/>
+          <p:nvPr/>
+        </p:nvSpPr>
+        <p:spPr>
+          <a:xfrm>
+            <a:off x="10287000" y="1758906"/>
+            <a:ext cx="1285824" cy="420065"/>
+          </a:xfrm>
+          <a:prstGeom prst="rect">
+            <a:avLst/>
+          </a:prstGeom>
+          <a:solidFill>
+            <a:srgbClr val="FFFF00">
+              <a:alpha val="20000"/>
+            </a:srgbClr>
+          </a:solidFill>
+          <a:ln>
+            <a:solidFill>
+              <a:schemeClr val="tx1"/>
+            </a:solidFill>
+          </a:ln>
+        </p:spPr>
+        <p:style>
+          <a:lnRef idx="2">
+            <a:schemeClr val="accent1">
+              <a:shade val="50000"/>
+            </a:schemeClr>
+          </a:lnRef>
+          <a:fillRef idx="1">
+            <a:schemeClr val="accent1"/>
+          </a:fillRef>
+          <a:effectRef idx="0">
+            <a:schemeClr val="accent1"/>
+          </a:effectRef>
+          <a:fontRef idx="minor">
+            <a:schemeClr val="lt1"/>
+          </a:fontRef>
+        </p:style>
+        <p:txBody>
+          <a:bodyPr rtlCol="0" anchor="ctr"/>
+          <a:lstStyle/>
+          <a:p>
+            <a:pPr algn="ctr"/>
+            <a:endParaRPr lang="ko-KR" altLang="en-US"/>
+          </a:p>
+        </p:txBody>
+      </p:sp>
+      <p:sp>
+        <p:nvSpPr>
+          <p:cNvPr id="19" name="직사각형 18">
+            <a:extLst>
+              <a:ext uri="{FF2B5EF4-FFF2-40B4-BE49-F238E27FC236}">
+                <a16:creationId xmlns:a16="http://schemas.microsoft.com/office/drawing/2014/main" id="{90E0EAE3-23BB-4183-964D-9A1CFCD65981}"/>
+              </a:ext>
+            </a:extLst>
+          </p:cNvPr>
+          <p:cNvSpPr/>
+          <p:nvPr/>
+        </p:nvSpPr>
+        <p:spPr>
+          <a:xfrm>
+            <a:off x="10287000" y="1198558"/>
+            <a:ext cx="1243013" cy="414116"/>
+          </a:xfrm>
+          <a:prstGeom prst="rect">
+            <a:avLst/>
+          </a:prstGeom>
+          <a:solidFill>
+            <a:srgbClr val="000000">
+              <a:alpha val="20000"/>
+            </a:srgbClr>
+          </a:solidFill>
+          <a:ln>
+            <a:solidFill>
+              <a:schemeClr val="tx1"/>
+            </a:solidFill>
+          </a:ln>
+        </p:spPr>
+        <p:style>
+          <a:lnRef idx="2">
+            <a:schemeClr val="accent1">
+              <a:shade val="50000"/>
+            </a:schemeClr>
+          </a:lnRef>
+          <a:fillRef idx="1">
+            <a:schemeClr val="accent1"/>
+          </a:fillRef>
+          <a:effectRef idx="0">
+            <a:schemeClr val="accent1"/>
+          </a:effectRef>
+          <a:fontRef idx="minor">
+            <a:schemeClr val="lt1"/>
+          </a:fontRef>
+        </p:style>
+        <p:txBody>
+          <a:bodyPr rtlCol="0" anchor="ctr"/>
+          <a:lstStyle/>
+          <a:p>
+            <a:pPr algn="ctr"/>
+            <a:endParaRPr lang="ko-KR" altLang="en-US"/>
+          </a:p>
+        </p:txBody>
+      </p:sp>
+      <p:sp>
+        <p:nvSpPr>
+          <p:cNvPr id="2" name="TextBox 1">
+            <a:extLst>
+              <a:ext uri="{FF2B5EF4-FFF2-40B4-BE49-F238E27FC236}">
+                <a16:creationId xmlns:a16="http://schemas.microsoft.com/office/drawing/2014/main" id="{A92CCDA3-2CAD-4210-B9AA-795E9E2F9BE0}"/>
+              </a:ext>
+            </a:extLst>
+          </p:cNvPr>
           <p:cNvSpPr txBox="1"/>
           <p:nvPr/>
         </p:nvSpPr>
         <p:spPr>
           <a:xfrm>
-            <a:off x="12905156" y="3741648"/>
-            <a:ext cx="4278400" cy="1047442"/>
+            <a:off x="11658600" y="1192768"/>
+            <a:ext cx="4038600" cy="369332"/>
           </a:xfrm>
           <a:prstGeom prst="rect">
             <a:avLst/>
@@ -6845,52 +9896,44 @@
           <a:noFill/>
         </p:spPr>
         <p:txBody>
-          <a:bodyPr wrap="square" rtlCol="0"/>
+          <a:bodyPr wrap="square" rtlCol="0">
+            <a:spAutoFit/>
+          </a:bodyPr>
           <a:lstStyle/>
           <a:p>
-            <a:pPr algn="just"/>
-            <a:r>
-              <a:rPr lang="en-US" sz="2200" kern="0" spc="-200" dirty="0">
-                <a:solidFill>
-                  <a:srgbClr val="FFFFFF"/>
-                </a:solidFill>
-                <a:latin typeface="a뉴굴림1" panose="02020600000000000000" pitchFamily="18" charset="-127"/>
-                <a:ea typeface="a뉴굴림1" panose="02020600000000000000" pitchFamily="18" charset="-127"/>
-                <a:cs typeface="에스코어 드림 4" pitchFamily="34" charset="0"/>
-              </a:rPr>
-              <a:t>이곳에 텍스트를 입력해주세요. 내</a:t>
-            </a:r>
-          </a:p>
-          <a:p>
-            <a:pPr algn="just"/>
-            <a:r>
-              <a:rPr lang="en-US" sz="2200" kern="0" spc="-200" dirty="0">
-                <a:solidFill>
-                  <a:srgbClr val="FFFFFF"/>
-                </a:solidFill>
-                <a:latin typeface="a뉴굴림1" panose="02020600000000000000" pitchFamily="18" charset="-127"/>
-                <a:ea typeface="a뉴굴림1" panose="02020600000000000000" pitchFamily="18" charset="-127"/>
-                <a:cs typeface="에스코어 드림 4" pitchFamily="34" charset="0"/>
-              </a:rPr>
-              <a:t>용을 이곳에 입력하여 주세요. </a:t>
-            </a:r>
-            <a:endParaRPr lang="en-US" dirty="0">
-              <a:latin typeface="a뉴굴림1" panose="02020600000000000000" pitchFamily="18" charset="-127"/>
-              <a:ea typeface="a뉴굴림1" panose="02020600000000000000" pitchFamily="18" charset="-127"/>
-            </a:endParaRPr>
+            <a:r>
+              <a:rPr lang="en-US" altLang="ko-KR" dirty="0">
+                <a:latin typeface="a타이틀고딕2" panose="02020600000000000000" pitchFamily="18" charset="-127"/>
+                <a:ea typeface="a타이틀고딕2" panose="02020600000000000000" pitchFamily="18" charset="-127"/>
+              </a:rPr>
+              <a:t>: </a:t>
+            </a:r>
+            <a:r>
+              <a:rPr lang="ko-KR" altLang="en-US" dirty="0">
+                <a:latin typeface="a타이틀고딕2" panose="02020600000000000000" pitchFamily="18" charset="-127"/>
+                <a:ea typeface="a타이틀고딕2" panose="02020600000000000000" pitchFamily="18" charset="-127"/>
+              </a:rPr>
+              <a:t>완료 및 진행 중 </a:t>
+            </a:r>
           </a:p>
         </p:txBody>
       </p:sp>
       <p:sp>
         <p:nvSpPr>
-          <p:cNvPr id="27" name="Object 27"/>
+          <p:cNvPr id="20" name="TextBox 19">
+            <a:extLst>
+              <a:ext uri="{FF2B5EF4-FFF2-40B4-BE49-F238E27FC236}">
+                <a16:creationId xmlns:a16="http://schemas.microsoft.com/office/drawing/2014/main" id="{0BCE126D-E98D-4014-8211-FB67F009662C}"/>
+              </a:ext>
+            </a:extLst>
+          </p:cNvPr>
           <p:cNvSpPr txBox="1"/>
           <p:nvPr/>
         </p:nvSpPr>
         <p:spPr>
           <a:xfrm>
-            <a:off x="12771041" y="4906743"/>
-            <a:ext cx="4278400" cy="2216422"/>
+            <a:off x="11658600" y="1714500"/>
+            <a:ext cx="4038600" cy="369332"/>
           </a:xfrm>
           <a:prstGeom prst="rect">
             <a:avLst/>
@@ -6898,1285 +9941,32 @@
           <a:noFill/>
         </p:spPr>
         <p:txBody>
-          <a:bodyPr wrap="square" rtlCol="0"/>
+          <a:bodyPr wrap="square" rtlCol="0">
+            <a:spAutoFit/>
+          </a:bodyPr>
           <a:lstStyle/>
           <a:p>
-            <a:pPr algn="just"/>
-            <a:r>
-              <a:rPr lang="en-US" sz="2200" kern="0" spc="-200" dirty="0">
-                <a:solidFill>
-                  <a:srgbClr val="FFFFFF"/>
-                </a:solidFill>
-                <a:latin typeface="a뉴굴림1" panose="02020600000000000000" pitchFamily="18" charset="-127"/>
-                <a:ea typeface="a뉴굴림1" panose="02020600000000000000" pitchFamily="18" charset="-127"/>
-                <a:cs typeface="에스코어 드림 4" pitchFamily="34" charset="0"/>
-              </a:rPr>
-              <a:t>이곳에 텍스트를 입력해주세요. 내</a:t>
-            </a:r>
-          </a:p>
-          <a:p>
-            <a:pPr algn="just"/>
-            <a:r>
-              <a:rPr lang="en-US" sz="2200" kern="0" spc="-200" dirty="0">
-                <a:solidFill>
-                  <a:srgbClr val="FFFFFF"/>
-                </a:solidFill>
-                <a:latin typeface="a뉴굴림1" panose="02020600000000000000" pitchFamily="18" charset="-127"/>
-                <a:ea typeface="a뉴굴림1" panose="02020600000000000000" pitchFamily="18" charset="-127"/>
-                <a:cs typeface="에스코어 드림 4" pitchFamily="34" charset="0"/>
-              </a:rPr>
-              <a:t>용을 이곳에 입력하여 주세요. 이곳</a:t>
-            </a:r>
-          </a:p>
-          <a:p>
-            <a:pPr algn="just"/>
-            <a:r>
-              <a:rPr lang="en-US" sz="2200" kern="0" spc="-200" dirty="0">
-                <a:solidFill>
-                  <a:srgbClr val="FFFFFF"/>
-                </a:solidFill>
-                <a:latin typeface="a뉴굴림1" panose="02020600000000000000" pitchFamily="18" charset="-127"/>
-                <a:ea typeface="a뉴굴림1" panose="02020600000000000000" pitchFamily="18" charset="-127"/>
-                <a:cs typeface="에스코어 드림 4" pitchFamily="34" charset="0"/>
-              </a:rPr>
-              <a:t>에 텍스트를 입력해주세요. 내용을 </a:t>
-            </a:r>
-          </a:p>
-          <a:p>
-            <a:pPr algn="just"/>
-            <a:r>
-              <a:rPr lang="en-US" sz="2200" kern="0" spc="-200" dirty="0">
-                <a:solidFill>
-                  <a:srgbClr val="FFFFFF"/>
-                </a:solidFill>
-                <a:latin typeface="a뉴굴림1" panose="02020600000000000000" pitchFamily="18" charset="-127"/>
-                <a:ea typeface="a뉴굴림1" panose="02020600000000000000" pitchFamily="18" charset="-127"/>
-                <a:cs typeface="에스코어 드림 4" pitchFamily="34" charset="0"/>
-              </a:rPr>
-              <a:t>이곳에 입력하여 주세요. </a:t>
-            </a:r>
-            <a:endParaRPr lang="en-US" dirty="0">
-              <a:latin typeface="a뉴굴림1" panose="02020600000000000000" pitchFamily="18" charset="-127"/>
-              <a:ea typeface="a뉴굴림1" panose="02020600000000000000" pitchFamily="18" charset="-127"/>
-            </a:endParaRPr>
-          </a:p>
-        </p:txBody>
-      </p:sp>
-      <p:sp>
-        <p:nvSpPr>
-          <p:cNvPr id="28" name="Object 28"/>
-          <p:cNvSpPr txBox="1"/>
-          <p:nvPr/>
-        </p:nvSpPr>
-        <p:spPr>
-          <a:xfrm>
-            <a:off x="12870420" y="6888532"/>
-            <a:ext cx="4032368" cy="1047442"/>
-          </a:xfrm>
-          <a:prstGeom prst="rect">
-            <a:avLst/>
-          </a:prstGeom>
-          <a:noFill/>
-        </p:spPr>
-        <p:txBody>
-          <a:bodyPr wrap="square" rtlCol="0"/>
-          <a:lstStyle/>
-          <a:p>
-            <a:pPr algn="just"/>
-            <a:r>
-              <a:rPr lang="en-US" sz="2200" kern="0" spc="-200" dirty="0">
-                <a:solidFill>
-                  <a:srgbClr val="FFFFFF"/>
-                </a:solidFill>
-                <a:latin typeface="a뉴굴림1" panose="02020600000000000000" pitchFamily="18" charset="-127"/>
-                <a:ea typeface="a뉴굴림1" panose="02020600000000000000" pitchFamily="18" charset="-127"/>
-                <a:cs typeface="에스코어 드림 4" pitchFamily="34" charset="0"/>
-              </a:rPr>
-              <a:t>이곳에 텍스트를 입력해주세요. </a:t>
-            </a:r>
-          </a:p>
-          <a:p>
-            <a:pPr algn="just"/>
-            <a:r>
-              <a:rPr lang="en-US" sz="2200" kern="0" spc="-200" dirty="0">
-                <a:solidFill>
-                  <a:srgbClr val="FFFFFF"/>
-                </a:solidFill>
-                <a:latin typeface="a뉴굴림1" panose="02020600000000000000" pitchFamily="18" charset="-127"/>
-                <a:ea typeface="a뉴굴림1" panose="02020600000000000000" pitchFamily="18" charset="-127"/>
-                <a:cs typeface="에스코어 드림 4" pitchFamily="34" charset="0"/>
-              </a:rPr>
-              <a:t>내용을 이곳에 입력하여 주세요. </a:t>
-            </a:r>
-            <a:endParaRPr lang="en-US" dirty="0">
-              <a:latin typeface="a뉴굴림1" panose="02020600000000000000" pitchFamily="18" charset="-127"/>
-              <a:ea typeface="a뉴굴림1" panose="02020600000000000000" pitchFamily="18" charset="-127"/>
-            </a:endParaRPr>
-          </a:p>
-        </p:txBody>
-      </p:sp>
-      <p:sp>
-        <p:nvSpPr>
-          <p:cNvPr id="29" name="Object 29"/>
-          <p:cNvSpPr txBox="1"/>
-          <p:nvPr/>
-        </p:nvSpPr>
-        <p:spPr>
-          <a:xfrm>
-            <a:off x="13829472" y="8253039"/>
-            <a:ext cx="2891925" cy="1631932"/>
-          </a:xfrm>
-          <a:prstGeom prst="rect">
-            <a:avLst/>
-          </a:prstGeom>
-          <a:noFill/>
-        </p:spPr>
-        <p:txBody>
-          <a:bodyPr wrap="square" rtlCol="0"/>
-          <a:lstStyle/>
-          <a:p>
-            <a:pPr algn="just"/>
-            <a:r>
-              <a:rPr lang="en-US" sz="2200" kern="0" spc="-200" dirty="0">
-                <a:solidFill>
-                  <a:srgbClr val="FFFFFF"/>
-                </a:solidFill>
-                <a:latin typeface="a뉴굴림1" panose="02020600000000000000" pitchFamily="18" charset="-127"/>
-                <a:ea typeface="a뉴굴림1" panose="02020600000000000000" pitchFamily="18" charset="-127"/>
-                <a:cs typeface="에스코어 드림 4" pitchFamily="34" charset="0"/>
-              </a:rPr>
-              <a:t>이곳에 텍스트를 입력</a:t>
-            </a:r>
-          </a:p>
-          <a:p>
-            <a:pPr algn="just"/>
-            <a:r>
-              <a:rPr lang="en-US" sz="2200" kern="0" spc="-200" dirty="0">
-                <a:solidFill>
-                  <a:srgbClr val="FFFFFF"/>
-                </a:solidFill>
-                <a:latin typeface="a뉴굴림1" panose="02020600000000000000" pitchFamily="18" charset="-127"/>
-                <a:ea typeface="a뉴굴림1" panose="02020600000000000000" pitchFamily="18" charset="-127"/>
-                <a:cs typeface="에스코어 드림 4" pitchFamily="34" charset="0"/>
-              </a:rPr>
-              <a:t>해주세요. 내용을 이곳</a:t>
-            </a:r>
-          </a:p>
-          <a:p>
-            <a:pPr algn="just"/>
-            <a:r>
-              <a:rPr lang="en-US" sz="2200" kern="0" spc="-200" dirty="0">
-                <a:solidFill>
-                  <a:srgbClr val="FFFFFF"/>
-                </a:solidFill>
-                <a:latin typeface="a뉴굴림1" panose="02020600000000000000" pitchFamily="18" charset="-127"/>
-                <a:ea typeface="a뉴굴림1" panose="02020600000000000000" pitchFamily="18" charset="-127"/>
-                <a:cs typeface="에스코어 드림 4" pitchFamily="34" charset="0"/>
-              </a:rPr>
-              <a:t>에 입력하여 주세요. </a:t>
-            </a:r>
-            <a:endParaRPr lang="en-US" dirty="0">
-              <a:latin typeface="a뉴굴림1" panose="02020600000000000000" pitchFamily="18" charset="-127"/>
-              <a:ea typeface="a뉴굴림1" panose="02020600000000000000" pitchFamily="18" charset="-127"/>
-            </a:endParaRPr>
-          </a:p>
-        </p:txBody>
-      </p:sp>
-      <p:grpSp>
-        <p:nvGrpSpPr>
-          <p:cNvPr id="1006" name="그룹 1006"/>
-          <p:cNvGrpSpPr/>
-          <p:nvPr/>
-        </p:nvGrpSpPr>
-        <p:grpSpPr>
-          <a:xfrm>
-            <a:off x="5600579" y="6720000"/>
-            <a:ext cx="6330849" cy="2266572"/>
-            <a:chOff x="5600579" y="6720000"/>
-            <a:chExt cx="6330849" cy="2266572"/>
-          </a:xfrm>
-        </p:grpSpPr>
-        <p:pic>
-          <p:nvPicPr>
-            <p:cNvPr id="31" name="Object 30"/>
-            <p:cNvPicPr>
-              <a:picLocks noChangeAspect="1"/>
-            </p:cNvPicPr>
-            <p:nvPr/>
-          </p:nvPicPr>
-          <p:blipFill>
-            <a:blip r:embed="rId7" cstate="print"/>
-            <a:stretch>
-              <a:fillRect/>
-            </a:stretch>
-          </p:blipFill>
-          <p:spPr>
-            <a:xfrm>
-              <a:off x="5600579" y="6720000"/>
-              <a:ext cx="6330849" cy="2266572"/>
-            </a:xfrm>
-            <a:prstGeom prst="rect">
-              <a:avLst/>
-            </a:prstGeom>
-          </p:spPr>
-        </p:pic>
-      </p:grpSp>
-      <p:sp>
-        <p:nvSpPr>
-          <p:cNvPr id="33" name="Object 33"/>
-          <p:cNvSpPr txBox="1"/>
-          <p:nvPr/>
-        </p:nvSpPr>
-        <p:spPr>
-          <a:xfrm>
-            <a:off x="5830003" y="7498892"/>
-            <a:ext cx="8050450" cy="1531633"/>
-          </a:xfrm>
-          <a:prstGeom prst="rect">
-            <a:avLst/>
-          </a:prstGeom>
-          <a:noFill/>
-        </p:spPr>
-        <p:txBody>
-          <a:bodyPr wrap="square" rtlCol="0"/>
-          <a:lstStyle/>
-          <a:p>
-            <a:pPr algn="just"/>
-            <a:r>
-              <a:rPr lang="en-US" sz="3600" kern="0" spc="-300" dirty="0">
-                <a:solidFill>
-                  <a:srgbClr val="000000"/>
-                </a:solidFill>
-                <a:latin typeface="a뉴굴림1" panose="02020600000000000000" pitchFamily="18" charset="-127"/>
-                <a:ea typeface="a뉴굴림1" panose="02020600000000000000" pitchFamily="18" charset="-127"/>
-                <a:cs typeface="에스코어 드림 5" pitchFamily="34" charset="0"/>
-              </a:rPr>
-              <a:t>강조하고자 하는 문구를 이곳에 입력</a:t>
-            </a:r>
-          </a:p>
-          <a:p>
-            <a:pPr algn="just"/>
-            <a:r>
-              <a:rPr lang="en-US" sz="3600" kern="0" spc="-300" dirty="0">
-                <a:solidFill>
-                  <a:srgbClr val="000000"/>
-                </a:solidFill>
-                <a:latin typeface="a뉴굴림1" panose="02020600000000000000" pitchFamily="18" charset="-127"/>
-                <a:ea typeface="a뉴굴림1" panose="02020600000000000000" pitchFamily="18" charset="-127"/>
-                <a:cs typeface="에스코어 드림 5" pitchFamily="34" charset="0"/>
-              </a:rPr>
-              <a:t>하여 주세요. 텍스트박스를 더블클릭!</a:t>
-            </a:r>
-            <a:endParaRPr lang="en-US" dirty="0">
-              <a:latin typeface="a뉴굴림1" panose="02020600000000000000" pitchFamily="18" charset="-127"/>
-              <a:ea typeface="a뉴굴림1" panose="02020600000000000000" pitchFamily="18" charset="-127"/>
-            </a:endParaRPr>
+            <a:r>
+              <a:rPr lang="en-US" altLang="ko-KR" dirty="0">
+                <a:latin typeface="a타이틀고딕2" panose="02020600000000000000" pitchFamily="18" charset="-127"/>
+                <a:ea typeface="a타이틀고딕2" panose="02020600000000000000" pitchFamily="18" charset="-127"/>
+              </a:rPr>
+              <a:t>: </a:t>
+            </a:r>
+            <a:r>
+              <a:rPr lang="ko-KR" altLang="en-US" dirty="0">
+                <a:latin typeface="a타이틀고딕2" panose="02020600000000000000" pitchFamily="18" charset="-127"/>
+                <a:ea typeface="a타이틀고딕2" panose="02020600000000000000" pitchFamily="18" charset="-127"/>
+              </a:rPr>
+              <a:t>향후 계획</a:t>
+            </a:r>
           </a:p>
         </p:txBody>
       </p:sp>
     </p:spTree>
     <p:extLst>
       <p:ext uri="{BB962C8B-B14F-4D97-AF65-F5344CB8AC3E}">
-        <p14:creationId xmlns:p14="http://schemas.microsoft.com/office/powerpoint/2010/main" xmlns="" val="2387075693"/>
-      </p:ext>
-    </p:extLst>
-  </p:cSld>
-  <p:clrMapOvr>
-    <a:masterClrMapping/>
-  </p:clrMapOvr>
-</p:sld>
-</file>
-
-<file path=ppt/slides/slide6.xml><?xml version="1.0" encoding="utf-8"?>
-<p:sld xmlns:a="http://schemas.openxmlformats.org/drawingml/2006/main" xmlns:r="http://schemas.openxmlformats.org/officeDocument/2006/relationships" xmlns:p="http://schemas.openxmlformats.org/presentationml/2006/main">
-  <p:cSld>
-    <p:bg>
-      <p:bgPr>
-        <a:solidFill>
-          <a:srgbClr val="FFFFFF"/>
-        </a:solidFill>
-        <a:effectLst/>
-      </p:bgPr>
-    </p:bg>
-    <p:spTree>
-      <p:nvGrpSpPr>
-        <p:cNvPr id="1" name=""/>
-        <p:cNvGrpSpPr/>
-        <p:nvPr/>
-      </p:nvGrpSpPr>
-      <p:grpSpPr>
-        <a:xfrm>
-          <a:off x="0" y="0"/>
-          <a:ext cx="0" cy="0"/>
-          <a:chOff x="0" y="0"/>
-          <a:chExt cx="0" cy="0"/>
-        </a:xfrm>
-      </p:grpSpPr>
-      <p:sp>
-        <p:nvSpPr>
-          <p:cNvPr id="2" name="Object 2"/>
-          <p:cNvSpPr txBox="1"/>
-          <p:nvPr/>
-        </p:nvSpPr>
-        <p:spPr>
-          <a:xfrm>
-            <a:off x="589215" y="3056976"/>
-            <a:ext cx="4898413" cy="944919"/>
-          </a:xfrm>
-          <a:prstGeom prst="rect">
-            <a:avLst/>
-          </a:prstGeom>
-          <a:noFill/>
-        </p:spPr>
-        <p:txBody>
-          <a:bodyPr wrap="square" rtlCol="0"/>
-          <a:lstStyle/>
-          <a:p>
-            <a:pPr algn="just"/>
-            <a:r>
-              <a:rPr lang="en-US" sz="4600" kern="0" spc="-400" dirty="0">
-                <a:solidFill>
-                  <a:srgbClr val="3F5FFF"/>
-                </a:solidFill>
-                <a:latin typeface="a뉴굴림1" panose="02020600000000000000" pitchFamily="18" charset="-127"/>
-                <a:ea typeface="a뉴굴림1" panose="02020600000000000000" pitchFamily="18" charset="-127"/>
-                <a:cs typeface="에스코어 드림 8" pitchFamily="34" charset="0"/>
-              </a:rPr>
-              <a:t>01 소제목을 입력</a:t>
-            </a:r>
-            <a:endParaRPr lang="en-US" dirty="0">
-              <a:latin typeface="a뉴굴림1" panose="02020600000000000000" pitchFamily="18" charset="-127"/>
-              <a:ea typeface="a뉴굴림1" panose="02020600000000000000" pitchFamily="18" charset="-127"/>
-            </a:endParaRPr>
-          </a:p>
-        </p:txBody>
-      </p:sp>
-      <p:sp>
-        <p:nvSpPr>
-          <p:cNvPr id="3" name="Object 3"/>
-          <p:cNvSpPr txBox="1"/>
-          <p:nvPr/>
-        </p:nvSpPr>
-        <p:spPr>
-          <a:xfrm>
-            <a:off x="5600579" y="3865015"/>
-            <a:ext cx="7169521" cy="4000129"/>
-          </a:xfrm>
-          <a:prstGeom prst="rect">
-            <a:avLst/>
-          </a:prstGeom>
-          <a:noFill/>
-        </p:spPr>
-        <p:txBody>
-          <a:bodyPr wrap="square" rtlCol="0"/>
-          <a:lstStyle/>
-          <a:p>
-            <a:pPr algn="just"/>
-            <a:r>
-              <a:rPr lang="en-US" sz="2400" kern="0" spc="-100" dirty="0">
-                <a:solidFill>
-                  <a:srgbClr val="000000"/>
-                </a:solidFill>
-                <a:latin typeface="a뉴굴림1" panose="02020600000000000000" pitchFamily="18" charset="-127"/>
-                <a:ea typeface="a뉴굴림1" panose="02020600000000000000" pitchFamily="18" charset="-127"/>
-                <a:cs typeface="에스코어 드림 4" pitchFamily="34" charset="0"/>
-              </a:rPr>
-              <a:t>이곳에 텍스트를 입력해주세요. 내용을 이곳에 입력</a:t>
-            </a:r>
-          </a:p>
-          <a:p>
-            <a:pPr algn="just"/>
-            <a:r>
-              <a:rPr lang="en-US" sz="2400" kern="0" spc="-100" dirty="0">
-                <a:solidFill>
-                  <a:srgbClr val="000000"/>
-                </a:solidFill>
-                <a:latin typeface="a뉴굴림1" panose="02020600000000000000" pitchFamily="18" charset="-127"/>
-                <a:ea typeface="a뉴굴림1" panose="02020600000000000000" pitchFamily="18" charset="-127"/>
-                <a:cs typeface="에스코어 드림 4" pitchFamily="34" charset="0"/>
-              </a:rPr>
-              <a:t>하여 주세요. 텍스트 박스를 더블클릭하여 내용을 수</a:t>
-            </a:r>
-          </a:p>
-          <a:p>
-            <a:pPr algn="just"/>
-            <a:r>
-              <a:rPr lang="en-US" sz="2400" kern="0" spc="-100" dirty="0">
-                <a:solidFill>
-                  <a:srgbClr val="000000"/>
-                </a:solidFill>
-                <a:latin typeface="a뉴굴림1" panose="02020600000000000000" pitchFamily="18" charset="-127"/>
-                <a:ea typeface="a뉴굴림1" panose="02020600000000000000" pitchFamily="18" charset="-127"/>
-                <a:cs typeface="에스코어 드림 4" pitchFamily="34" charset="0"/>
-              </a:rPr>
-              <a:t>정하여 주세요. 이곳의 세부사항을 변경해 주세요. </a:t>
-            </a:r>
-          </a:p>
-          <a:p>
-            <a:pPr algn="just"/>
-            <a:r>
-              <a:rPr lang="en-US" sz="2400" kern="0" spc="-100" dirty="0">
-                <a:solidFill>
-                  <a:srgbClr val="000000"/>
-                </a:solidFill>
-                <a:latin typeface="a뉴굴림1" panose="02020600000000000000" pitchFamily="18" charset="-127"/>
-                <a:ea typeface="a뉴굴림1" panose="02020600000000000000" pitchFamily="18" charset="-127"/>
-                <a:cs typeface="에스코어 드림 4" pitchFamily="34" charset="0"/>
-              </a:rPr>
-              <a:t>텍스트 요소의 다양한 효과를 사용하여 나만의 디자</a:t>
-            </a:r>
-          </a:p>
-          <a:p>
-            <a:pPr algn="just"/>
-            <a:r>
-              <a:rPr lang="en-US" sz="2400" kern="0" spc="-100" dirty="0">
-                <a:solidFill>
-                  <a:srgbClr val="000000"/>
-                </a:solidFill>
-                <a:latin typeface="a뉴굴림1" panose="02020600000000000000" pitchFamily="18" charset="-127"/>
-                <a:ea typeface="a뉴굴림1" panose="02020600000000000000" pitchFamily="18" charset="-127"/>
-                <a:cs typeface="에스코어 드림 4" pitchFamily="34" charset="0"/>
-              </a:rPr>
-              <a:t>인을 쉽고 빠르게 만들어 보세요.이곳에 텍스트를 입</a:t>
-            </a:r>
-          </a:p>
-          <a:p>
-            <a:pPr algn="just"/>
-            <a:r>
-              <a:rPr lang="en-US" sz="2400" kern="0" spc="-100" dirty="0">
-                <a:solidFill>
-                  <a:srgbClr val="000000"/>
-                </a:solidFill>
-                <a:latin typeface="a뉴굴림1" panose="02020600000000000000" pitchFamily="18" charset="-127"/>
-                <a:ea typeface="a뉴굴림1" panose="02020600000000000000" pitchFamily="18" charset="-127"/>
-                <a:cs typeface="에스코어 드림 4" pitchFamily="34" charset="0"/>
-              </a:rPr>
-              <a:t>력해주세요. 내용을 이곳에 입력하여 주세요. </a:t>
-            </a:r>
-            <a:endParaRPr lang="en-US" dirty="0">
-              <a:latin typeface="a뉴굴림1" panose="02020600000000000000" pitchFamily="18" charset="-127"/>
-              <a:ea typeface="a뉴굴림1" panose="02020600000000000000" pitchFamily="18" charset="-127"/>
-            </a:endParaRPr>
-          </a:p>
-        </p:txBody>
-      </p:sp>
-      <p:sp>
-        <p:nvSpPr>
-          <p:cNvPr id="4" name="Object 4"/>
-          <p:cNvSpPr txBox="1"/>
-          <p:nvPr/>
-        </p:nvSpPr>
-        <p:spPr>
-          <a:xfrm>
-            <a:off x="5500457" y="1077730"/>
-            <a:ext cx="8394284" cy="1590685"/>
-          </a:xfrm>
-          <a:prstGeom prst="rect">
-            <a:avLst/>
-          </a:prstGeom>
-          <a:noFill/>
-        </p:spPr>
-        <p:txBody>
-          <a:bodyPr wrap="square" rtlCol="0"/>
-          <a:lstStyle/>
-          <a:p>
-            <a:pPr algn="just"/>
-            <a:r>
-              <a:rPr lang="en-US" sz="7900" kern="0" spc="-800" dirty="0">
-                <a:solidFill>
-                  <a:srgbClr val="000000"/>
-                </a:solidFill>
-                <a:latin typeface="a뉴굴림1" panose="02020600000000000000" pitchFamily="18" charset="-127"/>
-                <a:ea typeface="a뉴굴림1" panose="02020600000000000000" pitchFamily="18" charset="-127"/>
-                <a:cs typeface="에스코어 드림 5" pitchFamily="34" charset="0"/>
-              </a:rPr>
-              <a:t>제목을 입력하세요</a:t>
-            </a:r>
-            <a:endParaRPr lang="en-US" dirty="0">
-              <a:latin typeface="a뉴굴림1" panose="02020600000000000000" pitchFamily="18" charset="-127"/>
-              <a:ea typeface="a뉴굴림1" panose="02020600000000000000" pitchFamily="18" charset="-127"/>
-            </a:endParaRPr>
-          </a:p>
-        </p:txBody>
-      </p:sp>
-      <p:sp>
-        <p:nvSpPr>
-          <p:cNvPr id="5" name="Object 5"/>
-          <p:cNvSpPr txBox="1"/>
-          <p:nvPr/>
-        </p:nvSpPr>
-        <p:spPr>
-          <a:xfrm>
-            <a:off x="1933913" y="1524666"/>
-            <a:ext cx="3109565" cy="791786"/>
-          </a:xfrm>
-          <a:prstGeom prst="rect">
-            <a:avLst/>
-          </a:prstGeom>
-          <a:noFill/>
-        </p:spPr>
-        <p:txBody>
-          <a:bodyPr wrap="square" rtlCol="0"/>
-          <a:lstStyle/>
-          <a:p>
-            <a:pPr algn="just"/>
-            <a:r>
-              <a:rPr lang="ko-KR" altLang="en-US" sz="3800" kern="0" spc="-300" dirty="0">
-                <a:solidFill>
-                  <a:srgbClr val="000000"/>
-                </a:solidFill>
-                <a:latin typeface="a뉴굴림1" panose="02020600000000000000" pitchFamily="18" charset="-127"/>
-                <a:ea typeface="a뉴굴림1" panose="02020600000000000000" pitchFamily="18" charset="-127"/>
-              </a:rPr>
-              <a:t>게임 소개</a:t>
-            </a:r>
-            <a:endParaRPr lang="en-US" dirty="0">
-              <a:latin typeface="a뉴굴림1" panose="02020600000000000000" pitchFamily="18" charset="-127"/>
-              <a:ea typeface="a뉴굴림1" panose="02020600000000000000" pitchFamily="18" charset="-127"/>
-            </a:endParaRPr>
-          </a:p>
-        </p:txBody>
-      </p:sp>
-      <p:sp>
-        <p:nvSpPr>
-          <p:cNvPr id="6" name="Object 6"/>
-          <p:cNvSpPr txBox="1"/>
-          <p:nvPr/>
-        </p:nvSpPr>
-        <p:spPr>
-          <a:xfrm>
-            <a:off x="560644" y="785303"/>
-            <a:ext cx="2000276" cy="2254920"/>
-          </a:xfrm>
-          <a:prstGeom prst="rect">
-            <a:avLst/>
-          </a:prstGeom>
-          <a:noFill/>
-        </p:spPr>
-        <p:txBody>
-          <a:bodyPr wrap="square" rtlCol="0"/>
-          <a:lstStyle/>
-          <a:p>
-            <a:pPr algn="just"/>
-            <a:r>
-              <a:rPr lang="en-US" sz="11200" kern="0" spc="-1000" dirty="0">
-                <a:solidFill>
-                  <a:srgbClr val="000000"/>
-                </a:solidFill>
-                <a:latin typeface="a뉴굴림1" panose="02020600000000000000" pitchFamily="18" charset="-127"/>
-                <a:ea typeface="a뉴굴림1" panose="02020600000000000000" pitchFamily="18" charset="-127"/>
-                <a:cs typeface="에스코어 드림 8" pitchFamily="34" charset="0"/>
-              </a:rPr>
-              <a:t>01</a:t>
-            </a:r>
-            <a:endParaRPr lang="en-US" dirty="0">
-              <a:latin typeface="a뉴굴림1" panose="02020600000000000000" pitchFamily="18" charset="-127"/>
-              <a:ea typeface="a뉴굴림1" panose="02020600000000000000" pitchFamily="18" charset="-127"/>
-            </a:endParaRPr>
-          </a:p>
-        </p:txBody>
-      </p:sp>
-      <p:sp>
-        <p:nvSpPr>
-          <p:cNvPr id="7" name="Object 7"/>
-          <p:cNvSpPr txBox="1"/>
-          <p:nvPr/>
-        </p:nvSpPr>
-        <p:spPr>
-          <a:xfrm>
-            <a:off x="589215" y="4071672"/>
-            <a:ext cx="5285962" cy="742896"/>
-          </a:xfrm>
-          <a:prstGeom prst="rect">
-            <a:avLst/>
-          </a:prstGeom>
-          <a:noFill/>
-        </p:spPr>
-        <p:txBody>
-          <a:bodyPr wrap="square" rtlCol="0"/>
-          <a:lstStyle/>
-          <a:p>
-            <a:pPr algn="just"/>
-            <a:r>
-              <a:rPr lang="en-US" sz="3600" kern="0" spc="-300" dirty="0">
-                <a:solidFill>
-                  <a:srgbClr val="000000"/>
-                </a:solidFill>
-                <a:latin typeface="a뉴굴림1" panose="02020600000000000000" pitchFamily="18" charset="-127"/>
-                <a:ea typeface="a뉴굴림1" panose="02020600000000000000" pitchFamily="18" charset="-127"/>
-                <a:cs typeface="에스코어 드림 5" pitchFamily="34" charset="0"/>
-              </a:rPr>
-              <a:t>02 소제목을 입력</a:t>
-            </a:r>
-            <a:endParaRPr lang="en-US" dirty="0">
-              <a:latin typeface="a뉴굴림1" panose="02020600000000000000" pitchFamily="18" charset="-127"/>
-              <a:ea typeface="a뉴굴림1" panose="02020600000000000000" pitchFamily="18" charset="-127"/>
-            </a:endParaRPr>
-          </a:p>
-        </p:txBody>
-      </p:sp>
-      <p:sp>
-        <p:nvSpPr>
-          <p:cNvPr id="8" name="Object 8"/>
-          <p:cNvSpPr txBox="1"/>
-          <p:nvPr/>
-        </p:nvSpPr>
-        <p:spPr>
-          <a:xfrm>
-            <a:off x="589215" y="4943540"/>
-            <a:ext cx="5285962" cy="742896"/>
-          </a:xfrm>
-          <a:prstGeom prst="rect">
-            <a:avLst/>
-          </a:prstGeom>
-          <a:noFill/>
-        </p:spPr>
-        <p:txBody>
-          <a:bodyPr wrap="square" rtlCol="0"/>
-          <a:lstStyle/>
-          <a:p>
-            <a:pPr algn="just"/>
-            <a:r>
-              <a:rPr lang="en-US" sz="3600" kern="0" spc="-300" dirty="0">
-                <a:solidFill>
-                  <a:srgbClr val="000000"/>
-                </a:solidFill>
-                <a:latin typeface="a뉴굴림1" panose="02020600000000000000" pitchFamily="18" charset="-127"/>
-                <a:ea typeface="a뉴굴림1" panose="02020600000000000000" pitchFamily="18" charset="-127"/>
-                <a:cs typeface="에스코어 드림 5" pitchFamily="34" charset="0"/>
-              </a:rPr>
-              <a:t>03. 소제목을 입력</a:t>
-            </a:r>
-            <a:endParaRPr lang="en-US" dirty="0">
-              <a:latin typeface="a뉴굴림1" panose="02020600000000000000" pitchFamily="18" charset="-127"/>
-              <a:ea typeface="a뉴굴림1" panose="02020600000000000000" pitchFamily="18" charset="-127"/>
-            </a:endParaRPr>
-          </a:p>
-        </p:txBody>
-      </p:sp>
-      <p:sp>
-        <p:nvSpPr>
-          <p:cNvPr id="9" name="Object 9"/>
-          <p:cNvSpPr txBox="1"/>
-          <p:nvPr/>
-        </p:nvSpPr>
-        <p:spPr>
-          <a:xfrm>
-            <a:off x="589215" y="5800183"/>
-            <a:ext cx="5285962" cy="742896"/>
-          </a:xfrm>
-          <a:prstGeom prst="rect">
-            <a:avLst/>
-          </a:prstGeom>
-          <a:noFill/>
-        </p:spPr>
-        <p:txBody>
-          <a:bodyPr wrap="square" rtlCol="0"/>
-          <a:lstStyle/>
-          <a:p>
-            <a:pPr algn="just"/>
-            <a:r>
-              <a:rPr lang="en-US" sz="3600" kern="0" spc="-300" dirty="0">
-                <a:solidFill>
-                  <a:srgbClr val="000000"/>
-                </a:solidFill>
-                <a:latin typeface="a뉴굴림1" panose="02020600000000000000" pitchFamily="18" charset="-127"/>
-                <a:ea typeface="a뉴굴림1" panose="02020600000000000000" pitchFamily="18" charset="-127"/>
-                <a:cs typeface="에스코어 드림 5" pitchFamily="34" charset="0"/>
-              </a:rPr>
-              <a:t>04. 소제목을 입력</a:t>
-            </a:r>
-            <a:endParaRPr lang="en-US" dirty="0">
-              <a:latin typeface="a뉴굴림1" panose="02020600000000000000" pitchFamily="18" charset="-127"/>
-              <a:ea typeface="a뉴굴림1" panose="02020600000000000000" pitchFamily="18" charset="-127"/>
-            </a:endParaRPr>
-          </a:p>
-        </p:txBody>
-      </p:sp>
-      <p:sp>
-        <p:nvSpPr>
-          <p:cNvPr id="10" name="Object 10"/>
-          <p:cNvSpPr txBox="1"/>
-          <p:nvPr/>
-        </p:nvSpPr>
-        <p:spPr>
-          <a:xfrm>
-            <a:off x="5600579" y="3127793"/>
-            <a:ext cx="7111181" cy="752154"/>
-          </a:xfrm>
-          <a:prstGeom prst="rect">
-            <a:avLst/>
-          </a:prstGeom>
-          <a:noFill/>
-        </p:spPr>
-        <p:txBody>
-          <a:bodyPr wrap="square" rtlCol="0"/>
-          <a:lstStyle/>
-          <a:p>
-            <a:pPr algn="just"/>
-            <a:r>
-              <a:rPr lang="en-US" sz="3600" kern="0" spc="-300" dirty="0">
-                <a:solidFill>
-                  <a:srgbClr val="000000"/>
-                </a:solidFill>
-                <a:latin typeface="a뉴굴림1" panose="02020600000000000000" pitchFamily="18" charset="-127"/>
-                <a:ea typeface="a뉴굴림1" panose="02020600000000000000" pitchFamily="18" charset="-127"/>
-                <a:cs typeface="에스코어 드림 5" pitchFamily="34" charset="0"/>
-              </a:rPr>
-              <a:t>소타이틀을 입력하세요</a:t>
-            </a:r>
-            <a:endParaRPr lang="en-US" dirty="0">
-              <a:latin typeface="a뉴굴림1" panose="02020600000000000000" pitchFamily="18" charset="-127"/>
-              <a:ea typeface="a뉴굴림1" panose="02020600000000000000" pitchFamily="18" charset="-127"/>
-            </a:endParaRPr>
-          </a:p>
-        </p:txBody>
-      </p:sp>
-      <p:grpSp>
-        <p:nvGrpSpPr>
-          <p:cNvPr id="1001" name="그룹 1001"/>
-          <p:cNvGrpSpPr/>
-          <p:nvPr/>
-        </p:nvGrpSpPr>
-        <p:grpSpPr>
-          <a:xfrm>
-            <a:off x="5378219" y="2356674"/>
-            <a:ext cx="12450332" cy="43148"/>
-            <a:chOff x="5378219" y="2356674"/>
-            <a:chExt cx="12450332" cy="43148"/>
-          </a:xfrm>
-        </p:grpSpPr>
-        <p:pic>
-          <p:nvPicPr>
-            <p:cNvPr id="12" name="Object 11"/>
-            <p:cNvPicPr>
-              <a:picLocks noChangeAspect="1"/>
-            </p:cNvPicPr>
-            <p:nvPr/>
-          </p:nvPicPr>
-          <p:blipFill>
-            <a:blip r:embed="rId2" cstate="print"/>
-            <a:stretch>
-              <a:fillRect/>
-            </a:stretch>
-          </p:blipFill>
-          <p:spPr>
-            <a:xfrm>
-              <a:off x="5378219" y="2356674"/>
-              <a:ext cx="12450332" cy="43148"/>
-            </a:xfrm>
-            <a:prstGeom prst="rect">
-              <a:avLst/>
-            </a:prstGeom>
-          </p:spPr>
-        </p:pic>
-      </p:grpSp>
-      <p:grpSp>
-        <p:nvGrpSpPr>
-          <p:cNvPr id="1002" name="그룹 1002"/>
-          <p:cNvGrpSpPr/>
-          <p:nvPr/>
-        </p:nvGrpSpPr>
-        <p:grpSpPr>
-          <a:xfrm>
-            <a:off x="5358343" y="639654"/>
-            <a:ext cx="12520386" cy="313458"/>
-            <a:chOff x="5358343" y="639654"/>
-            <a:chExt cx="12520386" cy="313458"/>
-          </a:xfrm>
-        </p:grpSpPr>
-        <p:pic>
-          <p:nvPicPr>
-            <p:cNvPr id="15" name="Object 14"/>
-            <p:cNvPicPr>
-              <a:picLocks noChangeAspect="1"/>
-            </p:cNvPicPr>
-            <p:nvPr/>
-          </p:nvPicPr>
-          <p:blipFill>
-            <a:blip r:embed="rId3" cstate="print"/>
-            <a:stretch>
-              <a:fillRect/>
-            </a:stretch>
-          </p:blipFill>
-          <p:spPr>
-            <a:xfrm>
-              <a:off x="5358343" y="639654"/>
-              <a:ext cx="12520386" cy="313458"/>
-            </a:xfrm>
-            <a:prstGeom prst="rect">
-              <a:avLst/>
-            </a:prstGeom>
-          </p:spPr>
-        </p:pic>
-      </p:grpSp>
-      <p:grpSp>
-        <p:nvGrpSpPr>
-          <p:cNvPr id="1003" name="그룹 1003"/>
-          <p:cNvGrpSpPr/>
-          <p:nvPr/>
-        </p:nvGrpSpPr>
-        <p:grpSpPr>
-          <a:xfrm>
-            <a:off x="423354" y="2221684"/>
-            <a:ext cx="4407508" cy="313458"/>
-            <a:chOff x="423354" y="2221684"/>
-            <a:chExt cx="4407508" cy="313458"/>
-          </a:xfrm>
-        </p:grpSpPr>
-        <p:pic>
-          <p:nvPicPr>
-            <p:cNvPr id="18" name="Object 17"/>
-            <p:cNvPicPr>
-              <a:picLocks noChangeAspect="1"/>
-            </p:cNvPicPr>
-            <p:nvPr/>
-          </p:nvPicPr>
-          <p:blipFill>
-            <a:blip r:embed="rId4" cstate="print"/>
-            <a:stretch>
-              <a:fillRect/>
-            </a:stretch>
-          </p:blipFill>
-          <p:spPr>
-            <a:xfrm>
-              <a:off x="423354" y="2221684"/>
-              <a:ext cx="4407508" cy="313458"/>
-            </a:xfrm>
-            <a:prstGeom prst="rect">
-              <a:avLst/>
-            </a:prstGeom>
-          </p:spPr>
-        </p:pic>
-      </p:grpSp>
-      <p:grpSp>
-        <p:nvGrpSpPr>
-          <p:cNvPr id="1004" name="그룹 1004"/>
-          <p:cNvGrpSpPr/>
-          <p:nvPr/>
-        </p:nvGrpSpPr>
-        <p:grpSpPr>
-          <a:xfrm>
-            <a:off x="493037" y="5222544"/>
-            <a:ext cx="9271840" cy="43148"/>
-            <a:chOff x="493037" y="5222544"/>
-            <a:chExt cx="9271840" cy="43148"/>
-          </a:xfrm>
-        </p:grpSpPr>
-        <p:pic>
-          <p:nvPicPr>
-            <p:cNvPr id="21" name="Object 20"/>
-            <p:cNvPicPr>
-              <a:picLocks noChangeAspect="1"/>
-            </p:cNvPicPr>
-            <p:nvPr/>
-          </p:nvPicPr>
-          <p:blipFill>
-            <a:blip r:embed="rId5" cstate="print"/>
-            <a:stretch>
-              <a:fillRect/>
-            </a:stretch>
-          </p:blipFill>
-          <p:spPr>
-            <a:xfrm rot="-16200000">
-              <a:off x="493037" y="5222544"/>
-              <a:ext cx="9271840" cy="43148"/>
-            </a:xfrm>
-            <a:prstGeom prst="rect">
-              <a:avLst/>
-            </a:prstGeom>
-          </p:spPr>
-        </p:pic>
-      </p:grpSp>
-      <p:grpSp>
-        <p:nvGrpSpPr>
-          <p:cNvPr id="1005" name="그룹 1005"/>
-          <p:cNvGrpSpPr/>
-          <p:nvPr/>
-        </p:nvGrpSpPr>
-        <p:grpSpPr>
-          <a:xfrm>
-            <a:off x="11782267" y="2979841"/>
-            <a:ext cx="5147826" cy="6618955"/>
-            <a:chOff x="11782267" y="2979841"/>
-            <a:chExt cx="5147826" cy="6618955"/>
-          </a:xfrm>
-        </p:grpSpPr>
-        <p:pic>
-          <p:nvPicPr>
-            <p:cNvPr id="24" name="Object 23"/>
-            <p:cNvPicPr>
-              <a:picLocks noChangeAspect="1"/>
-            </p:cNvPicPr>
-            <p:nvPr/>
-          </p:nvPicPr>
-          <p:blipFill>
-            <a:blip r:embed="rId6" cstate="print"/>
-            <a:stretch>
-              <a:fillRect/>
-            </a:stretch>
-          </p:blipFill>
-          <p:spPr>
-            <a:xfrm>
-              <a:off x="11782267" y="2979841"/>
-              <a:ext cx="5147826" cy="6618955"/>
-            </a:xfrm>
-            <a:prstGeom prst="rect">
-              <a:avLst/>
-            </a:prstGeom>
-          </p:spPr>
-        </p:pic>
-      </p:grpSp>
-      <p:sp>
-        <p:nvSpPr>
-          <p:cNvPr id="26" name="Object 26"/>
-          <p:cNvSpPr txBox="1"/>
-          <p:nvPr/>
-        </p:nvSpPr>
-        <p:spPr>
-          <a:xfrm>
-            <a:off x="12905156" y="3741648"/>
-            <a:ext cx="4278400" cy="1047442"/>
-          </a:xfrm>
-          <a:prstGeom prst="rect">
-            <a:avLst/>
-          </a:prstGeom>
-          <a:noFill/>
-        </p:spPr>
-        <p:txBody>
-          <a:bodyPr wrap="square" rtlCol="0"/>
-          <a:lstStyle/>
-          <a:p>
-            <a:pPr algn="just"/>
-            <a:r>
-              <a:rPr lang="en-US" sz="2200" kern="0" spc="-200" dirty="0">
-                <a:solidFill>
-                  <a:srgbClr val="FFFFFF"/>
-                </a:solidFill>
-                <a:latin typeface="a뉴굴림1" panose="02020600000000000000" pitchFamily="18" charset="-127"/>
-                <a:ea typeface="a뉴굴림1" panose="02020600000000000000" pitchFamily="18" charset="-127"/>
-                <a:cs typeface="에스코어 드림 4" pitchFamily="34" charset="0"/>
-              </a:rPr>
-              <a:t>이곳에 텍스트를 입력해주세요. 내</a:t>
-            </a:r>
-          </a:p>
-          <a:p>
-            <a:pPr algn="just"/>
-            <a:r>
-              <a:rPr lang="en-US" sz="2200" kern="0" spc="-200" dirty="0">
-                <a:solidFill>
-                  <a:srgbClr val="FFFFFF"/>
-                </a:solidFill>
-                <a:latin typeface="a뉴굴림1" panose="02020600000000000000" pitchFamily="18" charset="-127"/>
-                <a:ea typeface="a뉴굴림1" panose="02020600000000000000" pitchFamily="18" charset="-127"/>
-                <a:cs typeface="에스코어 드림 4" pitchFamily="34" charset="0"/>
-              </a:rPr>
-              <a:t>용을 이곳에 입력하여 주세요. </a:t>
-            </a:r>
-            <a:endParaRPr lang="en-US" dirty="0">
-              <a:latin typeface="a뉴굴림1" panose="02020600000000000000" pitchFamily="18" charset="-127"/>
-              <a:ea typeface="a뉴굴림1" panose="02020600000000000000" pitchFamily="18" charset="-127"/>
-            </a:endParaRPr>
-          </a:p>
-        </p:txBody>
-      </p:sp>
-      <p:sp>
-        <p:nvSpPr>
-          <p:cNvPr id="27" name="Object 27"/>
-          <p:cNvSpPr txBox="1"/>
-          <p:nvPr/>
-        </p:nvSpPr>
-        <p:spPr>
-          <a:xfrm>
-            <a:off x="12771041" y="4906743"/>
-            <a:ext cx="4278400" cy="2216422"/>
-          </a:xfrm>
-          <a:prstGeom prst="rect">
-            <a:avLst/>
-          </a:prstGeom>
-          <a:noFill/>
-        </p:spPr>
-        <p:txBody>
-          <a:bodyPr wrap="square" rtlCol="0"/>
-          <a:lstStyle/>
-          <a:p>
-            <a:pPr algn="just"/>
-            <a:r>
-              <a:rPr lang="en-US" sz="2200" kern="0" spc="-200" dirty="0">
-                <a:solidFill>
-                  <a:srgbClr val="FFFFFF"/>
-                </a:solidFill>
-                <a:latin typeface="a뉴굴림1" panose="02020600000000000000" pitchFamily="18" charset="-127"/>
-                <a:ea typeface="a뉴굴림1" panose="02020600000000000000" pitchFamily="18" charset="-127"/>
-                <a:cs typeface="에스코어 드림 4" pitchFamily="34" charset="0"/>
-              </a:rPr>
-              <a:t>이곳에 텍스트를 입력해주세요. 내</a:t>
-            </a:r>
-          </a:p>
-          <a:p>
-            <a:pPr algn="just"/>
-            <a:r>
-              <a:rPr lang="en-US" sz="2200" kern="0" spc="-200" dirty="0">
-                <a:solidFill>
-                  <a:srgbClr val="FFFFFF"/>
-                </a:solidFill>
-                <a:latin typeface="a뉴굴림1" panose="02020600000000000000" pitchFamily="18" charset="-127"/>
-                <a:ea typeface="a뉴굴림1" panose="02020600000000000000" pitchFamily="18" charset="-127"/>
-                <a:cs typeface="에스코어 드림 4" pitchFamily="34" charset="0"/>
-              </a:rPr>
-              <a:t>용을 이곳에 입력하여 주세요. 이곳</a:t>
-            </a:r>
-          </a:p>
-          <a:p>
-            <a:pPr algn="just"/>
-            <a:r>
-              <a:rPr lang="en-US" sz="2200" kern="0" spc="-200" dirty="0">
-                <a:solidFill>
-                  <a:srgbClr val="FFFFFF"/>
-                </a:solidFill>
-                <a:latin typeface="a뉴굴림1" panose="02020600000000000000" pitchFamily="18" charset="-127"/>
-                <a:ea typeface="a뉴굴림1" panose="02020600000000000000" pitchFamily="18" charset="-127"/>
-                <a:cs typeface="에스코어 드림 4" pitchFamily="34" charset="0"/>
-              </a:rPr>
-              <a:t>에 텍스트를 입력해주세요. 내용을 </a:t>
-            </a:r>
-          </a:p>
-          <a:p>
-            <a:pPr algn="just"/>
-            <a:r>
-              <a:rPr lang="en-US" sz="2200" kern="0" spc="-200" dirty="0">
-                <a:solidFill>
-                  <a:srgbClr val="FFFFFF"/>
-                </a:solidFill>
-                <a:latin typeface="a뉴굴림1" panose="02020600000000000000" pitchFamily="18" charset="-127"/>
-                <a:ea typeface="a뉴굴림1" panose="02020600000000000000" pitchFamily="18" charset="-127"/>
-                <a:cs typeface="에스코어 드림 4" pitchFamily="34" charset="0"/>
-              </a:rPr>
-              <a:t>이곳에 입력하여 주세요. </a:t>
-            </a:r>
-            <a:endParaRPr lang="en-US" dirty="0">
-              <a:latin typeface="a뉴굴림1" panose="02020600000000000000" pitchFamily="18" charset="-127"/>
-              <a:ea typeface="a뉴굴림1" panose="02020600000000000000" pitchFamily="18" charset="-127"/>
-            </a:endParaRPr>
-          </a:p>
-        </p:txBody>
-      </p:sp>
-      <p:sp>
-        <p:nvSpPr>
-          <p:cNvPr id="28" name="Object 28"/>
-          <p:cNvSpPr txBox="1"/>
-          <p:nvPr/>
-        </p:nvSpPr>
-        <p:spPr>
-          <a:xfrm>
-            <a:off x="12870420" y="6888532"/>
-            <a:ext cx="4032368" cy="1047442"/>
-          </a:xfrm>
-          <a:prstGeom prst="rect">
-            <a:avLst/>
-          </a:prstGeom>
-          <a:noFill/>
-        </p:spPr>
-        <p:txBody>
-          <a:bodyPr wrap="square" rtlCol="0"/>
-          <a:lstStyle/>
-          <a:p>
-            <a:pPr algn="just"/>
-            <a:r>
-              <a:rPr lang="en-US" sz="2200" kern="0" spc="-200" dirty="0">
-                <a:solidFill>
-                  <a:srgbClr val="FFFFFF"/>
-                </a:solidFill>
-                <a:latin typeface="a뉴굴림1" panose="02020600000000000000" pitchFamily="18" charset="-127"/>
-                <a:ea typeface="a뉴굴림1" panose="02020600000000000000" pitchFamily="18" charset="-127"/>
-                <a:cs typeface="에스코어 드림 4" pitchFamily="34" charset="0"/>
-              </a:rPr>
-              <a:t>이곳에 텍스트를 입력해주세요. </a:t>
-            </a:r>
-          </a:p>
-          <a:p>
-            <a:pPr algn="just"/>
-            <a:r>
-              <a:rPr lang="en-US" sz="2200" kern="0" spc="-200" dirty="0">
-                <a:solidFill>
-                  <a:srgbClr val="FFFFFF"/>
-                </a:solidFill>
-                <a:latin typeface="a뉴굴림1" panose="02020600000000000000" pitchFamily="18" charset="-127"/>
-                <a:ea typeface="a뉴굴림1" panose="02020600000000000000" pitchFamily="18" charset="-127"/>
-                <a:cs typeface="에스코어 드림 4" pitchFamily="34" charset="0"/>
-              </a:rPr>
-              <a:t>내용을 이곳에 입력하여 주세요. </a:t>
-            </a:r>
-            <a:endParaRPr lang="en-US" dirty="0">
-              <a:latin typeface="a뉴굴림1" panose="02020600000000000000" pitchFamily="18" charset="-127"/>
-              <a:ea typeface="a뉴굴림1" panose="02020600000000000000" pitchFamily="18" charset="-127"/>
-            </a:endParaRPr>
-          </a:p>
-        </p:txBody>
-      </p:sp>
-      <p:sp>
-        <p:nvSpPr>
-          <p:cNvPr id="29" name="Object 29"/>
-          <p:cNvSpPr txBox="1"/>
-          <p:nvPr/>
-        </p:nvSpPr>
-        <p:spPr>
-          <a:xfrm>
-            <a:off x="13829472" y="8253039"/>
-            <a:ext cx="2891925" cy="1631932"/>
-          </a:xfrm>
-          <a:prstGeom prst="rect">
-            <a:avLst/>
-          </a:prstGeom>
-          <a:noFill/>
-        </p:spPr>
-        <p:txBody>
-          <a:bodyPr wrap="square" rtlCol="0"/>
-          <a:lstStyle/>
-          <a:p>
-            <a:pPr algn="just"/>
-            <a:r>
-              <a:rPr lang="en-US" sz="2200" kern="0" spc="-200" dirty="0">
-                <a:solidFill>
-                  <a:srgbClr val="FFFFFF"/>
-                </a:solidFill>
-                <a:latin typeface="a뉴굴림1" panose="02020600000000000000" pitchFamily="18" charset="-127"/>
-                <a:ea typeface="a뉴굴림1" panose="02020600000000000000" pitchFamily="18" charset="-127"/>
-                <a:cs typeface="에스코어 드림 4" pitchFamily="34" charset="0"/>
-              </a:rPr>
-              <a:t>이곳에 텍스트를 입력</a:t>
-            </a:r>
-          </a:p>
-          <a:p>
-            <a:pPr algn="just"/>
-            <a:r>
-              <a:rPr lang="en-US" sz="2200" kern="0" spc="-200" dirty="0">
-                <a:solidFill>
-                  <a:srgbClr val="FFFFFF"/>
-                </a:solidFill>
-                <a:latin typeface="a뉴굴림1" panose="02020600000000000000" pitchFamily="18" charset="-127"/>
-                <a:ea typeface="a뉴굴림1" panose="02020600000000000000" pitchFamily="18" charset="-127"/>
-                <a:cs typeface="에스코어 드림 4" pitchFamily="34" charset="0"/>
-              </a:rPr>
-              <a:t>해주세요. 내용을 이곳</a:t>
-            </a:r>
-          </a:p>
-          <a:p>
-            <a:pPr algn="just"/>
-            <a:r>
-              <a:rPr lang="en-US" sz="2200" kern="0" spc="-200" dirty="0">
-                <a:solidFill>
-                  <a:srgbClr val="FFFFFF"/>
-                </a:solidFill>
-                <a:latin typeface="a뉴굴림1" panose="02020600000000000000" pitchFamily="18" charset="-127"/>
-                <a:ea typeface="a뉴굴림1" panose="02020600000000000000" pitchFamily="18" charset="-127"/>
-                <a:cs typeface="에스코어 드림 4" pitchFamily="34" charset="0"/>
-              </a:rPr>
-              <a:t>에 입력하여 주세요. </a:t>
-            </a:r>
-            <a:endParaRPr lang="en-US" dirty="0">
-              <a:latin typeface="a뉴굴림1" panose="02020600000000000000" pitchFamily="18" charset="-127"/>
-              <a:ea typeface="a뉴굴림1" panose="02020600000000000000" pitchFamily="18" charset="-127"/>
-            </a:endParaRPr>
-          </a:p>
-        </p:txBody>
-      </p:sp>
-      <p:grpSp>
-        <p:nvGrpSpPr>
-          <p:cNvPr id="1006" name="그룹 1006"/>
-          <p:cNvGrpSpPr/>
-          <p:nvPr/>
-        </p:nvGrpSpPr>
-        <p:grpSpPr>
-          <a:xfrm>
-            <a:off x="5600579" y="6720000"/>
-            <a:ext cx="6330849" cy="2266572"/>
-            <a:chOff x="5600579" y="6720000"/>
-            <a:chExt cx="6330849" cy="2266572"/>
-          </a:xfrm>
-        </p:grpSpPr>
-        <p:pic>
-          <p:nvPicPr>
-            <p:cNvPr id="31" name="Object 30"/>
-            <p:cNvPicPr>
-              <a:picLocks noChangeAspect="1"/>
-            </p:cNvPicPr>
-            <p:nvPr/>
-          </p:nvPicPr>
-          <p:blipFill>
-            <a:blip r:embed="rId7" cstate="print"/>
-            <a:stretch>
-              <a:fillRect/>
-            </a:stretch>
-          </p:blipFill>
-          <p:spPr>
-            <a:xfrm>
-              <a:off x="5600579" y="6720000"/>
-              <a:ext cx="6330849" cy="2266572"/>
-            </a:xfrm>
-            <a:prstGeom prst="rect">
-              <a:avLst/>
-            </a:prstGeom>
-          </p:spPr>
-        </p:pic>
-      </p:grpSp>
-      <p:sp>
-        <p:nvSpPr>
-          <p:cNvPr id="33" name="Object 33"/>
-          <p:cNvSpPr txBox="1"/>
-          <p:nvPr/>
-        </p:nvSpPr>
-        <p:spPr>
-          <a:xfrm>
-            <a:off x="5830003" y="7498892"/>
-            <a:ext cx="8050450" cy="1531633"/>
-          </a:xfrm>
-          <a:prstGeom prst="rect">
-            <a:avLst/>
-          </a:prstGeom>
-          <a:noFill/>
-        </p:spPr>
-        <p:txBody>
-          <a:bodyPr wrap="square" rtlCol="0"/>
-          <a:lstStyle/>
-          <a:p>
-            <a:pPr algn="just"/>
-            <a:r>
-              <a:rPr lang="en-US" sz="3600" kern="0" spc="-300" dirty="0">
-                <a:solidFill>
-                  <a:srgbClr val="000000"/>
-                </a:solidFill>
-                <a:latin typeface="a뉴굴림1" panose="02020600000000000000" pitchFamily="18" charset="-127"/>
-                <a:ea typeface="a뉴굴림1" panose="02020600000000000000" pitchFamily="18" charset="-127"/>
-                <a:cs typeface="에스코어 드림 5" pitchFamily="34" charset="0"/>
-              </a:rPr>
-              <a:t>강조하고자 하는 문구를 이곳에 입력</a:t>
-            </a:r>
-          </a:p>
-          <a:p>
-            <a:pPr algn="just"/>
-            <a:r>
-              <a:rPr lang="en-US" sz="3600" kern="0" spc="-300" dirty="0">
-                <a:solidFill>
-                  <a:srgbClr val="000000"/>
-                </a:solidFill>
-                <a:latin typeface="a뉴굴림1" panose="02020600000000000000" pitchFamily="18" charset="-127"/>
-                <a:ea typeface="a뉴굴림1" panose="02020600000000000000" pitchFamily="18" charset="-127"/>
-                <a:cs typeface="에스코어 드림 5" pitchFamily="34" charset="0"/>
-              </a:rPr>
-              <a:t>하여 주세요. 텍스트박스를 더블클릭!</a:t>
-            </a:r>
-            <a:endParaRPr lang="en-US" dirty="0">
-              <a:latin typeface="a뉴굴림1" panose="02020600000000000000" pitchFamily="18" charset="-127"/>
-              <a:ea typeface="a뉴굴림1" panose="02020600000000000000" pitchFamily="18" charset="-127"/>
-            </a:endParaRPr>
-          </a:p>
-        </p:txBody>
-      </p:sp>
-    </p:spTree>
-    <p:extLst>
-      <p:ext uri="{BB962C8B-B14F-4D97-AF65-F5344CB8AC3E}">
-        <p14:creationId xmlns:p14="http://schemas.microsoft.com/office/powerpoint/2010/main" xmlns="" val="2922814050"/>
+        <p14:creationId xmlns:p14="http://schemas.microsoft.com/office/powerpoint/2010/main" val="2387075693"/>
       </p:ext>
     </p:extLst>
   </p:cSld>
